--- a/lesson/fig/ex-figs.pptx
+++ b/lesson/fig/ex-figs.pptx
@@ -7,6 +7,8 @@
   <p:sldIdLst>
     <p:sldId id="257" r:id="rId2"/>
     <p:sldId id="258" r:id="rId3"/>
+    <p:sldId id="259" r:id="rId4"/>
+    <p:sldId id="260" r:id="rId5"/>
   </p:sldIdLst>
   <p:sldSz cx="12192000" cy="6858000"/>
   <p:notesSz cx="6858000" cy="9144000"/>
@@ -4549,6 +4551,1874 @@
 </p:sld>
 </file>
 
+<file path=ppt/slides/slide3.xml><?xml version="1.0" encoding="utf-8"?>
+<p:sld xmlns:a="http://schemas.openxmlformats.org/drawingml/2006/main" xmlns:r="http://schemas.openxmlformats.org/officeDocument/2006/relationships" xmlns:p="http://schemas.openxmlformats.org/presentationml/2006/main">
+  <p:cSld>
+    <p:spTree>
+      <p:nvGrpSpPr>
+        <p:cNvPr id="1" name=""/>
+        <p:cNvGrpSpPr/>
+        <p:nvPr/>
+      </p:nvGrpSpPr>
+      <p:grpSpPr>
+        <a:xfrm>
+          <a:off x="0" y="0"/>
+          <a:ext cx="0" cy="0"/>
+          <a:chOff x="0" y="0"/>
+          <a:chExt cx="0" cy="0"/>
+        </a:xfrm>
+      </p:grpSpPr>
+      <p:pic>
+        <p:nvPicPr>
+          <p:cNvPr id="2" name="図 1">
+            <a:extLst>
+              <a:ext uri="{FF2B5EF4-FFF2-40B4-BE49-F238E27FC236}">
+                <a16:creationId xmlns:a16="http://schemas.microsoft.com/office/drawing/2014/main" id="{B903A56D-0792-007B-240A-94FDA6D9AC4A}"/>
+              </a:ext>
+            </a:extLst>
+          </p:cNvPr>
+          <p:cNvPicPr>
+            <a:picLocks noChangeAspect="1"/>
+          </p:cNvPicPr>
+          <p:nvPr/>
+        </p:nvPicPr>
+        <p:blipFill>
+          <a:blip r:embed="rId2"/>
+          <a:stretch>
+            <a:fillRect/>
+          </a:stretch>
+        </p:blipFill>
+        <p:spPr>
+          <a:xfrm>
+            <a:off x="2997200" y="1092200"/>
+            <a:ext cx="6197600" cy="4673600"/>
+          </a:xfrm>
+          <a:prstGeom prst="rect">
+            <a:avLst/>
+          </a:prstGeom>
+        </p:spPr>
+      </p:pic>
+      <p:cxnSp>
+        <p:nvCxnSpPr>
+          <p:cNvPr id="3" name="直線矢印コネクタ 2">
+            <a:extLst>
+              <a:ext uri="{FF2B5EF4-FFF2-40B4-BE49-F238E27FC236}">
+                <a16:creationId xmlns:a16="http://schemas.microsoft.com/office/drawing/2014/main" id="{0B7B0F62-F8EF-B350-39B6-7A990FCF9BDD}"/>
+              </a:ext>
+            </a:extLst>
+          </p:cNvPr>
+          <p:cNvCxnSpPr>
+            <a:cxnSpLocks/>
+          </p:cNvCxnSpPr>
+          <p:nvPr/>
+        </p:nvCxnSpPr>
+        <p:spPr>
+          <a:xfrm>
+            <a:off x="4204138" y="4235669"/>
+            <a:ext cx="294290" cy="0"/>
+          </a:xfrm>
+          <a:prstGeom prst="straightConnector1">
+            <a:avLst/>
+          </a:prstGeom>
+          <a:ln w="19050">
+            <a:solidFill>
+              <a:srgbClr val="0070C0"/>
+            </a:solidFill>
+            <a:tailEnd type="triangle" w="lg" len="med"/>
+          </a:ln>
+        </p:spPr>
+        <p:style>
+          <a:lnRef idx="1">
+            <a:schemeClr val="accent1"/>
+          </a:lnRef>
+          <a:fillRef idx="0">
+            <a:schemeClr val="accent1"/>
+          </a:fillRef>
+          <a:effectRef idx="0">
+            <a:schemeClr val="accent1"/>
+          </a:effectRef>
+          <a:fontRef idx="minor">
+            <a:schemeClr val="tx1"/>
+          </a:fontRef>
+        </p:style>
+      </p:cxnSp>
+      <p:cxnSp>
+        <p:nvCxnSpPr>
+          <p:cNvPr id="5" name="直線矢印コネクタ 4">
+            <a:extLst>
+              <a:ext uri="{FF2B5EF4-FFF2-40B4-BE49-F238E27FC236}">
+                <a16:creationId xmlns:a16="http://schemas.microsoft.com/office/drawing/2014/main" id="{D70CEED6-25B0-D3EB-1B63-72A45DF1A9CD}"/>
+              </a:ext>
+            </a:extLst>
+          </p:cNvPr>
+          <p:cNvCxnSpPr>
+            <a:cxnSpLocks/>
+          </p:cNvCxnSpPr>
+          <p:nvPr/>
+        </p:nvCxnSpPr>
+        <p:spPr>
+          <a:xfrm>
+            <a:off x="4537771" y="4235669"/>
+            <a:ext cx="614997" cy="0"/>
+          </a:xfrm>
+          <a:prstGeom prst="straightConnector1">
+            <a:avLst/>
+          </a:prstGeom>
+          <a:ln w="19050">
+            <a:solidFill>
+              <a:srgbClr val="0070C0"/>
+            </a:solidFill>
+            <a:tailEnd type="triangle" w="lg" len="med"/>
+          </a:ln>
+        </p:spPr>
+        <p:style>
+          <a:lnRef idx="1">
+            <a:schemeClr val="accent1"/>
+          </a:lnRef>
+          <a:fillRef idx="0">
+            <a:schemeClr val="accent1"/>
+          </a:fillRef>
+          <a:effectRef idx="0">
+            <a:schemeClr val="accent1"/>
+          </a:effectRef>
+          <a:fontRef idx="minor">
+            <a:schemeClr val="tx1"/>
+          </a:fontRef>
+        </p:style>
+      </p:cxnSp>
+      <p:cxnSp>
+        <p:nvCxnSpPr>
+          <p:cNvPr id="11" name="直線矢印コネクタ 10">
+            <a:extLst>
+              <a:ext uri="{FF2B5EF4-FFF2-40B4-BE49-F238E27FC236}">
+                <a16:creationId xmlns:a16="http://schemas.microsoft.com/office/drawing/2014/main" id="{0F029E60-FDFD-16EB-8979-A8409D682E0E}"/>
+              </a:ext>
+            </a:extLst>
+          </p:cNvPr>
+          <p:cNvCxnSpPr>
+            <a:cxnSpLocks/>
+          </p:cNvCxnSpPr>
+          <p:nvPr/>
+        </p:nvCxnSpPr>
+        <p:spPr>
+          <a:xfrm>
+            <a:off x="5205036" y="4235669"/>
+            <a:ext cx="750921" cy="0"/>
+          </a:xfrm>
+          <a:prstGeom prst="straightConnector1">
+            <a:avLst/>
+          </a:prstGeom>
+          <a:ln w="19050">
+            <a:solidFill>
+              <a:srgbClr val="0070C0"/>
+            </a:solidFill>
+            <a:tailEnd type="triangle" w="lg" len="med"/>
+          </a:ln>
+        </p:spPr>
+        <p:style>
+          <a:lnRef idx="1">
+            <a:schemeClr val="accent1"/>
+          </a:lnRef>
+          <a:fillRef idx="0">
+            <a:schemeClr val="accent1"/>
+          </a:fillRef>
+          <a:effectRef idx="0">
+            <a:schemeClr val="accent1"/>
+          </a:effectRef>
+          <a:fontRef idx="minor">
+            <a:schemeClr val="tx1"/>
+          </a:fontRef>
+        </p:style>
+      </p:cxnSp>
+      <p:cxnSp>
+        <p:nvCxnSpPr>
+          <p:cNvPr id="13" name="直線矢印コネクタ 12">
+            <a:extLst>
+              <a:ext uri="{FF2B5EF4-FFF2-40B4-BE49-F238E27FC236}">
+                <a16:creationId xmlns:a16="http://schemas.microsoft.com/office/drawing/2014/main" id="{B28F635B-A6E8-92E3-2AE8-54B9E9AD64BD}"/>
+              </a:ext>
+            </a:extLst>
+          </p:cNvPr>
+          <p:cNvCxnSpPr>
+            <a:cxnSpLocks/>
+          </p:cNvCxnSpPr>
+          <p:nvPr/>
+        </p:nvCxnSpPr>
+        <p:spPr>
+          <a:xfrm>
+            <a:off x="5983511" y="4235669"/>
+            <a:ext cx="948630" cy="0"/>
+          </a:xfrm>
+          <a:prstGeom prst="straightConnector1">
+            <a:avLst/>
+          </a:prstGeom>
+          <a:ln w="19050">
+            <a:solidFill>
+              <a:srgbClr val="0070C0"/>
+            </a:solidFill>
+            <a:tailEnd type="triangle" w="lg" len="med"/>
+          </a:ln>
+        </p:spPr>
+        <p:style>
+          <a:lnRef idx="1">
+            <a:schemeClr val="accent1"/>
+          </a:lnRef>
+          <a:fillRef idx="0">
+            <a:schemeClr val="accent1"/>
+          </a:fillRef>
+          <a:effectRef idx="0">
+            <a:schemeClr val="accent1"/>
+          </a:effectRef>
+          <a:fontRef idx="minor">
+            <a:schemeClr val="tx1"/>
+          </a:fontRef>
+        </p:style>
+      </p:cxnSp>
+      <p:cxnSp>
+        <p:nvCxnSpPr>
+          <p:cNvPr id="15" name="直線矢印コネクタ 14">
+            <a:extLst>
+              <a:ext uri="{FF2B5EF4-FFF2-40B4-BE49-F238E27FC236}">
+                <a16:creationId xmlns:a16="http://schemas.microsoft.com/office/drawing/2014/main" id="{7C0F18AE-EF09-2C14-ED7D-22657E98A023}"/>
+              </a:ext>
+            </a:extLst>
+          </p:cNvPr>
+          <p:cNvCxnSpPr>
+            <a:cxnSpLocks/>
+          </p:cNvCxnSpPr>
+          <p:nvPr/>
+        </p:nvCxnSpPr>
+        <p:spPr>
+          <a:xfrm>
+            <a:off x="6972051" y="4235669"/>
+            <a:ext cx="1232835" cy="0"/>
+          </a:xfrm>
+          <a:prstGeom prst="straightConnector1">
+            <a:avLst/>
+          </a:prstGeom>
+          <a:ln w="19050">
+            <a:solidFill>
+              <a:srgbClr val="0070C0"/>
+            </a:solidFill>
+            <a:tailEnd type="triangle" w="lg" len="med"/>
+          </a:ln>
+        </p:spPr>
+        <p:style>
+          <a:lnRef idx="1">
+            <a:schemeClr val="accent1"/>
+          </a:lnRef>
+          <a:fillRef idx="0">
+            <a:schemeClr val="accent1"/>
+          </a:fillRef>
+          <a:effectRef idx="0">
+            <a:schemeClr val="accent1"/>
+          </a:effectRef>
+          <a:fontRef idx="minor">
+            <a:schemeClr val="tx1"/>
+          </a:fontRef>
+        </p:style>
+      </p:cxnSp>
+      <p:sp>
+        <p:nvSpPr>
+          <p:cNvPr id="17" name="テキスト ボックス 16">
+            <a:extLst>
+              <a:ext uri="{FF2B5EF4-FFF2-40B4-BE49-F238E27FC236}">
+                <a16:creationId xmlns:a16="http://schemas.microsoft.com/office/drawing/2014/main" id="{236E5815-9C61-D580-F2E0-9BCF83E4E74D}"/>
+              </a:ext>
+            </a:extLst>
+          </p:cNvPr>
+          <p:cNvSpPr txBox="1"/>
+          <p:nvPr/>
+        </p:nvSpPr>
+        <p:spPr>
+          <a:xfrm>
+            <a:off x="4130710" y="4335527"/>
+            <a:ext cx="441146" cy="369332"/>
+          </a:xfrm>
+          <a:prstGeom prst="rect">
+            <a:avLst/>
+          </a:prstGeom>
+          <a:noFill/>
+        </p:spPr>
+        <p:txBody>
+          <a:bodyPr wrap="square" rtlCol="0">
+            <a:spAutoFit/>
+          </a:bodyPr>
+          <a:lstStyle/>
+          <a:p>
+            <a:r>
+              <a:rPr kumimoji="1" lang="en-US" altLang="ja-JP">
+                <a:solidFill>
+                  <a:srgbClr val="0070C0"/>
+                </a:solidFill>
+              </a:rPr>
+              <a:t>20</a:t>
+            </a:r>
+            <a:endParaRPr kumimoji="1" lang="ja-JP" altLang="en-US">
+              <a:solidFill>
+                <a:srgbClr val="0070C0"/>
+              </a:solidFill>
+            </a:endParaRPr>
+          </a:p>
+        </p:txBody>
+      </p:sp>
+      <p:sp>
+        <p:nvSpPr>
+          <p:cNvPr id="18" name="テキスト ボックス 17">
+            <a:extLst>
+              <a:ext uri="{FF2B5EF4-FFF2-40B4-BE49-F238E27FC236}">
+                <a16:creationId xmlns:a16="http://schemas.microsoft.com/office/drawing/2014/main" id="{A9C587D6-6C7C-FE19-FBC7-9AF62704D479}"/>
+              </a:ext>
+            </a:extLst>
+          </p:cNvPr>
+          <p:cNvSpPr txBox="1"/>
+          <p:nvPr/>
+        </p:nvSpPr>
+        <p:spPr>
+          <a:xfrm>
+            <a:off x="4624696" y="4335527"/>
+            <a:ext cx="441146" cy="369332"/>
+          </a:xfrm>
+          <a:prstGeom prst="rect">
+            <a:avLst/>
+          </a:prstGeom>
+          <a:noFill/>
+        </p:spPr>
+        <p:txBody>
+          <a:bodyPr wrap="square" rtlCol="0">
+            <a:spAutoFit/>
+          </a:bodyPr>
+          <a:lstStyle/>
+          <a:p>
+            <a:r>
+              <a:rPr lang="en-US" altLang="ja-JP">
+                <a:solidFill>
+                  <a:srgbClr val="0070C0"/>
+                </a:solidFill>
+              </a:rPr>
+              <a:t>4</a:t>
+            </a:r>
+            <a:r>
+              <a:rPr kumimoji="1" lang="en-US" altLang="ja-JP">
+                <a:solidFill>
+                  <a:srgbClr val="0070C0"/>
+                </a:solidFill>
+              </a:rPr>
+              <a:t>0</a:t>
+            </a:r>
+            <a:endParaRPr kumimoji="1" lang="ja-JP" altLang="en-US">
+              <a:solidFill>
+                <a:srgbClr val="0070C0"/>
+              </a:solidFill>
+            </a:endParaRPr>
+          </a:p>
+        </p:txBody>
+      </p:sp>
+      <p:sp>
+        <p:nvSpPr>
+          <p:cNvPr id="19" name="テキスト ボックス 18">
+            <a:extLst>
+              <a:ext uri="{FF2B5EF4-FFF2-40B4-BE49-F238E27FC236}">
+                <a16:creationId xmlns:a16="http://schemas.microsoft.com/office/drawing/2014/main" id="{277BF277-1F32-FF4C-7534-12D9B92DA50A}"/>
+              </a:ext>
+            </a:extLst>
+          </p:cNvPr>
+          <p:cNvSpPr txBox="1"/>
+          <p:nvPr/>
+        </p:nvSpPr>
+        <p:spPr>
+          <a:xfrm>
+            <a:off x="5359923" y="4335527"/>
+            <a:ext cx="441146" cy="369332"/>
+          </a:xfrm>
+          <a:prstGeom prst="rect">
+            <a:avLst/>
+          </a:prstGeom>
+          <a:noFill/>
+        </p:spPr>
+        <p:txBody>
+          <a:bodyPr wrap="square" rtlCol="0">
+            <a:spAutoFit/>
+          </a:bodyPr>
+          <a:lstStyle/>
+          <a:p>
+            <a:r>
+              <a:rPr kumimoji="1" lang="en-US" altLang="ja-JP">
+                <a:solidFill>
+                  <a:srgbClr val="0070C0"/>
+                </a:solidFill>
+              </a:rPr>
+              <a:t>60</a:t>
+            </a:r>
+            <a:endParaRPr kumimoji="1" lang="ja-JP" altLang="en-US">
+              <a:solidFill>
+                <a:srgbClr val="0070C0"/>
+              </a:solidFill>
+            </a:endParaRPr>
+          </a:p>
+        </p:txBody>
+      </p:sp>
+      <p:sp>
+        <p:nvSpPr>
+          <p:cNvPr id="20" name="テキスト ボックス 19">
+            <a:extLst>
+              <a:ext uri="{FF2B5EF4-FFF2-40B4-BE49-F238E27FC236}">
+                <a16:creationId xmlns:a16="http://schemas.microsoft.com/office/drawing/2014/main" id="{737EDB3F-AAF4-47C1-9BB0-FC81BF39CD82}"/>
+              </a:ext>
+            </a:extLst>
+          </p:cNvPr>
+          <p:cNvSpPr txBox="1"/>
+          <p:nvPr/>
+        </p:nvSpPr>
+        <p:spPr>
+          <a:xfrm>
+            <a:off x="6237253" y="4335527"/>
+            <a:ext cx="441146" cy="369332"/>
+          </a:xfrm>
+          <a:prstGeom prst="rect">
+            <a:avLst/>
+          </a:prstGeom>
+          <a:noFill/>
+        </p:spPr>
+        <p:txBody>
+          <a:bodyPr wrap="square" rtlCol="0">
+            <a:spAutoFit/>
+          </a:bodyPr>
+          <a:lstStyle/>
+          <a:p>
+            <a:r>
+              <a:rPr kumimoji="1" lang="en-US" altLang="ja-JP">
+                <a:solidFill>
+                  <a:srgbClr val="0070C0"/>
+                </a:solidFill>
+              </a:rPr>
+              <a:t>80</a:t>
+            </a:r>
+            <a:endParaRPr kumimoji="1" lang="ja-JP" altLang="en-US">
+              <a:solidFill>
+                <a:srgbClr val="0070C0"/>
+              </a:solidFill>
+            </a:endParaRPr>
+          </a:p>
+        </p:txBody>
+      </p:sp>
+      <p:sp>
+        <p:nvSpPr>
+          <p:cNvPr id="21" name="テキスト ボックス 20">
+            <a:extLst>
+              <a:ext uri="{FF2B5EF4-FFF2-40B4-BE49-F238E27FC236}">
+                <a16:creationId xmlns:a16="http://schemas.microsoft.com/office/drawing/2014/main" id="{20049663-83F7-E219-2953-AE83066170FE}"/>
+              </a:ext>
+            </a:extLst>
+          </p:cNvPr>
+          <p:cNvSpPr txBox="1"/>
+          <p:nvPr/>
+        </p:nvSpPr>
+        <p:spPr>
+          <a:xfrm>
+            <a:off x="7239659" y="4335527"/>
+            <a:ext cx="569382" cy="369329"/>
+          </a:xfrm>
+          <a:prstGeom prst="rect">
+            <a:avLst/>
+          </a:prstGeom>
+          <a:noFill/>
+        </p:spPr>
+        <p:txBody>
+          <a:bodyPr wrap="square" rtlCol="0">
+            <a:spAutoFit/>
+          </a:bodyPr>
+          <a:lstStyle/>
+          <a:p>
+            <a:r>
+              <a:rPr lang="en-US" altLang="ja-JP">
+                <a:solidFill>
+                  <a:srgbClr val="0070C0"/>
+                </a:solidFill>
+              </a:rPr>
+              <a:t>100</a:t>
+            </a:r>
+            <a:endParaRPr kumimoji="1" lang="ja-JP" altLang="en-US">
+              <a:solidFill>
+                <a:srgbClr val="0070C0"/>
+              </a:solidFill>
+            </a:endParaRPr>
+          </a:p>
+        </p:txBody>
+      </p:sp>
+      <p:sp>
+        <p:nvSpPr>
+          <p:cNvPr id="22" name="テキスト ボックス 21">
+            <a:extLst>
+              <a:ext uri="{FF2B5EF4-FFF2-40B4-BE49-F238E27FC236}">
+                <a16:creationId xmlns:a16="http://schemas.microsoft.com/office/drawing/2014/main" id="{964A4652-03C5-C048-4D81-97AEEF33559C}"/>
+              </a:ext>
+            </a:extLst>
+          </p:cNvPr>
+          <p:cNvSpPr txBox="1"/>
+          <p:nvPr/>
+        </p:nvSpPr>
+        <p:spPr>
+          <a:xfrm>
+            <a:off x="272143" y="217714"/>
+            <a:ext cx="910827" cy="369332"/>
+          </a:xfrm>
+          <a:prstGeom prst="rect">
+            <a:avLst/>
+          </a:prstGeom>
+          <a:noFill/>
+        </p:spPr>
+        <p:txBody>
+          <a:bodyPr wrap="none" rtlCol="0">
+            <a:spAutoFit/>
+          </a:bodyPr>
+          <a:lstStyle/>
+          <a:p>
+            <a:r>
+              <a:rPr kumimoji="1" lang="en-US" altLang="ja-JP"/>
+              <a:t>ex07-1</a:t>
+            </a:r>
+            <a:endParaRPr kumimoji="1" lang="ja-JP" altLang="en-US"/>
+          </a:p>
+        </p:txBody>
+      </p:sp>
+    </p:spTree>
+    <p:extLst>
+      <p:ext uri="{BB962C8B-B14F-4D97-AF65-F5344CB8AC3E}">
+        <p14:creationId xmlns:p14="http://schemas.microsoft.com/office/powerpoint/2010/main" val="3157281542"/>
+      </p:ext>
+    </p:extLst>
+  </p:cSld>
+  <p:clrMapOvr>
+    <a:masterClrMapping/>
+  </p:clrMapOvr>
+</p:sld>
+</file>
+
+<file path=ppt/slides/slide4.xml><?xml version="1.0" encoding="utf-8"?>
+<p:sld xmlns:a="http://schemas.openxmlformats.org/drawingml/2006/main" xmlns:r="http://schemas.openxmlformats.org/officeDocument/2006/relationships" xmlns:p="http://schemas.openxmlformats.org/presentationml/2006/main">
+  <p:cSld>
+    <p:spTree>
+      <p:nvGrpSpPr>
+        <p:cNvPr id="1" name=""/>
+        <p:cNvGrpSpPr/>
+        <p:nvPr/>
+      </p:nvGrpSpPr>
+      <p:grpSpPr>
+        <a:xfrm>
+          <a:off x="0" y="0"/>
+          <a:ext cx="0" cy="0"/>
+          <a:chOff x="0" y="0"/>
+          <a:chExt cx="0" cy="0"/>
+        </a:xfrm>
+      </p:grpSpPr>
+      <p:sp>
+        <p:nvSpPr>
+          <p:cNvPr id="4" name="テキスト ボックス 3">
+            <a:extLst>
+              <a:ext uri="{FF2B5EF4-FFF2-40B4-BE49-F238E27FC236}">
+                <a16:creationId xmlns:a16="http://schemas.microsoft.com/office/drawing/2014/main" id="{710CB66D-6F91-F430-79F2-9FE4E3A308B7}"/>
+              </a:ext>
+            </a:extLst>
+          </p:cNvPr>
+          <p:cNvSpPr txBox="1"/>
+          <p:nvPr/>
+        </p:nvSpPr>
+        <p:spPr>
+          <a:xfrm>
+            <a:off x="272143" y="217714"/>
+            <a:ext cx="910827" cy="369332"/>
+          </a:xfrm>
+          <a:prstGeom prst="rect">
+            <a:avLst/>
+          </a:prstGeom>
+          <a:noFill/>
+        </p:spPr>
+        <p:txBody>
+          <a:bodyPr wrap="none" rtlCol="0">
+            <a:spAutoFit/>
+          </a:bodyPr>
+          <a:lstStyle/>
+          <a:p>
+            <a:r>
+              <a:rPr kumimoji="1" lang="en-US" altLang="ja-JP"/>
+              <a:t>ex08-1</a:t>
+            </a:r>
+            <a:endParaRPr kumimoji="1" lang="ja-JP" altLang="en-US"/>
+          </a:p>
+        </p:txBody>
+      </p:sp>
+      <p:pic>
+        <p:nvPicPr>
+          <p:cNvPr id="6" name="図 5" descr="図形 が含まれている画像&#10;&#10;自動的に生成された説明">
+            <a:extLst>
+              <a:ext uri="{FF2B5EF4-FFF2-40B4-BE49-F238E27FC236}">
+                <a16:creationId xmlns:a16="http://schemas.microsoft.com/office/drawing/2014/main" id="{A85225FF-2F2D-B218-0136-5A953CA3D90C}"/>
+              </a:ext>
+            </a:extLst>
+          </p:cNvPr>
+          <p:cNvPicPr>
+            <a:picLocks noChangeAspect="1"/>
+          </p:cNvPicPr>
+          <p:nvPr/>
+        </p:nvPicPr>
+        <p:blipFill>
+          <a:blip r:embed="rId2"/>
+          <a:stretch>
+            <a:fillRect/>
+          </a:stretch>
+        </p:blipFill>
+        <p:spPr>
+          <a:xfrm>
+            <a:off x="2990850" y="1079500"/>
+            <a:ext cx="6210300" cy="4699000"/>
+          </a:xfrm>
+          <a:prstGeom prst="rect">
+            <a:avLst/>
+          </a:prstGeom>
+        </p:spPr>
+      </p:pic>
+      <p:pic>
+        <p:nvPicPr>
+          <p:cNvPr id="8" name="図 7" descr="図形&#10;&#10;中程度の精度で自動的に生成された説明">
+            <a:extLst>
+              <a:ext uri="{FF2B5EF4-FFF2-40B4-BE49-F238E27FC236}">
+                <a16:creationId xmlns:a16="http://schemas.microsoft.com/office/drawing/2014/main" id="{50A386A2-F10F-B808-B9EA-B24205A47839}"/>
+              </a:ext>
+            </a:extLst>
+          </p:cNvPr>
+          <p:cNvPicPr>
+            <a:picLocks noChangeAspect="1"/>
+          </p:cNvPicPr>
+          <p:nvPr/>
+        </p:nvPicPr>
+        <p:blipFill>
+          <a:blip r:embed="rId3"/>
+          <a:stretch>
+            <a:fillRect/>
+          </a:stretch>
+        </p:blipFill>
+        <p:spPr>
+          <a:xfrm>
+            <a:off x="3104930" y="2463366"/>
+            <a:ext cx="1168400" cy="1447800"/>
+          </a:xfrm>
+          <a:prstGeom prst="rect">
+            <a:avLst/>
+          </a:prstGeom>
+        </p:spPr>
+      </p:pic>
+      <p:cxnSp>
+        <p:nvCxnSpPr>
+          <p:cNvPr id="9" name="直線矢印コネクタ 8">
+            <a:extLst>
+              <a:ext uri="{FF2B5EF4-FFF2-40B4-BE49-F238E27FC236}">
+                <a16:creationId xmlns:a16="http://schemas.microsoft.com/office/drawing/2014/main" id="{18C62584-D408-AB9D-63D0-4E45B18CF740}"/>
+              </a:ext>
+            </a:extLst>
+          </p:cNvPr>
+          <p:cNvCxnSpPr>
+            <a:cxnSpLocks/>
+          </p:cNvCxnSpPr>
+          <p:nvPr/>
+        </p:nvCxnSpPr>
+        <p:spPr>
+          <a:xfrm>
+            <a:off x="3223979" y="2228193"/>
+            <a:ext cx="614997" cy="0"/>
+          </a:xfrm>
+          <a:prstGeom prst="straightConnector1">
+            <a:avLst/>
+          </a:prstGeom>
+          <a:ln w="19050">
+            <a:solidFill>
+              <a:srgbClr val="0070C0"/>
+            </a:solidFill>
+            <a:tailEnd type="triangle" w="lg" len="med"/>
+          </a:ln>
+        </p:spPr>
+        <p:style>
+          <a:lnRef idx="1">
+            <a:schemeClr val="accent1"/>
+          </a:lnRef>
+          <a:fillRef idx="0">
+            <a:schemeClr val="accent1"/>
+          </a:fillRef>
+          <a:effectRef idx="0">
+            <a:schemeClr val="accent1"/>
+          </a:effectRef>
+          <a:fontRef idx="minor">
+            <a:schemeClr val="tx1"/>
+          </a:fontRef>
+        </p:style>
+      </p:cxnSp>
+      <p:sp>
+        <p:nvSpPr>
+          <p:cNvPr id="10" name="テキスト ボックス 9">
+            <a:extLst>
+              <a:ext uri="{FF2B5EF4-FFF2-40B4-BE49-F238E27FC236}">
+                <a16:creationId xmlns:a16="http://schemas.microsoft.com/office/drawing/2014/main" id="{0ADEE7D1-4F24-8418-B951-7EB3B55A0794}"/>
+              </a:ext>
+            </a:extLst>
+          </p:cNvPr>
+          <p:cNvSpPr txBox="1"/>
+          <p:nvPr/>
+        </p:nvSpPr>
+        <p:spPr>
+          <a:xfrm>
+            <a:off x="5707029" y="1286688"/>
+            <a:ext cx="770274" cy="369332"/>
+          </a:xfrm>
+          <a:prstGeom prst="rect">
+            <a:avLst/>
+          </a:prstGeom>
+          <a:noFill/>
+        </p:spPr>
+        <p:txBody>
+          <a:bodyPr wrap="square" rtlCol="0">
+            <a:spAutoFit/>
+          </a:bodyPr>
+          <a:lstStyle/>
+          <a:p>
+            <a:pPr algn="ctr"/>
+            <a:r>
+              <a:rPr kumimoji="1" lang="en-US" altLang="ja-JP"/>
+              <a:t>10</a:t>
+            </a:r>
+            <a:r>
+              <a:rPr kumimoji="1" lang="ja-JP" altLang="en-US"/>
+              <a:t>回</a:t>
+            </a:r>
+          </a:p>
+        </p:txBody>
+      </p:sp>
+      <p:cxnSp>
+        <p:nvCxnSpPr>
+          <p:cNvPr id="11" name="直線矢印コネクタ 10">
+            <a:extLst>
+              <a:ext uri="{FF2B5EF4-FFF2-40B4-BE49-F238E27FC236}">
+                <a16:creationId xmlns:a16="http://schemas.microsoft.com/office/drawing/2014/main" id="{A9D9D840-4E6A-6246-1128-B455BB79BDDC}"/>
+              </a:ext>
+            </a:extLst>
+          </p:cNvPr>
+          <p:cNvCxnSpPr>
+            <a:cxnSpLocks/>
+          </p:cNvCxnSpPr>
+          <p:nvPr/>
+        </p:nvCxnSpPr>
+        <p:spPr>
+          <a:xfrm>
+            <a:off x="3864152" y="2228193"/>
+            <a:ext cx="614997" cy="0"/>
+          </a:xfrm>
+          <a:prstGeom prst="straightConnector1">
+            <a:avLst/>
+          </a:prstGeom>
+          <a:ln w="19050">
+            <a:solidFill>
+              <a:srgbClr val="0070C0"/>
+            </a:solidFill>
+            <a:tailEnd type="triangle" w="lg" len="med"/>
+          </a:ln>
+        </p:spPr>
+        <p:style>
+          <a:lnRef idx="1">
+            <a:schemeClr val="accent1"/>
+          </a:lnRef>
+          <a:fillRef idx="0">
+            <a:schemeClr val="accent1"/>
+          </a:fillRef>
+          <a:effectRef idx="0">
+            <a:schemeClr val="accent1"/>
+          </a:effectRef>
+          <a:fontRef idx="minor">
+            <a:schemeClr val="tx1"/>
+          </a:fontRef>
+        </p:style>
+      </p:cxnSp>
+      <p:cxnSp>
+        <p:nvCxnSpPr>
+          <p:cNvPr id="12" name="直線矢印コネクタ 11">
+            <a:extLst>
+              <a:ext uri="{FF2B5EF4-FFF2-40B4-BE49-F238E27FC236}">
+                <a16:creationId xmlns:a16="http://schemas.microsoft.com/office/drawing/2014/main" id="{2C7BC9D6-D938-3B12-78FC-32D9BE96AEF1}"/>
+              </a:ext>
+            </a:extLst>
+          </p:cNvPr>
+          <p:cNvCxnSpPr>
+            <a:cxnSpLocks/>
+          </p:cNvCxnSpPr>
+          <p:nvPr/>
+        </p:nvCxnSpPr>
+        <p:spPr>
+          <a:xfrm>
+            <a:off x="4504324" y="2228193"/>
+            <a:ext cx="614997" cy="0"/>
+          </a:xfrm>
+          <a:prstGeom prst="straightConnector1">
+            <a:avLst/>
+          </a:prstGeom>
+          <a:ln w="19050">
+            <a:solidFill>
+              <a:srgbClr val="0070C0"/>
+            </a:solidFill>
+            <a:tailEnd type="triangle" w="lg" len="med"/>
+          </a:ln>
+        </p:spPr>
+        <p:style>
+          <a:lnRef idx="1">
+            <a:schemeClr val="accent1"/>
+          </a:lnRef>
+          <a:fillRef idx="0">
+            <a:schemeClr val="accent1"/>
+          </a:fillRef>
+          <a:effectRef idx="0">
+            <a:schemeClr val="accent1"/>
+          </a:effectRef>
+          <a:fontRef idx="minor">
+            <a:schemeClr val="tx1"/>
+          </a:fontRef>
+        </p:style>
+      </p:cxnSp>
+      <p:cxnSp>
+        <p:nvCxnSpPr>
+          <p:cNvPr id="13" name="直線矢印コネクタ 12">
+            <a:extLst>
+              <a:ext uri="{FF2B5EF4-FFF2-40B4-BE49-F238E27FC236}">
+                <a16:creationId xmlns:a16="http://schemas.microsoft.com/office/drawing/2014/main" id="{19DB1FEB-F6E5-9CB4-3058-9DA6D273A4DB}"/>
+              </a:ext>
+            </a:extLst>
+          </p:cNvPr>
+          <p:cNvCxnSpPr>
+            <a:cxnSpLocks/>
+          </p:cNvCxnSpPr>
+          <p:nvPr/>
+        </p:nvCxnSpPr>
+        <p:spPr>
+          <a:xfrm>
+            <a:off x="5144496" y="2228193"/>
+            <a:ext cx="614997" cy="0"/>
+          </a:xfrm>
+          <a:prstGeom prst="straightConnector1">
+            <a:avLst/>
+          </a:prstGeom>
+          <a:ln w="19050">
+            <a:solidFill>
+              <a:srgbClr val="0070C0"/>
+            </a:solidFill>
+            <a:tailEnd type="triangle" w="lg" len="med"/>
+          </a:ln>
+        </p:spPr>
+        <p:style>
+          <a:lnRef idx="1">
+            <a:schemeClr val="accent1"/>
+          </a:lnRef>
+          <a:fillRef idx="0">
+            <a:schemeClr val="accent1"/>
+          </a:fillRef>
+          <a:effectRef idx="0">
+            <a:schemeClr val="accent1"/>
+          </a:effectRef>
+          <a:fontRef idx="minor">
+            <a:schemeClr val="tx1"/>
+          </a:fontRef>
+        </p:style>
+      </p:cxnSp>
+      <p:cxnSp>
+        <p:nvCxnSpPr>
+          <p:cNvPr id="14" name="直線矢印コネクタ 13">
+            <a:extLst>
+              <a:ext uri="{FF2B5EF4-FFF2-40B4-BE49-F238E27FC236}">
+                <a16:creationId xmlns:a16="http://schemas.microsoft.com/office/drawing/2014/main" id="{85FA5AB5-7B21-AAAB-D5EB-2A3157FAD9AD}"/>
+              </a:ext>
+            </a:extLst>
+          </p:cNvPr>
+          <p:cNvCxnSpPr>
+            <a:cxnSpLocks/>
+          </p:cNvCxnSpPr>
+          <p:nvPr/>
+        </p:nvCxnSpPr>
+        <p:spPr>
+          <a:xfrm>
+            <a:off x="5784668" y="2228193"/>
+            <a:ext cx="614997" cy="0"/>
+          </a:xfrm>
+          <a:prstGeom prst="straightConnector1">
+            <a:avLst/>
+          </a:prstGeom>
+          <a:ln w="19050">
+            <a:solidFill>
+              <a:srgbClr val="0070C0"/>
+            </a:solidFill>
+            <a:tailEnd type="triangle" w="lg" len="med"/>
+          </a:ln>
+        </p:spPr>
+        <p:style>
+          <a:lnRef idx="1">
+            <a:schemeClr val="accent1"/>
+          </a:lnRef>
+          <a:fillRef idx="0">
+            <a:schemeClr val="accent1"/>
+          </a:fillRef>
+          <a:effectRef idx="0">
+            <a:schemeClr val="accent1"/>
+          </a:effectRef>
+          <a:fontRef idx="minor">
+            <a:schemeClr val="tx1"/>
+          </a:fontRef>
+        </p:style>
+      </p:cxnSp>
+      <p:cxnSp>
+        <p:nvCxnSpPr>
+          <p:cNvPr id="15" name="直線矢印コネクタ 14">
+            <a:extLst>
+              <a:ext uri="{FF2B5EF4-FFF2-40B4-BE49-F238E27FC236}">
+                <a16:creationId xmlns:a16="http://schemas.microsoft.com/office/drawing/2014/main" id="{B8610E37-9D7F-521B-9BEB-C1EC8A0FA773}"/>
+              </a:ext>
+            </a:extLst>
+          </p:cNvPr>
+          <p:cNvCxnSpPr>
+            <a:cxnSpLocks/>
+          </p:cNvCxnSpPr>
+          <p:nvPr/>
+        </p:nvCxnSpPr>
+        <p:spPr>
+          <a:xfrm>
+            <a:off x="6424840" y="2228193"/>
+            <a:ext cx="614997" cy="0"/>
+          </a:xfrm>
+          <a:prstGeom prst="straightConnector1">
+            <a:avLst/>
+          </a:prstGeom>
+          <a:ln w="19050">
+            <a:solidFill>
+              <a:srgbClr val="0070C0"/>
+            </a:solidFill>
+            <a:tailEnd type="triangle" w="lg" len="med"/>
+          </a:ln>
+        </p:spPr>
+        <p:style>
+          <a:lnRef idx="1">
+            <a:schemeClr val="accent1"/>
+          </a:lnRef>
+          <a:fillRef idx="0">
+            <a:schemeClr val="accent1"/>
+          </a:fillRef>
+          <a:effectRef idx="0">
+            <a:schemeClr val="accent1"/>
+          </a:effectRef>
+          <a:fontRef idx="minor">
+            <a:schemeClr val="tx1"/>
+          </a:fontRef>
+        </p:style>
+      </p:cxnSp>
+      <p:cxnSp>
+        <p:nvCxnSpPr>
+          <p:cNvPr id="16" name="直線矢印コネクタ 15">
+            <a:extLst>
+              <a:ext uri="{FF2B5EF4-FFF2-40B4-BE49-F238E27FC236}">
+                <a16:creationId xmlns:a16="http://schemas.microsoft.com/office/drawing/2014/main" id="{CFB28A26-3BBA-509D-7751-49C71FD1033D}"/>
+              </a:ext>
+            </a:extLst>
+          </p:cNvPr>
+          <p:cNvCxnSpPr>
+            <a:cxnSpLocks/>
+          </p:cNvCxnSpPr>
+          <p:nvPr/>
+        </p:nvCxnSpPr>
+        <p:spPr>
+          <a:xfrm>
+            <a:off x="7065012" y="2228193"/>
+            <a:ext cx="614997" cy="0"/>
+          </a:xfrm>
+          <a:prstGeom prst="straightConnector1">
+            <a:avLst/>
+          </a:prstGeom>
+          <a:ln w="19050">
+            <a:solidFill>
+              <a:srgbClr val="0070C0"/>
+            </a:solidFill>
+            <a:tailEnd type="triangle" w="lg" len="med"/>
+          </a:ln>
+        </p:spPr>
+        <p:style>
+          <a:lnRef idx="1">
+            <a:schemeClr val="accent1"/>
+          </a:lnRef>
+          <a:fillRef idx="0">
+            <a:schemeClr val="accent1"/>
+          </a:fillRef>
+          <a:effectRef idx="0">
+            <a:schemeClr val="accent1"/>
+          </a:effectRef>
+          <a:fontRef idx="minor">
+            <a:schemeClr val="tx1"/>
+          </a:fontRef>
+        </p:style>
+      </p:cxnSp>
+      <p:cxnSp>
+        <p:nvCxnSpPr>
+          <p:cNvPr id="17" name="直線矢印コネクタ 16">
+            <a:extLst>
+              <a:ext uri="{FF2B5EF4-FFF2-40B4-BE49-F238E27FC236}">
+                <a16:creationId xmlns:a16="http://schemas.microsoft.com/office/drawing/2014/main" id="{661AE242-16E0-33C3-535C-204DD6A298EF}"/>
+              </a:ext>
+            </a:extLst>
+          </p:cNvPr>
+          <p:cNvCxnSpPr>
+            <a:cxnSpLocks/>
+          </p:cNvCxnSpPr>
+          <p:nvPr/>
+        </p:nvCxnSpPr>
+        <p:spPr>
+          <a:xfrm>
+            <a:off x="7705185" y="2228193"/>
+            <a:ext cx="614997" cy="0"/>
+          </a:xfrm>
+          <a:prstGeom prst="straightConnector1">
+            <a:avLst/>
+          </a:prstGeom>
+          <a:ln w="19050">
+            <a:solidFill>
+              <a:srgbClr val="0070C0"/>
+            </a:solidFill>
+            <a:tailEnd type="triangle" w="lg" len="med"/>
+          </a:ln>
+        </p:spPr>
+        <p:style>
+          <a:lnRef idx="1">
+            <a:schemeClr val="accent1"/>
+          </a:lnRef>
+          <a:fillRef idx="0">
+            <a:schemeClr val="accent1"/>
+          </a:fillRef>
+          <a:effectRef idx="0">
+            <a:schemeClr val="accent1"/>
+          </a:effectRef>
+          <a:fontRef idx="minor">
+            <a:schemeClr val="tx1"/>
+          </a:fontRef>
+        </p:style>
+      </p:cxnSp>
+      <p:cxnSp>
+        <p:nvCxnSpPr>
+          <p:cNvPr id="18" name="直線矢印コネクタ 17">
+            <a:extLst>
+              <a:ext uri="{FF2B5EF4-FFF2-40B4-BE49-F238E27FC236}">
+                <a16:creationId xmlns:a16="http://schemas.microsoft.com/office/drawing/2014/main" id="{28C04DDD-0FC6-0F9A-325D-977594AA1718}"/>
+              </a:ext>
+            </a:extLst>
+          </p:cNvPr>
+          <p:cNvCxnSpPr>
+            <a:cxnSpLocks/>
+          </p:cNvCxnSpPr>
+          <p:nvPr/>
+        </p:nvCxnSpPr>
+        <p:spPr>
+          <a:xfrm>
+            <a:off x="8345359" y="2228193"/>
+            <a:ext cx="614997" cy="0"/>
+          </a:xfrm>
+          <a:prstGeom prst="straightConnector1">
+            <a:avLst/>
+          </a:prstGeom>
+          <a:ln w="19050">
+            <a:solidFill>
+              <a:srgbClr val="0070C0"/>
+            </a:solidFill>
+            <a:tailEnd type="triangle" w="lg" len="med"/>
+          </a:ln>
+        </p:spPr>
+        <p:style>
+          <a:lnRef idx="1">
+            <a:schemeClr val="accent1"/>
+          </a:lnRef>
+          <a:fillRef idx="0">
+            <a:schemeClr val="accent1"/>
+          </a:fillRef>
+          <a:effectRef idx="0">
+            <a:schemeClr val="accent1"/>
+          </a:effectRef>
+          <a:fontRef idx="minor">
+            <a:schemeClr val="tx1"/>
+          </a:fontRef>
+        </p:style>
+      </p:cxnSp>
+      <p:sp>
+        <p:nvSpPr>
+          <p:cNvPr id="19" name="左中かっこ 18">
+            <a:extLst>
+              <a:ext uri="{FF2B5EF4-FFF2-40B4-BE49-F238E27FC236}">
+                <a16:creationId xmlns:a16="http://schemas.microsoft.com/office/drawing/2014/main" id="{BBB36409-1685-EA5B-8BB7-7A99CEDC3E31}"/>
+              </a:ext>
+            </a:extLst>
+          </p:cNvPr>
+          <p:cNvSpPr/>
+          <p:nvPr/>
+        </p:nvSpPr>
+        <p:spPr>
+          <a:xfrm rot="5400000">
+            <a:off x="5871500" y="-1018416"/>
+            <a:ext cx="441335" cy="5736379"/>
+          </a:xfrm>
+          <a:prstGeom prst="leftBrace">
+            <a:avLst>
+              <a:gd name="adj1" fmla="val 65489"/>
+              <a:gd name="adj2" fmla="val 50000"/>
+            </a:avLst>
+          </a:prstGeom>
+          <a:ln w="12700">
+            <a:solidFill>
+              <a:schemeClr val="tx1">
+                <a:lumMod val="50000"/>
+                <a:lumOff val="50000"/>
+              </a:schemeClr>
+            </a:solidFill>
+          </a:ln>
+        </p:spPr>
+        <p:style>
+          <a:lnRef idx="1">
+            <a:schemeClr val="accent1"/>
+          </a:lnRef>
+          <a:fillRef idx="0">
+            <a:schemeClr val="accent1"/>
+          </a:fillRef>
+          <a:effectRef idx="0">
+            <a:schemeClr val="accent1"/>
+          </a:effectRef>
+          <a:fontRef idx="minor">
+            <a:schemeClr val="tx1"/>
+          </a:fontRef>
+        </p:style>
+        <p:txBody>
+          <a:bodyPr rtlCol="0" anchor="ctr"/>
+          <a:lstStyle/>
+          <a:p>
+            <a:pPr algn="ctr"/>
+            <a:endParaRPr kumimoji="1" lang="ja-JP" altLang="en-US"/>
+          </a:p>
+        </p:txBody>
+      </p:sp>
+      <p:sp>
+        <p:nvSpPr>
+          <p:cNvPr id="20" name="テキスト ボックス 19">
+            <a:extLst>
+              <a:ext uri="{FF2B5EF4-FFF2-40B4-BE49-F238E27FC236}">
+                <a16:creationId xmlns:a16="http://schemas.microsoft.com/office/drawing/2014/main" id="{B0BDF018-276C-E54B-43EB-F05C8CB014BE}"/>
+              </a:ext>
+            </a:extLst>
+          </p:cNvPr>
+          <p:cNvSpPr txBox="1"/>
+          <p:nvPr/>
+        </p:nvSpPr>
+        <p:spPr>
+          <a:xfrm>
+            <a:off x="8575219" y="4505543"/>
+            <a:ext cx="770274" cy="369332"/>
+          </a:xfrm>
+          <a:prstGeom prst="rect">
+            <a:avLst/>
+          </a:prstGeom>
+          <a:noFill/>
+        </p:spPr>
+        <p:txBody>
+          <a:bodyPr wrap="square" rtlCol="0">
+            <a:spAutoFit/>
+          </a:bodyPr>
+          <a:lstStyle/>
+          <a:p>
+            <a:pPr algn="ctr"/>
+            <a:r>
+              <a:rPr kumimoji="1" lang="en-US" altLang="ja-JP">
+                <a:solidFill>
+                  <a:srgbClr val="00B050"/>
+                </a:solidFill>
+              </a:rPr>
+              <a:t>30</a:t>
+            </a:r>
+            <a:endParaRPr kumimoji="1" lang="ja-JP" altLang="en-US">
+              <a:solidFill>
+                <a:srgbClr val="00B050"/>
+              </a:solidFill>
+            </a:endParaRPr>
+          </a:p>
+        </p:txBody>
+      </p:sp>
+      <p:cxnSp>
+        <p:nvCxnSpPr>
+          <p:cNvPr id="21" name="直線コネクタ 20">
+            <a:extLst>
+              <a:ext uri="{FF2B5EF4-FFF2-40B4-BE49-F238E27FC236}">
+                <a16:creationId xmlns:a16="http://schemas.microsoft.com/office/drawing/2014/main" id="{AC4F947F-CB0C-31ED-3A0D-5D3539B556B2}"/>
+              </a:ext>
+            </a:extLst>
+          </p:cNvPr>
+          <p:cNvCxnSpPr>
+            <a:cxnSpLocks/>
+          </p:cNvCxnSpPr>
+          <p:nvPr/>
+        </p:nvCxnSpPr>
+        <p:spPr>
+          <a:xfrm>
+            <a:off x="8755118" y="2630855"/>
+            <a:ext cx="0" cy="2220310"/>
+          </a:xfrm>
+          <a:prstGeom prst="line">
+            <a:avLst/>
+          </a:prstGeom>
+          <a:ln w="19050">
+            <a:solidFill>
+              <a:srgbClr val="00B050"/>
+            </a:solidFill>
+            <a:prstDash val="sysDot"/>
+          </a:ln>
+        </p:spPr>
+        <p:style>
+          <a:lnRef idx="1">
+            <a:schemeClr val="accent1"/>
+          </a:lnRef>
+          <a:fillRef idx="0">
+            <a:schemeClr val="accent1"/>
+          </a:fillRef>
+          <a:effectRef idx="0">
+            <a:schemeClr val="accent1"/>
+          </a:effectRef>
+          <a:fontRef idx="minor">
+            <a:schemeClr val="tx1"/>
+          </a:fontRef>
+        </p:style>
+      </p:cxnSp>
+      <p:cxnSp>
+        <p:nvCxnSpPr>
+          <p:cNvPr id="22" name="直線矢印コネクタ 21">
+            <a:extLst>
+              <a:ext uri="{FF2B5EF4-FFF2-40B4-BE49-F238E27FC236}">
+                <a16:creationId xmlns:a16="http://schemas.microsoft.com/office/drawing/2014/main" id="{CD8331E2-D3BA-1550-59B4-B66F51F51250}"/>
+              </a:ext>
+            </a:extLst>
+          </p:cNvPr>
+          <p:cNvCxnSpPr>
+            <a:cxnSpLocks/>
+          </p:cNvCxnSpPr>
+          <p:nvPr/>
+        </p:nvCxnSpPr>
+        <p:spPr>
+          <a:xfrm>
+            <a:off x="8767310" y="4440620"/>
+            <a:ext cx="357351" cy="0"/>
+          </a:xfrm>
+          <a:prstGeom prst="straightConnector1">
+            <a:avLst/>
+          </a:prstGeom>
+          <a:ln w="19050">
+            <a:solidFill>
+              <a:srgbClr val="00B050"/>
+            </a:solidFill>
+            <a:headEnd type="triangle" w="lg" len="med"/>
+            <a:tailEnd type="triangle" w="lg" len="med"/>
+          </a:ln>
+        </p:spPr>
+        <p:style>
+          <a:lnRef idx="1">
+            <a:schemeClr val="accent1"/>
+          </a:lnRef>
+          <a:fillRef idx="0">
+            <a:schemeClr val="accent1"/>
+          </a:fillRef>
+          <a:effectRef idx="0">
+            <a:schemeClr val="accent1"/>
+          </a:effectRef>
+          <a:fontRef idx="minor">
+            <a:schemeClr val="tx1"/>
+          </a:fontRef>
+        </p:style>
+      </p:cxnSp>
+      <p:sp>
+        <p:nvSpPr>
+          <p:cNvPr id="28" name="テキスト ボックス 27">
+            <a:extLst>
+              <a:ext uri="{FF2B5EF4-FFF2-40B4-BE49-F238E27FC236}">
+                <a16:creationId xmlns:a16="http://schemas.microsoft.com/office/drawing/2014/main" id="{C0689C9C-0ABA-A1F3-8687-856107588D43}"/>
+              </a:ext>
+            </a:extLst>
+          </p:cNvPr>
+          <p:cNvSpPr txBox="1"/>
+          <p:nvPr/>
+        </p:nvSpPr>
+        <p:spPr>
+          <a:xfrm>
+            <a:off x="2848610" y="4505543"/>
+            <a:ext cx="770274" cy="369332"/>
+          </a:xfrm>
+          <a:prstGeom prst="rect">
+            <a:avLst/>
+          </a:prstGeom>
+          <a:noFill/>
+        </p:spPr>
+        <p:txBody>
+          <a:bodyPr wrap="square" rtlCol="0">
+            <a:spAutoFit/>
+          </a:bodyPr>
+          <a:lstStyle/>
+          <a:p>
+            <a:pPr algn="ctr"/>
+            <a:r>
+              <a:rPr kumimoji="1" lang="en-US" altLang="ja-JP">
+                <a:solidFill>
+                  <a:srgbClr val="00B050"/>
+                </a:solidFill>
+              </a:rPr>
+              <a:t>30</a:t>
+            </a:r>
+            <a:endParaRPr kumimoji="1" lang="ja-JP" altLang="en-US">
+              <a:solidFill>
+                <a:srgbClr val="00B050"/>
+              </a:solidFill>
+            </a:endParaRPr>
+          </a:p>
+        </p:txBody>
+      </p:sp>
+      <p:cxnSp>
+        <p:nvCxnSpPr>
+          <p:cNvPr id="29" name="直線コネクタ 28">
+            <a:extLst>
+              <a:ext uri="{FF2B5EF4-FFF2-40B4-BE49-F238E27FC236}">
+                <a16:creationId xmlns:a16="http://schemas.microsoft.com/office/drawing/2014/main" id="{5CC19581-9C89-EEC8-4A97-7E23424C1118}"/>
+              </a:ext>
+            </a:extLst>
+          </p:cNvPr>
+          <p:cNvCxnSpPr>
+            <a:cxnSpLocks/>
+          </p:cNvCxnSpPr>
+          <p:nvPr/>
+        </p:nvCxnSpPr>
+        <p:spPr>
+          <a:xfrm>
+            <a:off x="3438061" y="2630855"/>
+            <a:ext cx="0" cy="2220310"/>
+          </a:xfrm>
+          <a:prstGeom prst="line">
+            <a:avLst/>
+          </a:prstGeom>
+          <a:ln w="19050">
+            <a:solidFill>
+              <a:srgbClr val="00B050"/>
+            </a:solidFill>
+            <a:prstDash val="sysDot"/>
+          </a:ln>
+        </p:spPr>
+        <p:style>
+          <a:lnRef idx="1">
+            <a:schemeClr val="accent1"/>
+          </a:lnRef>
+          <a:fillRef idx="0">
+            <a:schemeClr val="accent1"/>
+          </a:fillRef>
+          <a:effectRef idx="0">
+            <a:schemeClr val="accent1"/>
+          </a:effectRef>
+          <a:fontRef idx="minor">
+            <a:schemeClr val="tx1"/>
+          </a:fontRef>
+        </p:style>
+      </p:cxnSp>
+      <p:cxnSp>
+        <p:nvCxnSpPr>
+          <p:cNvPr id="30" name="直線矢印コネクタ 29">
+            <a:extLst>
+              <a:ext uri="{FF2B5EF4-FFF2-40B4-BE49-F238E27FC236}">
+                <a16:creationId xmlns:a16="http://schemas.microsoft.com/office/drawing/2014/main" id="{F097318B-A286-318D-AB69-0895D6F3CE05}"/>
+              </a:ext>
+            </a:extLst>
+          </p:cNvPr>
+          <p:cNvCxnSpPr>
+            <a:cxnSpLocks/>
+          </p:cNvCxnSpPr>
+          <p:nvPr/>
+        </p:nvCxnSpPr>
+        <p:spPr>
+          <a:xfrm>
+            <a:off x="3055072" y="4440620"/>
+            <a:ext cx="357351" cy="0"/>
+          </a:xfrm>
+          <a:prstGeom prst="straightConnector1">
+            <a:avLst/>
+          </a:prstGeom>
+          <a:ln w="19050">
+            <a:solidFill>
+              <a:srgbClr val="00B050"/>
+            </a:solidFill>
+            <a:headEnd type="triangle" w="lg" len="med"/>
+            <a:tailEnd type="triangle" w="lg" len="med"/>
+          </a:ln>
+        </p:spPr>
+        <p:style>
+          <a:lnRef idx="1">
+            <a:schemeClr val="accent1"/>
+          </a:lnRef>
+          <a:fillRef idx="0">
+            <a:schemeClr val="accent1"/>
+          </a:fillRef>
+          <a:effectRef idx="0">
+            <a:schemeClr val="accent1"/>
+          </a:effectRef>
+          <a:fontRef idx="minor">
+            <a:schemeClr val="tx1"/>
+          </a:fontRef>
+        </p:style>
+      </p:cxnSp>
+      <p:cxnSp>
+        <p:nvCxnSpPr>
+          <p:cNvPr id="37" name="直線矢印コネクタ 36">
+            <a:extLst>
+              <a:ext uri="{FF2B5EF4-FFF2-40B4-BE49-F238E27FC236}">
+                <a16:creationId xmlns:a16="http://schemas.microsoft.com/office/drawing/2014/main" id="{CE5BB59D-D096-9923-5397-98FF9E044F60}"/>
+              </a:ext>
+            </a:extLst>
+          </p:cNvPr>
+          <p:cNvCxnSpPr>
+            <a:cxnSpLocks/>
+          </p:cNvCxnSpPr>
+          <p:nvPr/>
+        </p:nvCxnSpPr>
+        <p:spPr>
+          <a:xfrm flipH="1">
+            <a:off x="8320182" y="4181961"/>
+            <a:ext cx="625803" cy="0"/>
+          </a:xfrm>
+          <a:prstGeom prst="straightConnector1">
+            <a:avLst/>
+          </a:prstGeom>
+          <a:ln w="19050">
+            <a:solidFill>
+              <a:srgbClr val="7030A0"/>
+            </a:solidFill>
+            <a:tailEnd type="triangle" w="lg" len="med"/>
+          </a:ln>
+        </p:spPr>
+        <p:style>
+          <a:lnRef idx="1">
+            <a:schemeClr val="accent1"/>
+          </a:lnRef>
+          <a:fillRef idx="0">
+            <a:schemeClr val="accent1"/>
+          </a:fillRef>
+          <a:effectRef idx="0">
+            <a:schemeClr val="accent1"/>
+          </a:effectRef>
+          <a:fontRef idx="minor">
+            <a:schemeClr val="tx1"/>
+          </a:fontRef>
+        </p:style>
+      </p:cxnSp>
+      <p:cxnSp>
+        <p:nvCxnSpPr>
+          <p:cNvPr id="53" name="直線矢印コネクタ 52">
+            <a:extLst>
+              <a:ext uri="{FF2B5EF4-FFF2-40B4-BE49-F238E27FC236}">
+                <a16:creationId xmlns:a16="http://schemas.microsoft.com/office/drawing/2014/main" id="{9308EE43-C52E-EE37-9331-E9F608E9DFD3}"/>
+              </a:ext>
+            </a:extLst>
+          </p:cNvPr>
+          <p:cNvCxnSpPr>
+            <a:cxnSpLocks/>
+          </p:cNvCxnSpPr>
+          <p:nvPr/>
+        </p:nvCxnSpPr>
+        <p:spPr>
+          <a:xfrm flipH="1">
+            <a:off x="7652659" y="4181961"/>
+            <a:ext cx="625803" cy="0"/>
+          </a:xfrm>
+          <a:prstGeom prst="straightConnector1">
+            <a:avLst/>
+          </a:prstGeom>
+          <a:ln w="19050">
+            <a:solidFill>
+              <a:srgbClr val="7030A0"/>
+            </a:solidFill>
+            <a:tailEnd type="triangle" w="lg" len="med"/>
+          </a:ln>
+        </p:spPr>
+        <p:style>
+          <a:lnRef idx="1">
+            <a:schemeClr val="accent1"/>
+          </a:lnRef>
+          <a:fillRef idx="0">
+            <a:schemeClr val="accent1"/>
+          </a:fillRef>
+          <a:effectRef idx="0">
+            <a:schemeClr val="accent1"/>
+          </a:effectRef>
+          <a:fontRef idx="minor">
+            <a:schemeClr val="tx1"/>
+          </a:fontRef>
+        </p:style>
+      </p:cxnSp>
+      <p:cxnSp>
+        <p:nvCxnSpPr>
+          <p:cNvPr id="54" name="直線矢印コネクタ 53">
+            <a:extLst>
+              <a:ext uri="{FF2B5EF4-FFF2-40B4-BE49-F238E27FC236}">
+                <a16:creationId xmlns:a16="http://schemas.microsoft.com/office/drawing/2014/main" id="{3A45CDF9-C855-763D-0989-3C8259DD42E7}"/>
+              </a:ext>
+            </a:extLst>
+          </p:cNvPr>
+          <p:cNvCxnSpPr>
+            <a:cxnSpLocks/>
+          </p:cNvCxnSpPr>
+          <p:nvPr/>
+        </p:nvCxnSpPr>
+        <p:spPr>
+          <a:xfrm flipH="1">
+            <a:off x="6985137" y="4181961"/>
+            <a:ext cx="625803" cy="0"/>
+          </a:xfrm>
+          <a:prstGeom prst="straightConnector1">
+            <a:avLst/>
+          </a:prstGeom>
+          <a:ln w="19050">
+            <a:solidFill>
+              <a:srgbClr val="7030A0"/>
+            </a:solidFill>
+            <a:tailEnd type="triangle" w="lg" len="med"/>
+          </a:ln>
+        </p:spPr>
+        <p:style>
+          <a:lnRef idx="1">
+            <a:schemeClr val="accent1"/>
+          </a:lnRef>
+          <a:fillRef idx="0">
+            <a:schemeClr val="accent1"/>
+          </a:fillRef>
+          <a:effectRef idx="0">
+            <a:schemeClr val="accent1"/>
+          </a:effectRef>
+          <a:fontRef idx="minor">
+            <a:schemeClr val="tx1"/>
+          </a:fontRef>
+        </p:style>
+      </p:cxnSp>
+      <p:cxnSp>
+        <p:nvCxnSpPr>
+          <p:cNvPr id="55" name="直線矢印コネクタ 54">
+            <a:extLst>
+              <a:ext uri="{FF2B5EF4-FFF2-40B4-BE49-F238E27FC236}">
+                <a16:creationId xmlns:a16="http://schemas.microsoft.com/office/drawing/2014/main" id="{2443F610-4236-498D-5E95-AD0D185DF4CF}"/>
+              </a:ext>
+            </a:extLst>
+          </p:cNvPr>
+          <p:cNvCxnSpPr>
+            <a:cxnSpLocks/>
+          </p:cNvCxnSpPr>
+          <p:nvPr/>
+        </p:nvCxnSpPr>
+        <p:spPr>
+          <a:xfrm flipH="1">
+            <a:off x="6317615" y="4181961"/>
+            <a:ext cx="625803" cy="0"/>
+          </a:xfrm>
+          <a:prstGeom prst="straightConnector1">
+            <a:avLst/>
+          </a:prstGeom>
+          <a:ln w="19050">
+            <a:solidFill>
+              <a:srgbClr val="7030A0"/>
+            </a:solidFill>
+            <a:tailEnd type="triangle" w="lg" len="med"/>
+          </a:ln>
+        </p:spPr>
+        <p:style>
+          <a:lnRef idx="1">
+            <a:schemeClr val="accent1"/>
+          </a:lnRef>
+          <a:fillRef idx="0">
+            <a:schemeClr val="accent1"/>
+          </a:fillRef>
+          <a:effectRef idx="0">
+            <a:schemeClr val="accent1"/>
+          </a:effectRef>
+          <a:fontRef idx="minor">
+            <a:schemeClr val="tx1"/>
+          </a:fontRef>
+        </p:style>
+      </p:cxnSp>
+      <p:cxnSp>
+        <p:nvCxnSpPr>
+          <p:cNvPr id="56" name="直線矢印コネクタ 55">
+            <a:extLst>
+              <a:ext uri="{FF2B5EF4-FFF2-40B4-BE49-F238E27FC236}">
+                <a16:creationId xmlns:a16="http://schemas.microsoft.com/office/drawing/2014/main" id="{44C84869-5E7C-D33F-47FB-D1EC6E2D8AE6}"/>
+              </a:ext>
+            </a:extLst>
+          </p:cNvPr>
+          <p:cNvCxnSpPr>
+            <a:cxnSpLocks/>
+          </p:cNvCxnSpPr>
+          <p:nvPr/>
+        </p:nvCxnSpPr>
+        <p:spPr>
+          <a:xfrm flipH="1">
+            <a:off x="5650093" y="4181961"/>
+            <a:ext cx="625803" cy="0"/>
+          </a:xfrm>
+          <a:prstGeom prst="straightConnector1">
+            <a:avLst/>
+          </a:prstGeom>
+          <a:ln w="19050">
+            <a:solidFill>
+              <a:srgbClr val="7030A0"/>
+            </a:solidFill>
+            <a:tailEnd type="triangle" w="lg" len="med"/>
+          </a:ln>
+        </p:spPr>
+        <p:style>
+          <a:lnRef idx="1">
+            <a:schemeClr val="accent1"/>
+          </a:lnRef>
+          <a:fillRef idx="0">
+            <a:schemeClr val="accent1"/>
+          </a:fillRef>
+          <a:effectRef idx="0">
+            <a:schemeClr val="accent1"/>
+          </a:effectRef>
+          <a:fontRef idx="minor">
+            <a:schemeClr val="tx1"/>
+          </a:fontRef>
+        </p:style>
+      </p:cxnSp>
+      <p:cxnSp>
+        <p:nvCxnSpPr>
+          <p:cNvPr id="57" name="直線矢印コネクタ 56">
+            <a:extLst>
+              <a:ext uri="{FF2B5EF4-FFF2-40B4-BE49-F238E27FC236}">
+                <a16:creationId xmlns:a16="http://schemas.microsoft.com/office/drawing/2014/main" id="{EE5BE243-3D05-F5E3-497C-CC41B40D2CE4}"/>
+              </a:ext>
+            </a:extLst>
+          </p:cNvPr>
+          <p:cNvCxnSpPr>
+            <a:cxnSpLocks/>
+          </p:cNvCxnSpPr>
+          <p:nvPr/>
+        </p:nvCxnSpPr>
+        <p:spPr>
+          <a:xfrm flipH="1">
+            <a:off x="4982571" y="4181961"/>
+            <a:ext cx="625803" cy="0"/>
+          </a:xfrm>
+          <a:prstGeom prst="straightConnector1">
+            <a:avLst/>
+          </a:prstGeom>
+          <a:ln w="19050">
+            <a:solidFill>
+              <a:srgbClr val="7030A0"/>
+            </a:solidFill>
+            <a:tailEnd type="triangle" w="lg" len="med"/>
+          </a:ln>
+        </p:spPr>
+        <p:style>
+          <a:lnRef idx="1">
+            <a:schemeClr val="accent1"/>
+          </a:lnRef>
+          <a:fillRef idx="0">
+            <a:schemeClr val="accent1"/>
+          </a:fillRef>
+          <a:effectRef idx="0">
+            <a:schemeClr val="accent1"/>
+          </a:effectRef>
+          <a:fontRef idx="minor">
+            <a:schemeClr val="tx1"/>
+          </a:fontRef>
+        </p:style>
+      </p:cxnSp>
+      <p:cxnSp>
+        <p:nvCxnSpPr>
+          <p:cNvPr id="58" name="直線矢印コネクタ 57">
+            <a:extLst>
+              <a:ext uri="{FF2B5EF4-FFF2-40B4-BE49-F238E27FC236}">
+                <a16:creationId xmlns:a16="http://schemas.microsoft.com/office/drawing/2014/main" id="{7D49CC97-B89B-A2B2-F3C0-B150DB9234F4}"/>
+              </a:ext>
+            </a:extLst>
+          </p:cNvPr>
+          <p:cNvCxnSpPr>
+            <a:cxnSpLocks/>
+          </p:cNvCxnSpPr>
+          <p:nvPr/>
+        </p:nvCxnSpPr>
+        <p:spPr>
+          <a:xfrm flipH="1">
+            <a:off x="4315049" y="4181961"/>
+            <a:ext cx="625803" cy="0"/>
+          </a:xfrm>
+          <a:prstGeom prst="straightConnector1">
+            <a:avLst/>
+          </a:prstGeom>
+          <a:ln w="19050">
+            <a:solidFill>
+              <a:srgbClr val="7030A0"/>
+            </a:solidFill>
+            <a:tailEnd type="triangle" w="lg" len="med"/>
+          </a:ln>
+        </p:spPr>
+        <p:style>
+          <a:lnRef idx="1">
+            <a:schemeClr val="accent1"/>
+          </a:lnRef>
+          <a:fillRef idx="0">
+            <a:schemeClr val="accent1"/>
+          </a:fillRef>
+          <a:effectRef idx="0">
+            <a:schemeClr val="accent1"/>
+          </a:effectRef>
+          <a:fontRef idx="minor">
+            <a:schemeClr val="tx1"/>
+          </a:fontRef>
+        </p:style>
+      </p:cxnSp>
+      <p:cxnSp>
+        <p:nvCxnSpPr>
+          <p:cNvPr id="59" name="直線矢印コネクタ 58">
+            <a:extLst>
+              <a:ext uri="{FF2B5EF4-FFF2-40B4-BE49-F238E27FC236}">
+                <a16:creationId xmlns:a16="http://schemas.microsoft.com/office/drawing/2014/main" id="{CA8D82D5-70ED-5B69-F5B1-9DE45831F16B}"/>
+              </a:ext>
+            </a:extLst>
+          </p:cNvPr>
+          <p:cNvCxnSpPr>
+            <a:cxnSpLocks/>
+          </p:cNvCxnSpPr>
+          <p:nvPr/>
+        </p:nvCxnSpPr>
+        <p:spPr>
+          <a:xfrm flipH="1">
+            <a:off x="3647527" y="4181961"/>
+            <a:ext cx="625803" cy="0"/>
+          </a:xfrm>
+          <a:prstGeom prst="straightConnector1">
+            <a:avLst/>
+          </a:prstGeom>
+          <a:ln w="19050">
+            <a:solidFill>
+              <a:srgbClr val="7030A0"/>
+            </a:solidFill>
+            <a:tailEnd type="triangle" w="lg" len="med"/>
+          </a:ln>
+        </p:spPr>
+        <p:style>
+          <a:lnRef idx="1">
+            <a:schemeClr val="accent1"/>
+          </a:lnRef>
+          <a:fillRef idx="0">
+            <a:schemeClr val="accent1"/>
+          </a:fillRef>
+          <a:effectRef idx="0">
+            <a:schemeClr val="accent1"/>
+          </a:effectRef>
+          <a:fontRef idx="minor">
+            <a:schemeClr val="tx1"/>
+          </a:fontRef>
+        </p:style>
+      </p:cxnSp>
+      <p:sp>
+        <p:nvSpPr>
+          <p:cNvPr id="60" name="テキスト ボックス 59">
+            <a:extLst>
+              <a:ext uri="{FF2B5EF4-FFF2-40B4-BE49-F238E27FC236}">
+                <a16:creationId xmlns:a16="http://schemas.microsoft.com/office/drawing/2014/main" id="{18E4B29C-0F22-A491-205A-EAFD605E0DAA}"/>
+              </a:ext>
+            </a:extLst>
+          </p:cNvPr>
+          <p:cNvSpPr txBox="1"/>
+          <p:nvPr/>
+        </p:nvSpPr>
+        <p:spPr>
+          <a:xfrm>
+            <a:off x="5383150" y="4528676"/>
+            <a:ext cx="1247366" cy="369332"/>
+          </a:xfrm>
+          <a:prstGeom prst="rect">
+            <a:avLst/>
+          </a:prstGeom>
+          <a:noFill/>
+        </p:spPr>
+        <p:txBody>
+          <a:bodyPr wrap="square" rtlCol="0">
+            <a:spAutoFit/>
+          </a:bodyPr>
+          <a:lstStyle/>
+          <a:p>
+            <a:pPr algn="ctr"/>
+            <a:r>
+              <a:rPr kumimoji="1" lang="en-US" altLang="ja-JP"/>
+              <a:t>50</a:t>
+            </a:r>
+            <a:r>
+              <a:rPr kumimoji="1" lang="ja-JP" altLang="en-US"/>
+              <a:t>歩ずつ</a:t>
+            </a:r>
+          </a:p>
+        </p:txBody>
+      </p:sp>
+      <p:cxnSp>
+        <p:nvCxnSpPr>
+          <p:cNvPr id="62" name="直線コネクタ 61">
+            <a:extLst>
+              <a:ext uri="{FF2B5EF4-FFF2-40B4-BE49-F238E27FC236}">
+                <a16:creationId xmlns:a16="http://schemas.microsoft.com/office/drawing/2014/main" id="{D0ACD3D3-4DD8-31C7-9F13-DBB30954247C}"/>
+              </a:ext>
+            </a:extLst>
+          </p:cNvPr>
+          <p:cNvCxnSpPr>
+            <a:cxnSpLocks/>
+          </p:cNvCxnSpPr>
+          <p:nvPr/>
+        </p:nvCxnSpPr>
+        <p:spPr>
+          <a:xfrm>
+            <a:off x="5998951" y="4181961"/>
+            <a:ext cx="0" cy="323582"/>
+          </a:xfrm>
+          <a:prstGeom prst="line">
+            <a:avLst/>
+          </a:prstGeom>
+          <a:ln w="19050">
+            <a:solidFill>
+              <a:schemeClr val="tx1">
+                <a:lumMod val="50000"/>
+                <a:lumOff val="50000"/>
+              </a:schemeClr>
+            </a:solidFill>
+            <a:prstDash val="sysDot"/>
+          </a:ln>
+        </p:spPr>
+        <p:style>
+          <a:lnRef idx="1">
+            <a:schemeClr val="accent1"/>
+          </a:lnRef>
+          <a:fillRef idx="0">
+            <a:schemeClr val="accent1"/>
+          </a:fillRef>
+          <a:effectRef idx="0">
+            <a:schemeClr val="accent1"/>
+          </a:effectRef>
+          <a:fontRef idx="minor">
+            <a:schemeClr val="tx1"/>
+          </a:fontRef>
+        </p:style>
+      </p:cxnSp>
+    </p:spTree>
+    <p:extLst>
+      <p:ext uri="{BB962C8B-B14F-4D97-AF65-F5344CB8AC3E}">
+        <p14:creationId xmlns:p14="http://schemas.microsoft.com/office/powerpoint/2010/main" val="1706476129"/>
+      </p:ext>
+    </p:extLst>
+  </p:cSld>
+  <p:clrMapOvr>
+    <a:masterClrMapping/>
+  </p:clrMapOvr>
+</p:sld>
+</file>
+
 <file path=ppt/theme/theme1.xml><?xml version="1.0" encoding="utf-8"?>
 <a:theme xmlns:a="http://schemas.openxmlformats.org/drawingml/2006/main" name="Office テーマ">
   <a:themeElements>

--- a/lesson/fig/ex-figs.pptx
+++ b/lesson/fig/ex-figs.pptx
@@ -9,6 +9,8 @@
     <p:sldId id="258" r:id="rId3"/>
     <p:sldId id="259" r:id="rId4"/>
     <p:sldId id="260" r:id="rId5"/>
+    <p:sldId id="261" r:id="rId6"/>
+    <p:sldId id="262" r:id="rId7"/>
   </p:sldIdLst>
   <p:sldSz cx="12192000" cy="6858000"/>
   <p:notesSz cx="6858000" cy="9144000"/>
@@ -261,7 +263,7 @@
           <a:lstStyle/>
           <a:p>
             <a:fld id="{5660586E-F190-CD48-9318-B9AABAD92EDA}" type="datetimeFigureOut">
-              <a:t>2023/9/29</a:t>
+              <a:t>2023/9/30</a:t>
             </a:fld>
             <a:endParaRPr kumimoji="1" lang="ja-JP" altLang="en-US"/>
           </a:p>
@@ -489,7 +491,7 @@
           <a:lstStyle/>
           <a:p>
             <a:fld id="{5660586E-F190-CD48-9318-B9AABAD92EDA}" type="datetimeFigureOut">
-              <a:t>2023/9/29</a:t>
+              <a:t>2023/9/30</a:t>
             </a:fld>
             <a:endParaRPr kumimoji="1" lang="ja-JP" altLang="en-US"/>
           </a:p>
@@ -727,7 +729,7 @@
           <a:lstStyle/>
           <a:p>
             <a:fld id="{5660586E-F190-CD48-9318-B9AABAD92EDA}" type="datetimeFigureOut">
-              <a:t>2023/9/29</a:t>
+              <a:t>2023/9/30</a:t>
             </a:fld>
             <a:endParaRPr kumimoji="1" lang="ja-JP" altLang="en-US"/>
           </a:p>
@@ -955,7 +957,7 @@
           <a:lstStyle/>
           <a:p>
             <a:fld id="{5660586E-F190-CD48-9318-B9AABAD92EDA}" type="datetimeFigureOut">
-              <a:t>2023/9/29</a:t>
+              <a:t>2023/9/30</a:t>
             </a:fld>
             <a:endParaRPr kumimoji="1" lang="ja-JP" altLang="en-US"/>
           </a:p>
@@ -1228,7 +1230,7 @@
           <a:lstStyle/>
           <a:p>
             <a:fld id="{5660586E-F190-CD48-9318-B9AABAD92EDA}" type="datetimeFigureOut">
-              <a:t>2023/9/29</a:t>
+              <a:t>2023/9/30</a:t>
             </a:fld>
             <a:endParaRPr kumimoji="1" lang="ja-JP" altLang="en-US"/>
           </a:p>
@@ -1555,7 +1557,7 @@
           <a:lstStyle/>
           <a:p>
             <a:fld id="{5660586E-F190-CD48-9318-B9AABAD92EDA}" type="datetimeFigureOut">
-              <a:t>2023/9/29</a:t>
+              <a:t>2023/9/30</a:t>
             </a:fld>
             <a:endParaRPr kumimoji="1" lang="ja-JP" altLang="en-US"/>
           </a:p>
@@ -2029,7 +2031,7 @@
           <a:lstStyle/>
           <a:p>
             <a:fld id="{5660586E-F190-CD48-9318-B9AABAD92EDA}" type="datetimeFigureOut">
-              <a:t>2023/9/29</a:t>
+              <a:t>2023/9/30</a:t>
             </a:fld>
             <a:endParaRPr kumimoji="1" lang="ja-JP" altLang="en-US"/>
           </a:p>
@@ -2168,7 +2170,7 @@
           <a:lstStyle/>
           <a:p>
             <a:fld id="{5660586E-F190-CD48-9318-B9AABAD92EDA}" type="datetimeFigureOut">
-              <a:t>2023/9/29</a:t>
+              <a:t>2023/9/30</a:t>
             </a:fld>
             <a:endParaRPr kumimoji="1" lang="ja-JP" altLang="en-US"/>
           </a:p>
@@ -2279,7 +2281,7 @@
           <a:lstStyle/>
           <a:p>
             <a:fld id="{5660586E-F190-CD48-9318-B9AABAD92EDA}" type="datetimeFigureOut">
-              <a:t>2023/9/29</a:t>
+              <a:t>2023/9/30</a:t>
             </a:fld>
             <a:endParaRPr kumimoji="1" lang="ja-JP" altLang="en-US"/>
           </a:p>
@@ -2620,7 +2622,7 @@
           <a:lstStyle/>
           <a:p>
             <a:fld id="{5660586E-F190-CD48-9318-B9AABAD92EDA}" type="datetimeFigureOut">
-              <a:t>2023/9/29</a:t>
+              <a:t>2023/9/30</a:t>
             </a:fld>
             <a:endParaRPr kumimoji="1" lang="ja-JP" altLang="en-US"/>
           </a:p>
@@ -2906,7 +2908,7 @@
           <a:lstStyle/>
           <a:p>
             <a:fld id="{5660586E-F190-CD48-9318-B9AABAD92EDA}" type="datetimeFigureOut">
-              <a:t>2023/9/29</a:t>
+              <a:t>2023/9/30</a:t>
             </a:fld>
             <a:endParaRPr kumimoji="1" lang="ja-JP" altLang="en-US"/>
           </a:p>
@@ -3177,7 +3179,7 @@
           </a:lstStyle>
           <a:p>
             <a:fld id="{5660586E-F190-CD48-9318-B9AABAD92EDA}" type="datetimeFigureOut">
-              <a:t>2023/9/29</a:t>
+              <a:t>2023/9/30</a:t>
             </a:fld>
             <a:endParaRPr kumimoji="1" lang="ja-JP" altLang="en-US"/>
           </a:p>
@@ -6419,6 +6421,690 @@
 </p:sld>
 </file>
 
+<file path=ppt/slides/slide5.xml><?xml version="1.0" encoding="utf-8"?>
+<p:sld xmlns:a="http://schemas.openxmlformats.org/drawingml/2006/main" xmlns:r="http://schemas.openxmlformats.org/officeDocument/2006/relationships" xmlns:p="http://schemas.openxmlformats.org/presentationml/2006/main">
+  <p:cSld>
+    <p:spTree>
+      <p:nvGrpSpPr>
+        <p:cNvPr id="1" name=""/>
+        <p:cNvGrpSpPr/>
+        <p:nvPr/>
+      </p:nvGrpSpPr>
+      <p:grpSpPr>
+        <a:xfrm>
+          <a:off x="0" y="0"/>
+          <a:ext cx="0" cy="0"/>
+          <a:chOff x="0" y="0"/>
+          <a:chExt cx="0" cy="0"/>
+        </a:xfrm>
+      </p:grpSpPr>
+      <p:pic>
+        <p:nvPicPr>
+          <p:cNvPr id="11" name="図 10" descr="グラフィカル ユーザー インターフェイス が含まれている画像&#10;&#10;自動的に生成された説明">
+            <a:extLst>
+              <a:ext uri="{FF2B5EF4-FFF2-40B4-BE49-F238E27FC236}">
+                <a16:creationId xmlns:a16="http://schemas.microsoft.com/office/drawing/2014/main" id="{C86E21C6-5B7E-C6E3-7FEB-191E6875CD1C}"/>
+              </a:ext>
+            </a:extLst>
+          </p:cNvPr>
+          <p:cNvPicPr>
+            <a:picLocks noChangeAspect="1"/>
+          </p:cNvPicPr>
+          <p:nvPr/>
+        </p:nvPicPr>
+        <p:blipFill>
+          <a:blip r:embed="rId2"/>
+          <a:stretch>
+            <a:fillRect/>
+          </a:stretch>
+        </p:blipFill>
+        <p:spPr>
+          <a:xfrm>
+            <a:off x="2990850" y="1085850"/>
+            <a:ext cx="6210300" cy="4686300"/>
+          </a:xfrm>
+          <a:prstGeom prst="rect">
+            <a:avLst/>
+          </a:prstGeom>
+        </p:spPr>
+      </p:pic>
+      <p:sp>
+        <p:nvSpPr>
+          <p:cNvPr id="9" name="フリーフォーム 8">
+            <a:extLst>
+              <a:ext uri="{FF2B5EF4-FFF2-40B4-BE49-F238E27FC236}">
+                <a16:creationId xmlns:a16="http://schemas.microsoft.com/office/drawing/2014/main" id="{4103A278-5967-9F74-6D70-DB2E18C0E19B}"/>
+              </a:ext>
+            </a:extLst>
+          </p:cNvPr>
+          <p:cNvSpPr/>
+          <p:nvPr/>
+        </p:nvSpPr>
+        <p:spPr>
+          <a:xfrm>
+            <a:off x="3396343" y="2209800"/>
+            <a:ext cx="5965371" cy="1011349"/>
+          </a:xfrm>
+          <a:custGeom>
+            <a:avLst/>
+            <a:gdLst>
+              <a:gd name="connsiteX0" fmla="*/ 97973 w 5965371"/>
+              <a:gd name="connsiteY0" fmla="*/ 0 h 1011349"/>
+              <a:gd name="connsiteX1" fmla="*/ 5867398 w 5965371"/>
+              <a:gd name="connsiteY1" fmla="*/ 0 h 1011349"/>
+              <a:gd name="connsiteX2" fmla="*/ 5965371 w 5965371"/>
+              <a:gd name="connsiteY2" fmla="*/ 97973 h 1011349"/>
+              <a:gd name="connsiteX3" fmla="*/ 5965371 w 5965371"/>
+              <a:gd name="connsiteY3" fmla="*/ 489856 h 1011349"/>
+              <a:gd name="connsiteX4" fmla="*/ 5867398 w 5965371"/>
+              <a:gd name="connsiteY4" fmla="*/ 587829 h 1011349"/>
+              <a:gd name="connsiteX5" fmla="*/ 1924872 w 5965371"/>
+              <a:gd name="connsiteY5" fmla="*/ 587829 h 1011349"/>
+              <a:gd name="connsiteX6" fmla="*/ 1373014 w 5965371"/>
+              <a:gd name="connsiteY6" fmla="*/ 1011349 h 1011349"/>
+              <a:gd name="connsiteX7" fmla="*/ 1698040 w 5965371"/>
+              <a:gd name="connsiteY7" fmla="*/ 587829 h 1011349"/>
+              <a:gd name="connsiteX8" fmla="*/ 97973 w 5965371"/>
+              <a:gd name="connsiteY8" fmla="*/ 587829 h 1011349"/>
+              <a:gd name="connsiteX9" fmla="*/ 0 w 5965371"/>
+              <a:gd name="connsiteY9" fmla="*/ 489856 h 1011349"/>
+              <a:gd name="connsiteX10" fmla="*/ 0 w 5965371"/>
+              <a:gd name="connsiteY10" fmla="*/ 97973 h 1011349"/>
+              <a:gd name="connsiteX11" fmla="*/ 97973 w 5965371"/>
+              <a:gd name="connsiteY11" fmla="*/ 0 h 1011349"/>
+            </a:gdLst>
+            <a:ahLst/>
+            <a:cxnLst>
+              <a:cxn ang="0">
+                <a:pos x="connsiteX0" y="connsiteY0"/>
+              </a:cxn>
+              <a:cxn ang="0">
+                <a:pos x="connsiteX1" y="connsiteY1"/>
+              </a:cxn>
+              <a:cxn ang="0">
+                <a:pos x="connsiteX2" y="connsiteY2"/>
+              </a:cxn>
+              <a:cxn ang="0">
+                <a:pos x="connsiteX3" y="connsiteY3"/>
+              </a:cxn>
+              <a:cxn ang="0">
+                <a:pos x="connsiteX4" y="connsiteY4"/>
+              </a:cxn>
+              <a:cxn ang="0">
+                <a:pos x="connsiteX5" y="connsiteY5"/>
+              </a:cxn>
+              <a:cxn ang="0">
+                <a:pos x="connsiteX6" y="connsiteY6"/>
+              </a:cxn>
+              <a:cxn ang="0">
+                <a:pos x="connsiteX7" y="connsiteY7"/>
+              </a:cxn>
+              <a:cxn ang="0">
+                <a:pos x="connsiteX8" y="connsiteY8"/>
+              </a:cxn>
+              <a:cxn ang="0">
+                <a:pos x="connsiteX9" y="connsiteY9"/>
+              </a:cxn>
+              <a:cxn ang="0">
+                <a:pos x="connsiteX10" y="connsiteY10"/>
+              </a:cxn>
+              <a:cxn ang="0">
+                <a:pos x="connsiteX11" y="connsiteY11"/>
+              </a:cxn>
+            </a:cxnLst>
+            <a:rect l="l" t="t" r="r" b="b"/>
+            <a:pathLst>
+              <a:path w="5965371" h="1011349">
+                <a:moveTo>
+                  <a:pt x="97973" y="0"/>
+                </a:moveTo>
+                <a:lnTo>
+                  <a:pt x="5867398" y="0"/>
+                </a:lnTo>
+                <a:cubicBezTo>
+                  <a:pt x="5921507" y="0"/>
+                  <a:pt x="5965371" y="43864"/>
+                  <a:pt x="5965371" y="97973"/>
+                </a:cubicBezTo>
+                <a:lnTo>
+                  <a:pt x="5965371" y="489856"/>
+                </a:lnTo>
+                <a:cubicBezTo>
+                  <a:pt x="5965371" y="543965"/>
+                  <a:pt x="5921507" y="587829"/>
+                  <a:pt x="5867398" y="587829"/>
+                </a:cubicBezTo>
+                <a:lnTo>
+                  <a:pt x="1924872" y="587829"/>
+                </a:lnTo>
+                <a:lnTo>
+                  <a:pt x="1373014" y="1011349"/>
+                </a:lnTo>
+                <a:lnTo>
+                  <a:pt x="1698040" y="587829"/>
+                </a:lnTo>
+                <a:lnTo>
+                  <a:pt x="97973" y="587829"/>
+                </a:lnTo>
+                <a:cubicBezTo>
+                  <a:pt x="43864" y="587829"/>
+                  <a:pt x="0" y="543965"/>
+                  <a:pt x="0" y="489856"/>
+                </a:cubicBezTo>
+                <a:lnTo>
+                  <a:pt x="0" y="97973"/>
+                </a:lnTo>
+                <a:cubicBezTo>
+                  <a:pt x="0" y="43864"/>
+                  <a:pt x="43864" y="0"/>
+                  <a:pt x="97973" y="0"/>
+                </a:cubicBezTo>
+                <a:close/>
+              </a:path>
+            </a:pathLst>
+          </a:custGeom>
+          <a:solidFill>
+            <a:schemeClr val="bg1"/>
+          </a:solidFill>
+          <a:ln>
+            <a:solidFill>
+              <a:schemeClr val="tx1"/>
+            </a:solidFill>
+          </a:ln>
+        </p:spPr>
+        <p:style>
+          <a:lnRef idx="2">
+            <a:schemeClr val="accent1">
+              <a:shade val="15000"/>
+            </a:schemeClr>
+          </a:lnRef>
+          <a:fillRef idx="1">
+            <a:schemeClr val="accent1"/>
+          </a:fillRef>
+          <a:effectRef idx="0">
+            <a:schemeClr val="accent1"/>
+          </a:effectRef>
+          <a:fontRef idx="minor">
+            <a:schemeClr val="lt1"/>
+          </a:fontRef>
+        </p:style>
+        <p:txBody>
+          <a:bodyPr wrap="square" rtlCol="0" anchor="ctr">
+            <a:noAutofit/>
+          </a:bodyPr>
+          <a:lstStyle/>
+          <a:p>
+            <a:pPr algn="ctr"/>
+            <a:endParaRPr kumimoji="1" lang="ja-JP" altLang="en-US"/>
+          </a:p>
+        </p:txBody>
+      </p:sp>
+      <p:sp>
+        <p:nvSpPr>
+          <p:cNvPr id="6" name="テキスト ボックス 5">
+            <a:extLst>
+              <a:ext uri="{FF2B5EF4-FFF2-40B4-BE49-F238E27FC236}">
+                <a16:creationId xmlns:a16="http://schemas.microsoft.com/office/drawing/2014/main" id="{81F8431C-F120-B162-B5BE-C12C60BBF608}"/>
+              </a:ext>
+            </a:extLst>
+          </p:cNvPr>
+          <p:cNvSpPr txBox="1"/>
+          <p:nvPr/>
+        </p:nvSpPr>
+        <p:spPr>
+          <a:xfrm>
+            <a:off x="3548743" y="2340820"/>
+            <a:ext cx="5723042" cy="369332"/>
+          </a:xfrm>
+          <a:prstGeom prst="rect">
+            <a:avLst/>
+          </a:prstGeom>
+          <a:noFill/>
+        </p:spPr>
+        <p:txBody>
+          <a:bodyPr wrap="none" rtlCol="0">
+            <a:spAutoFit/>
+          </a:bodyPr>
+          <a:lstStyle/>
+          <a:p>
+            <a:r>
+              <a:rPr kumimoji="1" lang="ja-JP" altLang="en-US"/>
+              <a:t>今朝、→ 鬼ヶ島で → ピゴニャンが → 桃を → うめた</a:t>
+            </a:r>
+          </a:p>
+        </p:txBody>
+      </p:sp>
+    </p:spTree>
+    <p:extLst>
+      <p:ext uri="{BB962C8B-B14F-4D97-AF65-F5344CB8AC3E}">
+        <p14:creationId xmlns:p14="http://schemas.microsoft.com/office/powerpoint/2010/main" val="3124855057"/>
+      </p:ext>
+    </p:extLst>
+  </p:cSld>
+  <p:clrMapOvr>
+    <a:masterClrMapping/>
+  </p:clrMapOvr>
+</p:sld>
+</file>
+
+<file path=ppt/slides/slide6.xml><?xml version="1.0" encoding="utf-8"?>
+<p:sld xmlns:a="http://schemas.openxmlformats.org/drawingml/2006/main" xmlns:r="http://schemas.openxmlformats.org/officeDocument/2006/relationships" xmlns:p="http://schemas.openxmlformats.org/presentationml/2006/main">
+  <p:cSld>
+    <p:spTree>
+      <p:nvGrpSpPr>
+        <p:cNvPr id="1" name=""/>
+        <p:cNvGrpSpPr/>
+        <p:nvPr/>
+      </p:nvGrpSpPr>
+      <p:grpSpPr>
+        <a:xfrm>
+          <a:off x="0" y="0"/>
+          <a:ext cx="0" cy="0"/>
+          <a:chOff x="0" y="0"/>
+          <a:chExt cx="0" cy="0"/>
+        </a:xfrm>
+      </p:grpSpPr>
+      <p:pic>
+        <p:nvPicPr>
+          <p:cNvPr id="3" name="図 2" descr="グラフ が含まれている画像&#10;&#10;自動的に生成された説明">
+            <a:extLst>
+              <a:ext uri="{FF2B5EF4-FFF2-40B4-BE49-F238E27FC236}">
+                <a16:creationId xmlns:a16="http://schemas.microsoft.com/office/drawing/2014/main" id="{BD213064-72ED-5AF9-B7DB-82C573B3AC50}"/>
+              </a:ext>
+            </a:extLst>
+          </p:cNvPr>
+          <p:cNvPicPr>
+            <a:picLocks noChangeAspect="1"/>
+          </p:cNvPicPr>
+          <p:nvPr/>
+        </p:nvPicPr>
+        <p:blipFill>
+          <a:blip r:embed="rId2"/>
+          <a:stretch>
+            <a:fillRect/>
+          </a:stretch>
+        </p:blipFill>
+        <p:spPr>
+          <a:xfrm>
+            <a:off x="2984500" y="1073150"/>
+            <a:ext cx="6223000" cy="4711700"/>
+          </a:xfrm>
+          <a:prstGeom prst="rect">
+            <a:avLst/>
+          </a:prstGeom>
+        </p:spPr>
+      </p:pic>
+      <p:pic>
+        <p:nvPicPr>
+          <p:cNvPr id="5" name="図 4" descr="ダイアグラム&#10;&#10;中程度の精度で自動的に生成された説明">
+            <a:extLst>
+              <a:ext uri="{FF2B5EF4-FFF2-40B4-BE49-F238E27FC236}">
+                <a16:creationId xmlns:a16="http://schemas.microsoft.com/office/drawing/2014/main" id="{044845A5-7FCB-DCD3-812D-8044E135AF43}"/>
+              </a:ext>
+            </a:extLst>
+          </p:cNvPr>
+          <p:cNvPicPr>
+            <a:picLocks noChangeAspect="1"/>
+          </p:cNvPicPr>
+          <p:nvPr/>
+        </p:nvPicPr>
+        <p:blipFill>
+          <a:blip r:embed="rId3"/>
+          <a:stretch>
+            <a:fillRect/>
+          </a:stretch>
+        </p:blipFill>
+        <p:spPr>
+          <a:xfrm>
+            <a:off x="4236357" y="1958522"/>
+            <a:ext cx="1346200" cy="393700"/>
+          </a:xfrm>
+          <a:prstGeom prst="rect">
+            <a:avLst/>
+          </a:prstGeom>
+        </p:spPr>
+      </p:pic>
+      <p:sp>
+        <p:nvSpPr>
+          <p:cNvPr id="12" name="フリーフォーム 11">
+            <a:extLst>
+              <a:ext uri="{FF2B5EF4-FFF2-40B4-BE49-F238E27FC236}">
+                <a16:creationId xmlns:a16="http://schemas.microsoft.com/office/drawing/2014/main" id="{F508DBD6-BE0D-7F2B-D611-18B4EEB5E510}"/>
+              </a:ext>
+            </a:extLst>
+          </p:cNvPr>
+          <p:cNvSpPr/>
+          <p:nvPr/>
+        </p:nvSpPr>
+        <p:spPr>
+          <a:xfrm>
+            <a:off x="4236357" y="2012952"/>
+            <a:ext cx="1346200" cy="577783"/>
+          </a:xfrm>
+          <a:custGeom>
+            <a:avLst/>
+            <a:gdLst>
+              <a:gd name="connsiteX0" fmla="*/ 65618 w 1346200"/>
+              <a:gd name="connsiteY0" fmla="*/ 0 h 577783"/>
+              <a:gd name="connsiteX1" fmla="*/ 1280582 w 1346200"/>
+              <a:gd name="connsiteY1" fmla="*/ 0 h 577783"/>
+              <a:gd name="connsiteX2" fmla="*/ 1346200 w 1346200"/>
+              <a:gd name="connsiteY2" fmla="*/ 65618 h 577783"/>
+              <a:gd name="connsiteX3" fmla="*/ 1346200 w 1346200"/>
+              <a:gd name="connsiteY3" fmla="*/ 328082 h 577783"/>
+              <a:gd name="connsiteX4" fmla="*/ 1280582 w 1346200"/>
+              <a:gd name="connsiteY4" fmla="*/ 393700 h 577783"/>
+              <a:gd name="connsiteX5" fmla="*/ 690527 w 1346200"/>
+              <a:gd name="connsiteY5" fmla="*/ 393700 h 577783"/>
+              <a:gd name="connsiteX6" fmla="*/ 545340 w 1346200"/>
+              <a:gd name="connsiteY6" fmla="*/ 577783 h 577783"/>
+              <a:gd name="connsiteX7" fmla="*/ 600668 w 1346200"/>
+              <a:gd name="connsiteY7" fmla="*/ 393700 h 577783"/>
+              <a:gd name="connsiteX8" fmla="*/ 65618 w 1346200"/>
+              <a:gd name="connsiteY8" fmla="*/ 393700 h 577783"/>
+              <a:gd name="connsiteX9" fmla="*/ 0 w 1346200"/>
+              <a:gd name="connsiteY9" fmla="*/ 328082 h 577783"/>
+              <a:gd name="connsiteX10" fmla="*/ 0 w 1346200"/>
+              <a:gd name="connsiteY10" fmla="*/ 65618 h 577783"/>
+              <a:gd name="connsiteX11" fmla="*/ 65618 w 1346200"/>
+              <a:gd name="connsiteY11" fmla="*/ 0 h 577783"/>
+            </a:gdLst>
+            <a:ahLst/>
+            <a:cxnLst>
+              <a:cxn ang="0">
+                <a:pos x="connsiteX0" y="connsiteY0"/>
+              </a:cxn>
+              <a:cxn ang="0">
+                <a:pos x="connsiteX1" y="connsiteY1"/>
+              </a:cxn>
+              <a:cxn ang="0">
+                <a:pos x="connsiteX2" y="connsiteY2"/>
+              </a:cxn>
+              <a:cxn ang="0">
+                <a:pos x="connsiteX3" y="connsiteY3"/>
+              </a:cxn>
+              <a:cxn ang="0">
+                <a:pos x="connsiteX4" y="connsiteY4"/>
+              </a:cxn>
+              <a:cxn ang="0">
+                <a:pos x="connsiteX5" y="connsiteY5"/>
+              </a:cxn>
+              <a:cxn ang="0">
+                <a:pos x="connsiteX6" y="connsiteY6"/>
+              </a:cxn>
+              <a:cxn ang="0">
+                <a:pos x="connsiteX7" y="connsiteY7"/>
+              </a:cxn>
+              <a:cxn ang="0">
+                <a:pos x="connsiteX8" y="connsiteY8"/>
+              </a:cxn>
+              <a:cxn ang="0">
+                <a:pos x="connsiteX9" y="connsiteY9"/>
+              </a:cxn>
+              <a:cxn ang="0">
+                <a:pos x="connsiteX10" y="connsiteY10"/>
+              </a:cxn>
+              <a:cxn ang="0">
+                <a:pos x="connsiteX11" y="connsiteY11"/>
+              </a:cxn>
+            </a:cxnLst>
+            <a:rect l="l" t="t" r="r" b="b"/>
+            <a:pathLst>
+              <a:path w="1346200" h="577783">
+                <a:moveTo>
+                  <a:pt x="65618" y="0"/>
+                </a:moveTo>
+                <a:lnTo>
+                  <a:pt x="1280582" y="0"/>
+                </a:lnTo>
+                <a:cubicBezTo>
+                  <a:pt x="1316822" y="0"/>
+                  <a:pt x="1346200" y="29378"/>
+                  <a:pt x="1346200" y="65618"/>
+                </a:cubicBezTo>
+                <a:lnTo>
+                  <a:pt x="1346200" y="328082"/>
+                </a:lnTo>
+                <a:cubicBezTo>
+                  <a:pt x="1346200" y="364322"/>
+                  <a:pt x="1316822" y="393700"/>
+                  <a:pt x="1280582" y="393700"/>
+                </a:cubicBezTo>
+                <a:lnTo>
+                  <a:pt x="690527" y="393700"/>
+                </a:lnTo>
+                <a:lnTo>
+                  <a:pt x="545340" y="577783"/>
+                </a:lnTo>
+                <a:lnTo>
+                  <a:pt x="600668" y="393700"/>
+                </a:lnTo>
+                <a:lnTo>
+                  <a:pt x="65618" y="393700"/>
+                </a:lnTo>
+                <a:cubicBezTo>
+                  <a:pt x="29378" y="393700"/>
+                  <a:pt x="0" y="364322"/>
+                  <a:pt x="0" y="328082"/>
+                </a:cubicBezTo>
+                <a:lnTo>
+                  <a:pt x="0" y="65618"/>
+                </a:lnTo>
+                <a:cubicBezTo>
+                  <a:pt x="0" y="29378"/>
+                  <a:pt x="29378" y="0"/>
+                  <a:pt x="65618" y="0"/>
+                </a:cubicBezTo>
+                <a:close/>
+              </a:path>
+            </a:pathLst>
+          </a:custGeom>
+          <a:noFill/>
+        </p:spPr>
+        <p:style>
+          <a:lnRef idx="2">
+            <a:schemeClr val="accent1">
+              <a:shade val="15000"/>
+            </a:schemeClr>
+          </a:lnRef>
+          <a:fillRef idx="1">
+            <a:schemeClr val="accent1"/>
+          </a:fillRef>
+          <a:effectRef idx="0">
+            <a:schemeClr val="accent1"/>
+          </a:effectRef>
+          <a:fontRef idx="minor">
+            <a:schemeClr val="lt1"/>
+          </a:fontRef>
+        </p:style>
+        <p:txBody>
+          <a:bodyPr wrap="square" rtlCol="0" anchor="ctr">
+            <a:noAutofit/>
+          </a:bodyPr>
+          <a:lstStyle/>
+          <a:p>
+            <a:pPr algn="ctr"/>
+            <a:endParaRPr kumimoji="1" lang="ja-JP" altLang="en-US"/>
+          </a:p>
+        </p:txBody>
+      </p:sp>
+      <p:sp>
+        <p:nvSpPr>
+          <p:cNvPr id="13" name="フリーフォーム 12">
+            <a:extLst>
+              <a:ext uri="{FF2B5EF4-FFF2-40B4-BE49-F238E27FC236}">
+                <a16:creationId xmlns:a16="http://schemas.microsoft.com/office/drawing/2014/main" id="{1AC1C688-0156-BAB4-74DB-A175DA2D30CA}"/>
+              </a:ext>
+            </a:extLst>
+          </p:cNvPr>
+          <p:cNvSpPr/>
+          <p:nvPr/>
+        </p:nvSpPr>
+        <p:spPr>
+          <a:xfrm>
+            <a:off x="3191328" y="2753180"/>
+            <a:ext cx="2305958" cy="554587"/>
+          </a:xfrm>
+          <a:custGeom>
+            <a:avLst/>
+            <a:gdLst>
+              <a:gd name="connsiteX0" fmla="*/ 65618 w 2305958"/>
+              <a:gd name="connsiteY0" fmla="*/ 0 h 554587"/>
+              <a:gd name="connsiteX1" fmla="*/ 2240340 w 2305958"/>
+              <a:gd name="connsiteY1" fmla="*/ 0 h 554587"/>
+              <a:gd name="connsiteX2" fmla="*/ 2305958 w 2305958"/>
+              <a:gd name="connsiteY2" fmla="*/ 65618 h 554587"/>
+              <a:gd name="connsiteX3" fmla="*/ 2305958 w 2305958"/>
+              <a:gd name="connsiteY3" fmla="*/ 328082 h 554587"/>
+              <a:gd name="connsiteX4" fmla="*/ 2240340 w 2305958"/>
+              <a:gd name="connsiteY4" fmla="*/ 393700 h 554587"/>
+              <a:gd name="connsiteX5" fmla="*/ 1837233 w 2305958"/>
+              <a:gd name="connsiteY5" fmla="*/ 393700 h 554587"/>
+              <a:gd name="connsiteX6" fmla="*/ 1600785 w 2305958"/>
+              <a:gd name="connsiteY6" fmla="*/ 554587 h 554587"/>
+              <a:gd name="connsiteX7" fmla="*/ 1710259 w 2305958"/>
+              <a:gd name="connsiteY7" fmla="*/ 393700 h 554587"/>
+              <a:gd name="connsiteX8" fmla="*/ 65618 w 2305958"/>
+              <a:gd name="connsiteY8" fmla="*/ 393700 h 554587"/>
+              <a:gd name="connsiteX9" fmla="*/ 0 w 2305958"/>
+              <a:gd name="connsiteY9" fmla="*/ 328082 h 554587"/>
+              <a:gd name="connsiteX10" fmla="*/ 0 w 2305958"/>
+              <a:gd name="connsiteY10" fmla="*/ 65618 h 554587"/>
+              <a:gd name="connsiteX11" fmla="*/ 65618 w 2305958"/>
+              <a:gd name="connsiteY11" fmla="*/ 0 h 554587"/>
+            </a:gdLst>
+            <a:ahLst/>
+            <a:cxnLst>
+              <a:cxn ang="0">
+                <a:pos x="connsiteX0" y="connsiteY0"/>
+              </a:cxn>
+              <a:cxn ang="0">
+                <a:pos x="connsiteX1" y="connsiteY1"/>
+              </a:cxn>
+              <a:cxn ang="0">
+                <a:pos x="connsiteX2" y="connsiteY2"/>
+              </a:cxn>
+              <a:cxn ang="0">
+                <a:pos x="connsiteX3" y="connsiteY3"/>
+              </a:cxn>
+              <a:cxn ang="0">
+                <a:pos x="connsiteX4" y="connsiteY4"/>
+              </a:cxn>
+              <a:cxn ang="0">
+                <a:pos x="connsiteX5" y="connsiteY5"/>
+              </a:cxn>
+              <a:cxn ang="0">
+                <a:pos x="connsiteX6" y="connsiteY6"/>
+              </a:cxn>
+              <a:cxn ang="0">
+                <a:pos x="connsiteX7" y="connsiteY7"/>
+              </a:cxn>
+              <a:cxn ang="0">
+                <a:pos x="connsiteX8" y="connsiteY8"/>
+              </a:cxn>
+              <a:cxn ang="0">
+                <a:pos x="connsiteX9" y="connsiteY9"/>
+              </a:cxn>
+              <a:cxn ang="0">
+                <a:pos x="connsiteX10" y="connsiteY10"/>
+              </a:cxn>
+              <a:cxn ang="0">
+                <a:pos x="connsiteX11" y="connsiteY11"/>
+              </a:cxn>
+            </a:cxnLst>
+            <a:rect l="l" t="t" r="r" b="b"/>
+            <a:pathLst>
+              <a:path w="2305958" h="554587">
+                <a:moveTo>
+                  <a:pt x="65618" y="0"/>
+                </a:moveTo>
+                <a:lnTo>
+                  <a:pt x="2240340" y="0"/>
+                </a:lnTo>
+                <a:cubicBezTo>
+                  <a:pt x="2276580" y="0"/>
+                  <a:pt x="2305958" y="29378"/>
+                  <a:pt x="2305958" y="65618"/>
+                </a:cubicBezTo>
+                <a:lnTo>
+                  <a:pt x="2305958" y="328082"/>
+                </a:lnTo>
+                <a:cubicBezTo>
+                  <a:pt x="2305958" y="364322"/>
+                  <a:pt x="2276580" y="393700"/>
+                  <a:pt x="2240340" y="393700"/>
+                </a:cubicBezTo>
+                <a:lnTo>
+                  <a:pt x="1837233" y="393700"/>
+                </a:lnTo>
+                <a:lnTo>
+                  <a:pt x="1600785" y="554587"/>
+                </a:lnTo>
+                <a:lnTo>
+                  <a:pt x="1710259" y="393700"/>
+                </a:lnTo>
+                <a:lnTo>
+                  <a:pt x="65618" y="393700"/>
+                </a:lnTo>
+                <a:cubicBezTo>
+                  <a:pt x="29378" y="393700"/>
+                  <a:pt x="0" y="364322"/>
+                  <a:pt x="0" y="328082"/>
+                </a:cubicBezTo>
+                <a:lnTo>
+                  <a:pt x="0" y="65618"/>
+                </a:lnTo>
+                <a:cubicBezTo>
+                  <a:pt x="0" y="29378"/>
+                  <a:pt x="29378" y="0"/>
+                  <a:pt x="65618" y="0"/>
+                </a:cubicBezTo>
+                <a:close/>
+              </a:path>
+            </a:pathLst>
+          </a:custGeom>
+          <a:noFill/>
+        </p:spPr>
+        <p:style>
+          <a:lnRef idx="2">
+            <a:schemeClr val="accent1">
+              <a:shade val="15000"/>
+            </a:schemeClr>
+          </a:lnRef>
+          <a:fillRef idx="1">
+            <a:schemeClr val="accent1"/>
+          </a:fillRef>
+          <a:effectRef idx="0">
+            <a:schemeClr val="accent1"/>
+          </a:effectRef>
+          <a:fontRef idx="minor">
+            <a:schemeClr val="lt1"/>
+          </a:fontRef>
+        </p:style>
+        <p:txBody>
+          <a:bodyPr wrap="square" rtlCol="0" anchor="ctr">
+            <a:noAutofit/>
+          </a:bodyPr>
+          <a:lstStyle/>
+          <a:p>
+            <a:pPr algn="ctr"/>
+            <a:endParaRPr kumimoji="1" lang="ja-JP" altLang="en-US"/>
+          </a:p>
+        </p:txBody>
+      </p:sp>
+    </p:spTree>
+    <p:extLst>
+      <p:ext uri="{BB962C8B-B14F-4D97-AF65-F5344CB8AC3E}">
+        <p14:creationId xmlns:p14="http://schemas.microsoft.com/office/powerpoint/2010/main" val="4293604085"/>
+      </p:ext>
+    </p:extLst>
+  </p:cSld>
+  <p:clrMapOvr>
+    <a:masterClrMapping/>
+  </p:clrMapOvr>
+</p:sld>
+</file>
+
 <file path=ppt/theme/theme1.xml><?xml version="1.0" encoding="utf-8"?>
 <a:theme xmlns:a="http://schemas.openxmlformats.org/drawingml/2006/main" name="Office テーマ">
   <a:themeElements>

--- a/lesson/fig/ex-figs.pptx
+++ b/lesson/fig/ex-figs.pptx
@@ -11,6 +11,9 @@
     <p:sldId id="260" r:id="rId5"/>
     <p:sldId id="261" r:id="rId6"/>
     <p:sldId id="262" r:id="rId7"/>
+    <p:sldId id="263" r:id="rId8"/>
+    <p:sldId id="264" r:id="rId9"/>
+    <p:sldId id="265" r:id="rId10"/>
   </p:sldIdLst>
   <p:sldSz cx="12192000" cy="6858000"/>
   <p:notesSz cx="6858000" cy="9144000"/>
@@ -263,7 +266,7 @@
           <a:lstStyle/>
           <a:p>
             <a:fld id="{5660586E-F190-CD48-9318-B9AABAD92EDA}" type="datetimeFigureOut">
-              <a:t>2023/9/30</a:t>
+              <a:t>2023/10/2</a:t>
             </a:fld>
             <a:endParaRPr kumimoji="1" lang="ja-JP" altLang="en-US"/>
           </a:p>
@@ -491,7 +494,7 @@
           <a:lstStyle/>
           <a:p>
             <a:fld id="{5660586E-F190-CD48-9318-B9AABAD92EDA}" type="datetimeFigureOut">
-              <a:t>2023/9/30</a:t>
+              <a:t>2023/10/2</a:t>
             </a:fld>
             <a:endParaRPr kumimoji="1" lang="ja-JP" altLang="en-US"/>
           </a:p>
@@ -729,7 +732,7 @@
           <a:lstStyle/>
           <a:p>
             <a:fld id="{5660586E-F190-CD48-9318-B9AABAD92EDA}" type="datetimeFigureOut">
-              <a:t>2023/9/30</a:t>
+              <a:t>2023/10/2</a:t>
             </a:fld>
             <a:endParaRPr kumimoji="1" lang="ja-JP" altLang="en-US"/>
           </a:p>
@@ -957,7 +960,7 @@
           <a:lstStyle/>
           <a:p>
             <a:fld id="{5660586E-F190-CD48-9318-B9AABAD92EDA}" type="datetimeFigureOut">
-              <a:t>2023/9/30</a:t>
+              <a:t>2023/10/2</a:t>
             </a:fld>
             <a:endParaRPr kumimoji="1" lang="ja-JP" altLang="en-US"/>
           </a:p>
@@ -1230,7 +1233,7 @@
           <a:lstStyle/>
           <a:p>
             <a:fld id="{5660586E-F190-CD48-9318-B9AABAD92EDA}" type="datetimeFigureOut">
-              <a:t>2023/9/30</a:t>
+              <a:t>2023/10/2</a:t>
             </a:fld>
             <a:endParaRPr kumimoji="1" lang="ja-JP" altLang="en-US"/>
           </a:p>
@@ -1557,7 +1560,7 @@
           <a:lstStyle/>
           <a:p>
             <a:fld id="{5660586E-F190-CD48-9318-B9AABAD92EDA}" type="datetimeFigureOut">
-              <a:t>2023/9/30</a:t>
+              <a:t>2023/10/2</a:t>
             </a:fld>
             <a:endParaRPr kumimoji="1" lang="ja-JP" altLang="en-US"/>
           </a:p>
@@ -2031,7 +2034,7 @@
           <a:lstStyle/>
           <a:p>
             <a:fld id="{5660586E-F190-CD48-9318-B9AABAD92EDA}" type="datetimeFigureOut">
-              <a:t>2023/9/30</a:t>
+              <a:t>2023/10/2</a:t>
             </a:fld>
             <a:endParaRPr kumimoji="1" lang="ja-JP" altLang="en-US"/>
           </a:p>
@@ -2170,7 +2173,7 @@
           <a:lstStyle/>
           <a:p>
             <a:fld id="{5660586E-F190-CD48-9318-B9AABAD92EDA}" type="datetimeFigureOut">
-              <a:t>2023/9/30</a:t>
+              <a:t>2023/10/2</a:t>
             </a:fld>
             <a:endParaRPr kumimoji="1" lang="ja-JP" altLang="en-US"/>
           </a:p>
@@ -2281,7 +2284,7 @@
           <a:lstStyle/>
           <a:p>
             <a:fld id="{5660586E-F190-CD48-9318-B9AABAD92EDA}" type="datetimeFigureOut">
-              <a:t>2023/9/30</a:t>
+              <a:t>2023/10/2</a:t>
             </a:fld>
             <a:endParaRPr kumimoji="1" lang="ja-JP" altLang="en-US"/>
           </a:p>
@@ -2622,7 +2625,7 @@
           <a:lstStyle/>
           <a:p>
             <a:fld id="{5660586E-F190-CD48-9318-B9AABAD92EDA}" type="datetimeFigureOut">
-              <a:t>2023/9/30</a:t>
+              <a:t>2023/10/2</a:t>
             </a:fld>
             <a:endParaRPr kumimoji="1" lang="ja-JP" altLang="en-US"/>
           </a:p>
@@ -2908,7 +2911,7 @@
           <a:lstStyle/>
           <a:p>
             <a:fld id="{5660586E-F190-CD48-9318-B9AABAD92EDA}" type="datetimeFigureOut">
-              <a:t>2023/9/30</a:t>
+              <a:t>2023/10/2</a:t>
             </a:fld>
             <a:endParaRPr kumimoji="1" lang="ja-JP" altLang="en-US"/>
           </a:p>
@@ -3179,7 +3182,7 @@
           </a:lstStyle>
           <a:p>
             <a:fld id="{5660586E-F190-CD48-9318-B9AABAD92EDA}" type="datetimeFigureOut">
-              <a:t>2023/9/30</a:t>
+              <a:t>2023/10/2</a:t>
             </a:fld>
             <a:endParaRPr kumimoji="1" lang="ja-JP" altLang="en-US"/>
           </a:p>
@@ -6674,6 +6677,42 @@
           </a:p>
         </p:txBody>
       </p:sp>
+      <p:sp>
+        <p:nvSpPr>
+          <p:cNvPr id="2" name="テキスト ボックス 1">
+            <a:extLst>
+              <a:ext uri="{FF2B5EF4-FFF2-40B4-BE49-F238E27FC236}">
+                <a16:creationId xmlns:a16="http://schemas.microsoft.com/office/drawing/2014/main" id="{2D37CC55-8E43-8CDE-E368-E71FDF96C921}"/>
+              </a:ext>
+            </a:extLst>
+          </p:cNvPr>
+          <p:cNvSpPr txBox="1"/>
+          <p:nvPr/>
+        </p:nvSpPr>
+        <p:spPr>
+          <a:xfrm>
+            <a:off x="272143" y="217714"/>
+            <a:ext cx="910827" cy="369332"/>
+          </a:xfrm>
+          <a:prstGeom prst="rect">
+            <a:avLst/>
+          </a:prstGeom>
+          <a:noFill/>
+        </p:spPr>
+        <p:txBody>
+          <a:bodyPr wrap="none" rtlCol="0">
+            <a:spAutoFit/>
+          </a:bodyPr>
+          <a:lstStyle/>
+          <a:p>
+            <a:r>
+              <a:rPr kumimoji="1" lang="en-US" altLang="ja-JP"/>
+              <a:t>ex09-1</a:t>
+            </a:r>
+            <a:endParaRPr kumimoji="1" lang="ja-JP" altLang="en-US"/>
+          </a:p>
+        </p:txBody>
+      </p:sp>
     </p:spTree>
     <p:extLst>
       <p:ext uri="{BB962C8B-B14F-4D97-AF65-F5344CB8AC3E}">
@@ -7092,10 +7131,1118 @@
           </a:p>
         </p:txBody>
       </p:sp>
+      <p:sp>
+        <p:nvSpPr>
+          <p:cNvPr id="2" name="テキスト ボックス 1">
+            <a:extLst>
+              <a:ext uri="{FF2B5EF4-FFF2-40B4-BE49-F238E27FC236}">
+                <a16:creationId xmlns:a16="http://schemas.microsoft.com/office/drawing/2014/main" id="{91830321-55DB-59AF-775C-4F1949833836}"/>
+              </a:ext>
+            </a:extLst>
+          </p:cNvPr>
+          <p:cNvSpPr txBox="1"/>
+          <p:nvPr/>
+        </p:nvSpPr>
+        <p:spPr>
+          <a:xfrm>
+            <a:off x="272143" y="217714"/>
+            <a:ext cx="910827" cy="369332"/>
+          </a:xfrm>
+          <a:prstGeom prst="rect">
+            <a:avLst/>
+          </a:prstGeom>
+          <a:noFill/>
+        </p:spPr>
+        <p:txBody>
+          <a:bodyPr wrap="none" rtlCol="0">
+            <a:spAutoFit/>
+          </a:bodyPr>
+          <a:lstStyle/>
+          <a:p>
+            <a:r>
+              <a:rPr kumimoji="1" lang="en-US" altLang="ja-JP"/>
+              <a:t>ex10-1</a:t>
+            </a:r>
+            <a:endParaRPr kumimoji="1" lang="ja-JP" altLang="en-US"/>
+          </a:p>
+        </p:txBody>
+      </p:sp>
     </p:spTree>
     <p:extLst>
       <p:ext uri="{BB962C8B-B14F-4D97-AF65-F5344CB8AC3E}">
         <p14:creationId xmlns:p14="http://schemas.microsoft.com/office/powerpoint/2010/main" val="4293604085"/>
+      </p:ext>
+    </p:extLst>
+  </p:cSld>
+  <p:clrMapOvr>
+    <a:masterClrMapping/>
+  </p:clrMapOvr>
+</p:sld>
+</file>
+
+<file path=ppt/slides/slide7.xml><?xml version="1.0" encoding="utf-8"?>
+<p:sld xmlns:a="http://schemas.openxmlformats.org/drawingml/2006/main" xmlns:r="http://schemas.openxmlformats.org/officeDocument/2006/relationships" xmlns:p="http://schemas.openxmlformats.org/presentationml/2006/main">
+  <p:cSld>
+    <p:spTree>
+      <p:nvGrpSpPr>
+        <p:cNvPr id="1" name=""/>
+        <p:cNvGrpSpPr/>
+        <p:nvPr/>
+      </p:nvGrpSpPr>
+      <p:grpSpPr>
+        <a:xfrm>
+          <a:off x="0" y="0"/>
+          <a:ext cx="0" cy="0"/>
+          <a:chOff x="0" y="0"/>
+          <a:chExt cx="0" cy="0"/>
+        </a:xfrm>
+      </p:grpSpPr>
+      <p:pic>
+        <p:nvPicPr>
+          <p:cNvPr id="16" name="図 15" descr="グラフ&#10;&#10;自動的に生成された説明">
+            <a:extLst>
+              <a:ext uri="{FF2B5EF4-FFF2-40B4-BE49-F238E27FC236}">
+                <a16:creationId xmlns:a16="http://schemas.microsoft.com/office/drawing/2014/main" id="{88E86354-CA5C-7B88-8564-6C850567B2B9}"/>
+              </a:ext>
+            </a:extLst>
+          </p:cNvPr>
+          <p:cNvPicPr>
+            <a:picLocks noChangeAspect="1"/>
+          </p:cNvPicPr>
+          <p:nvPr/>
+        </p:nvPicPr>
+        <p:blipFill>
+          <a:blip r:embed="rId2"/>
+          <a:stretch>
+            <a:fillRect/>
+          </a:stretch>
+        </p:blipFill>
+        <p:spPr>
+          <a:xfrm>
+            <a:off x="2984500" y="1073150"/>
+            <a:ext cx="6223000" cy="4711700"/>
+          </a:xfrm>
+          <a:prstGeom prst="rect">
+            <a:avLst/>
+          </a:prstGeom>
+        </p:spPr>
+      </p:pic>
+      <p:sp>
+        <p:nvSpPr>
+          <p:cNvPr id="2" name="テキスト ボックス 1">
+            <a:extLst>
+              <a:ext uri="{FF2B5EF4-FFF2-40B4-BE49-F238E27FC236}">
+                <a16:creationId xmlns:a16="http://schemas.microsoft.com/office/drawing/2014/main" id="{CF935AE3-85C7-DBB4-70C2-BD377D76FAA6}"/>
+              </a:ext>
+            </a:extLst>
+          </p:cNvPr>
+          <p:cNvSpPr txBox="1"/>
+          <p:nvPr/>
+        </p:nvSpPr>
+        <p:spPr>
+          <a:xfrm>
+            <a:off x="272143" y="217714"/>
+            <a:ext cx="910827" cy="369332"/>
+          </a:xfrm>
+          <a:prstGeom prst="rect">
+            <a:avLst/>
+          </a:prstGeom>
+          <a:noFill/>
+        </p:spPr>
+        <p:txBody>
+          <a:bodyPr wrap="none" rtlCol="0">
+            <a:spAutoFit/>
+          </a:bodyPr>
+          <a:lstStyle/>
+          <a:p>
+            <a:r>
+              <a:rPr kumimoji="1" lang="en-US" altLang="ja-JP"/>
+              <a:t>ex11-2</a:t>
+            </a:r>
+            <a:endParaRPr kumimoji="1" lang="ja-JP" altLang="en-US"/>
+          </a:p>
+        </p:txBody>
+      </p:sp>
+      <p:pic>
+        <p:nvPicPr>
+          <p:cNvPr id="6" name="図 5" descr="挿絵 が含まれている画像&#10;&#10;自動的に生成された説明">
+            <a:extLst>
+              <a:ext uri="{FF2B5EF4-FFF2-40B4-BE49-F238E27FC236}">
+                <a16:creationId xmlns:a16="http://schemas.microsoft.com/office/drawing/2014/main" id="{7A4CF7FB-EED2-EBBA-E5E5-3430CF359421}"/>
+              </a:ext>
+            </a:extLst>
+          </p:cNvPr>
+          <p:cNvPicPr>
+            <a:picLocks noChangeAspect="1"/>
+          </p:cNvPicPr>
+          <p:nvPr/>
+        </p:nvPicPr>
+        <p:blipFill>
+          <a:blip r:embed="rId3"/>
+          <a:stretch>
+            <a:fillRect/>
+          </a:stretch>
+        </p:blipFill>
+        <p:spPr>
+          <a:xfrm>
+            <a:off x="1981200" y="3813628"/>
+            <a:ext cx="1003300" cy="1625600"/>
+          </a:xfrm>
+          <a:prstGeom prst="rect">
+            <a:avLst/>
+          </a:prstGeom>
+        </p:spPr>
+      </p:pic>
+      <p:sp>
+        <p:nvSpPr>
+          <p:cNvPr id="9" name="テキスト ボックス 8">
+            <a:extLst>
+              <a:ext uri="{FF2B5EF4-FFF2-40B4-BE49-F238E27FC236}">
+                <a16:creationId xmlns:a16="http://schemas.microsoft.com/office/drawing/2014/main" id="{3CC25A92-5409-4CA8-2911-081DA4FC2E71}"/>
+              </a:ext>
+            </a:extLst>
+          </p:cNvPr>
+          <p:cNvSpPr txBox="1"/>
+          <p:nvPr/>
+        </p:nvSpPr>
+        <p:spPr>
+          <a:xfrm>
+            <a:off x="4908549" y="3078464"/>
+            <a:ext cx="3877985" cy="646331"/>
+          </a:xfrm>
+          <a:prstGeom prst="rect">
+            <a:avLst/>
+          </a:prstGeom>
+          <a:solidFill>
+            <a:schemeClr val="bg1"/>
+          </a:solidFill>
+        </p:spPr>
+        <p:txBody>
+          <a:bodyPr wrap="none" rtlCol="0">
+            <a:spAutoFit/>
+          </a:bodyPr>
+          <a:lstStyle/>
+          <a:p>
+            <a:r>
+              <a:rPr kumimoji="1" lang="ja-JP" altLang="en-US"/>
+              <a:t>動かして魚を食べたら「パクッ」と</a:t>
+            </a:r>
+            <a:endParaRPr kumimoji="1" lang="en-US" altLang="ja-JP"/>
+          </a:p>
+          <a:p>
+            <a:r>
+              <a:rPr kumimoji="1" lang="ja-JP" altLang="en-US"/>
+              <a:t>しゃべって、食べた魚の色になる</a:t>
+            </a:r>
+          </a:p>
+        </p:txBody>
+      </p:sp>
+      <p:sp>
+        <p:nvSpPr>
+          <p:cNvPr id="11" name="テキスト ボックス 10">
+            <a:extLst>
+              <a:ext uri="{FF2B5EF4-FFF2-40B4-BE49-F238E27FC236}">
+                <a16:creationId xmlns:a16="http://schemas.microsoft.com/office/drawing/2014/main" id="{289ABE6C-1DA9-9242-4D48-FC141C62A0F5}"/>
+              </a:ext>
+            </a:extLst>
+          </p:cNvPr>
+          <p:cNvSpPr txBox="1"/>
+          <p:nvPr/>
+        </p:nvSpPr>
+        <p:spPr>
+          <a:xfrm>
+            <a:off x="3551464" y="4431657"/>
+            <a:ext cx="4467890" cy="646331"/>
+          </a:xfrm>
+          <a:prstGeom prst="rect">
+            <a:avLst/>
+          </a:prstGeom>
+          <a:solidFill>
+            <a:schemeClr val="bg1"/>
+          </a:solidFill>
+        </p:spPr>
+        <p:txBody>
+          <a:bodyPr wrap="none" rtlCol="0">
+            <a:spAutoFit/>
+          </a:bodyPr>
+          <a:lstStyle/>
+          <a:p>
+            <a:r>
+              <a:rPr kumimoji="1" lang="ja-JP" altLang="en-US"/>
+              <a:t>動かしてないときに</a:t>
+            </a:r>
+            <a:r>
+              <a:rPr lang="ja-JP" altLang="en-US"/>
+              <a:t>魚にぶつかられたら</a:t>
+            </a:r>
+            <a:endParaRPr lang="en-US" altLang="ja-JP"/>
+          </a:p>
+          <a:p>
+            <a:r>
+              <a:rPr kumimoji="1" lang="en-US" altLang="ja-JP"/>
+              <a:t>1</a:t>
+            </a:r>
+            <a:r>
+              <a:rPr kumimoji="1" lang="ja-JP" altLang="en-US"/>
+              <a:t>秒間「イテッ」としゃべって黒くなる</a:t>
+            </a:r>
+            <a:endParaRPr kumimoji="1" lang="en-US" altLang="ja-JP"/>
+          </a:p>
+        </p:txBody>
+      </p:sp>
+      <p:cxnSp>
+        <p:nvCxnSpPr>
+          <p:cNvPr id="13" name="直線コネクタ 12">
+            <a:extLst>
+              <a:ext uri="{FF2B5EF4-FFF2-40B4-BE49-F238E27FC236}">
+                <a16:creationId xmlns:a16="http://schemas.microsoft.com/office/drawing/2014/main" id="{F5B28F77-33F3-60D2-8BB1-176B52D3FD9E}"/>
+              </a:ext>
+            </a:extLst>
+          </p:cNvPr>
+          <p:cNvCxnSpPr>
+            <a:cxnSpLocks/>
+          </p:cNvCxnSpPr>
+          <p:nvPr/>
+        </p:nvCxnSpPr>
+        <p:spPr>
+          <a:xfrm>
+            <a:off x="2906486" y="4754822"/>
+            <a:ext cx="644978" cy="0"/>
+          </a:xfrm>
+          <a:prstGeom prst="line">
+            <a:avLst/>
+          </a:prstGeom>
+          <a:ln w="19050">
+            <a:solidFill>
+              <a:srgbClr val="C00000"/>
+            </a:solidFill>
+          </a:ln>
+        </p:spPr>
+        <p:style>
+          <a:lnRef idx="1">
+            <a:schemeClr val="accent1"/>
+          </a:lnRef>
+          <a:fillRef idx="0">
+            <a:schemeClr val="accent1"/>
+          </a:fillRef>
+          <a:effectRef idx="0">
+            <a:schemeClr val="accent1"/>
+          </a:effectRef>
+          <a:fontRef idx="minor">
+            <a:schemeClr val="tx1"/>
+          </a:fontRef>
+        </p:style>
+      </p:cxnSp>
+      <p:cxnSp>
+        <p:nvCxnSpPr>
+          <p:cNvPr id="17" name="直線コネクタ 16">
+            <a:extLst>
+              <a:ext uri="{FF2B5EF4-FFF2-40B4-BE49-F238E27FC236}">
+                <a16:creationId xmlns:a16="http://schemas.microsoft.com/office/drawing/2014/main" id="{8A8CD4B2-CBF7-BB5E-1B41-07E6047AAEB5}"/>
+              </a:ext>
+            </a:extLst>
+          </p:cNvPr>
+          <p:cNvCxnSpPr>
+            <a:cxnSpLocks/>
+          </p:cNvCxnSpPr>
+          <p:nvPr/>
+        </p:nvCxnSpPr>
+        <p:spPr>
+          <a:xfrm>
+            <a:off x="4166507" y="3401629"/>
+            <a:ext cx="742042" cy="0"/>
+          </a:xfrm>
+          <a:prstGeom prst="line">
+            <a:avLst/>
+          </a:prstGeom>
+          <a:ln w="19050">
+            <a:solidFill>
+              <a:srgbClr val="C00000"/>
+            </a:solidFill>
+          </a:ln>
+        </p:spPr>
+        <p:style>
+          <a:lnRef idx="1">
+            <a:schemeClr val="accent1"/>
+          </a:lnRef>
+          <a:fillRef idx="0">
+            <a:schemeClr val="accent1"/>
+          </a:fillRef>
+          <a:effectRef idx="0">
+            <a:schemeClr val="accent1"/>
+          </a:effectRef>
+          <a:fontRef idx="minor">
+            <a:schemeClr val="tx1"/>
+          </a:fontRef>
+        </p:style>
+      </p:cxnSp>
+    </p:spTree>
+    <p:extLst>
+      <p:ext uri="{BB962C8B-B14F-4D97-AF65-F5344CB8AC3E}">
+        <p14:creationId xmlns:p14="http://schemas.microsoft.com/office/powerpoint/2010/main" val="4135657887"/>
+      </p:ext>
+    </p:extLst>
+  </p:cSld>
+  <p:clrMapOvr>
+    <a:masterClrMapping/>
+  </p:clrMapOvr>
+</p:sld>
+</file>
+
+<file path=ppt/slides/slide8.xml><?xml version="1.0" encoding="utf-8"?>
+<p:sld xmlns:a="http://schemas.openxmlformats.org/drawingml/2006/main" xmlns:r="http://schemas.openxmlformats.org/officeDocument/2006/relationships" xmlns:p="http://schemas.openxmlformats.org/presentationml/2006/main">
+  <p:cSld>
+    <p:spTree>
+      <p:nvGrpSpPr>
+        <p:cNvPr id="1" name=""/>
+        <p:cNvGrpSpPr/>
+        <p:nvPr/>
+      </p:nvGrpSpPr>
+      <p:grpSpPr>
+        <a:xfrm>
+          <a:off x="0" y="0"/>
+          <a:ext cx="0" cy="0"/>
+          <a:chOff x="0" y="0"/>
+          <a:chExt cx="0" cy="0"/>
+        </a:xfrm>
+      </p:grpSpPr>
+      <p:pic>
+        <p:nvPicPr>
+          <p:cNvPr id="4" name="図 3" descr="アプリケーション が含まれている画像&#10;&#10;自動的に生成された説明">
+            <a:extLst>
+              <a:ext uri="{FF2B5EF4-FFF2-40B4-BE49-F238E27FC236}">
+                <a16:creationId xmlns:a16="http://schemas.microsoft.com/office/drawing/2014/main" id="{8955B9B6-6DC8-A5AE-92BF-7A4FD191A869}"/>
+              </a:ext>
+            </a:extLst>
+          </p:cNvPr>
+          <p:cNvPicPr>
+            <a:picLocks noChangeAspect="1"/>
+          </p:cNvPicPr>
+          <p:nvPr/>
+        </p:nvPicPr>
+        <p:blipFill>
+          <a:blip r:embed="rId2"/>
+          <a:stretch>
+            <a:fillRect/>
+          </a:stretch>
+        </p:blipFill>
+        <p:spPr>
+          <a:xfrm>
+            <a:off x="2990850" y="1066800"/>
+            <a:ext cx="6210300" cy="4724400"/>
+          </a:xfrm>
+          <a:prstGeom prst="rect">
+            <a:avLst/>
+          </a:prstGeom>
+        </p:spPr>
+      </p:pic>
+      <p:sp>
+        <p:nvSpPr>
+          <p:cNvPr id="15" name="角丸四角形 14">
+            <a:extLst>
+              <a:ext uri="{FF2B5EF4-FFF2-40B4-BE49-F238E27FC236}">
+                <a16:creationId xmlns:a16="http://schemas.microsoft.com/office/drawing/2014/main" id="{819898AB-6107-1ED9-E0EF-79383E6A8ED5}"/>
+              </a:ext>
+            </a:extLst>
+          </p:cNvPr>
+          <p:cNvSpPr/>
+          <p:nvPr/>
+        </p:nvSpPr>
+        <p:spPr>
+          <a:xfrm>
+            <a:off x="2093602" y="1944168"/>
+            <a:ext cx="2834640" cy="811042"/>
+          </a:xfrm>
+          <a:prstGeom prst="roundRect">
+            <a:avLst/>
+          </a:prstGeom>
+          <a:solidFill>
+            <a:schemeClr val="bg1"/>
+          </a:solidFill>
+        </p:spPr>
+        <p:style>
+          <a:lnRef idx="2">
+            <a:schemeClr val="accent1">
+              <a:shade val="15000"/>
+            </a:schemeClr>
+          </a:lnRef>
+          <a:fillRef idx="1">
+            <a:schemeClr val="accent1"/>
+          </a:fillRef>
+          <a:effectRef idx="0">
+            <a:schemeClr val="accent1"/>
+          </a:effectRef>
+          <a:fontRef idx="minor">
+            <a:schemeClr val="lt1"/>
+          </a:fontRef>
+        </p:style>
+        <p:txBody>
+          <a:bodyPr rtlCol="0" anchor="ctr"/>
+          <a:lstStyle/>
+          <a:p>
+            <a:pPr algn="ctr"/>
+            <a:endParaRPr kumimoji="1" lang="ja-JP" altLang="en-US"/>
+          </a:p>
+        </p:txBody>
+      </p:sp>
+      <p:sp>
+        <p:nvSpPr>
+          <p:cNvPr id="2" name="テキスト ボックス 1">
+            <a:extLst>
+              <a:ext uri="{FF2B5EF4-FFF2-40B4-BE49-F238E27FC236}">
+                <a16:creationId xmlns:a16="http://schemas.microsoft.com/office/drawing/2014/main" id="{CF935AE3-85C7-DBB4-70C2-BD377D76FAA6}"/>
+              </a:ext>
+            </a:extLst>
+          </p:cNvPr>
+          <p:cNvSpPr txBox="1"/>
+          <p:nvPr/>
+        </p:nvSpPr>
+        <p:spPr>
+          <a:xfrm>
+            <a:off x="272143" y="217714"/>
+            <a:ext cx="910827" cy="369332"/>
+          </a:xfrm>
+          <a:prstGeom prst="rect">
+            <a:avLst/>
+          </a:prstGeom>
+          <a:noFill/>
+        </p:spPr>
+        <p:txBody>
+          <a:bodyPr wrap="none" rtlCol="0">
+            <a:spAutoFit/>
+          </a:bodyPr>
+          <a:lstStyle/>
+          <a:p>
+            <a:r>
+              <a:rPr kumimoji="1" lang="en-US" altLang="ja-JP"/>
+              <a:t>ex12-2</a:t>
+            </a:r>
+            <a:endParaRPr kumimoji="1" lang="ja-JP" altLang="en-US"/>
+          </a:p>
+        </p:txBody>
+      </p:sp>
+      <p:pic>
+        <p:nvPicPr>
+          <p:cNvPr id="10" name="図 9" descr="挿絵 が含まれている画像&#10;&#10;自動的に生成された説明">
+            <a:extLst>
+              <a:ext uri="{FF2B5EF4-FFF2-40B4-BE49-F238E27FC236}">
+                <a16:creationId xmlns:a16="http://schemas.microsoft.com/office/drawing/2014/main" id="{5BFB29E4-D888-6208-80A5-1EBE76120027}"/>
+              </a:ext>
+            </a:extLst>
+          </p:cNvPr>
+          <p:cNvPicPr>
+            <a:picLocks noChangeAspect="1"/>
+          </p:cNvPicPr>
+          <p:nvPr/>
+        </p:nvPicPr>
+        <p:blipFill>
+          <a:blip r:embed="rId3"/>
+          <a:stretch>
+            <a:fillRect/>
+          </a:stretch>
+        </p:blipFill>
+        <p:spPr>
+          <a:xfrm>
+            <a:off x="4245428" y="4180762"/>
+            <a:ext cx="965200" cy="1346200"/>
+          </a:xfrm>
+          <a:prstGeom prst="rect">
+            <a:avLst/>
+          </a:prstGeom>
+        </p:spPr>
+      </p:pic>
+      <p:grpSp>
+        <p:nvGrpSpPr>
+          <p:cNvPr id="16" name="グループ化 15">
+            <a:extLst>
+              <a:ext uri="{FF2B5EF4-FFF2-40B4-BE49-F238E27FC236}">
+                <a16:creationId xmlns:a16="http://schemas.microsoft.com/office/drawing/2014/main" id="{F05B16CB-B70A-7CB9-5FB7-9AD079E1F55C}"/>
+              </a:ext>
+            </a:extLst>
+          </p:cNvPr>
+          <p:cNvGrpSpPr/>
+          <p:nvPr/>
+        </p:nvGrpSpPr>
+        <p:grpSpPr>
+          <a:xfrm>
+            <a:off x="2189264" y="1977287"/>
+            <a:ext cx="2589565" cy="733523"/>
+            <a:chOff x="2189264" y="2336014"/>
+            <a:chExt cx="2589565" cy="733523"/>
+          </a:xfrm>
+        </p:grpSpPr>
+        <p:pic>
+          <p:nvPicPr>
+            <p:cNvPr id="6" name="図 5" descr="挿絵 が含まれている画像&#10;&#10;自動的に生成された説明">
+              <a:extLst>
+                <a:ext uri="{FF2B5EF4-FFF2-40B4-BE49-F238E27FC236}">
+                  <a16:creationId xmlns:a16="http://schemas.microsoft.com/office/drawing/2014/main" id="{A885F22C-0C1E-0605-D6C5-E088AC5213AB}"/>
+                </a:ext>
+              </a:extLst>
+            </p:cNvPr>
+            <p:cNvPicPr>
+              <a:picLocks noChangeAspect="1"/>
+            </p:cNvPicPr>
+            <p:nvPr/>
+          </p:nvPicPr>
+          <p:blipFill rotWithShape="1">
+            <a:blip r:embed="rId4"/>
+            <a:srcRect t="10204"/>
+            <a:stretch/>
+          </p:blipFill>
+          <p:spPr>
+            <a:xfrm>
+              <a:off x="4141108" y="2396063"/>
+              <a:ext cx="637721" cy="624706"/>
+            </a:xfrm>
+            <a:prstGeom prst="rect">
+              <a:avLst/>
+            </a:prstGeom>
+          </p:spPr>
+        </p:pic>
+        <p:pic>
+          <p:nvPicPr>
+            <p:cNvPr id="8" name="図 7" descr="挿絵 が含まれている画像&#10;&#10;自動的に生成された説明">
+              <a:extLst>
+                <a:ext uri="{FF2B5EF4-FFF2-40B4-BE49-F238E27FC236}">
+                  <a16:creationId xmlns:a16="http://schemas.microsoft.com/office/drawing/2014/main" id="{28BD1DA1-A448-F381-029A-96F9E5CE1E44}"/>
+                </a:ext>
+              </a:extLst>
+            </p:cNvPr>
+            <p:cNvPicPr>
+              <a:picLocks noChangeAspect="1"/>
+            </p:cNvPicPr>
+            <p:nvPr/>
+          </p:nvPicPr>
+          <p:blipFill>
+            <a:blip r:embed="rId5"/>
+            <a:stretch>
+              <a:fillRect/>
+            </a:stretch>
+          </p:blipFill>
+          <p:spPr>
+            <a:xfrm>
+              <a:off x="3510922" y="2336014"/>
+              <a:ext cx="621157" cy="695696"/>
+            </a:xfrm>
+            <a:prstGeom prst="rect">
+              <a:avLst/>
+            </a:prstGeom>
+          </p:spPr>
+        </p:pic>
+        <p:pic>
+          <p:nvPicPr>
+            <p:cNvPr id="11" name="図 10" descr="図形&#10;&#10;中程度の精度で自動的に生成された説明">
+              <a:extLst>
+                <a:ext uri="{FF2B5EF4-FFF2-40B4-BE49-F238E27FC236}">
+                  <a16:creationId xmlns:a16="http://schemas.microsoft.com/office/drawing/2014/main" id="{4771D003-DB0D-785F-BD8D-E461C4582494}"/>
+                </a:ext>
+              </a:extLst>
+            </p:cNvPr>
+            <p:cNvPicPr>
+              <a:picLocks noChangeAspect="1"/>
+            </p:cNvPicPr>
+            <p:nvPr/>
+          </p:nvPicPr>
+          <p:blipFill rotWithShape="1">
+            <a:blip r:embed="rId6"/>
+            <a:srcRect t="27193"/>
+            <a:stretch/>
+          </p:blipFill>
+          <p:spPr>
+            <a:xfrm>
+              <a:off x="2189264" y="2382124"/>
+              <a:ext cx="761952" cy="687413"/>
+            </a:xfrm>
+            <a:prstGeom prst="rect">
+              <a:avLst/>
+            </a:prstGeom>
+          </p:spPr>
+        </p:pic>
+        <p:pic>
+          <p:nvPicPr>
+            <p:cNvPr id="12" name="図 11">
+              <a:extLst>
+                <a:ext uri="{FF2B5EF4-FFF2-40B4-BE49-F238E27FC236}">
+                  <a16:creationId xmlns:a16="http://schemas.microsoft.com/office/drawing/2014/main" id="{A6EA3556-6E7B-F713-872E-A58E32AAE8FB}"/>
+                </a:ext>
+              </a:extLst>
+            </p:cNvPr>
+            <p:cNvPicPr>
+              <a:picLocks noChangeAspect="1"/>
+            </p:cNvPicPr>
+            <p:nvPr/>
+          </p:nvPicPr>
+          <p:blipFill rotWithShape="1">
+            <a:blip r:embed="rId7"/>
+            <a:srcRect t="4762"/>
+            <a:stretch/>
+          </p:blipFill>
+          <p:spPr>
+            <a:xfrm>
+              <a:off x="2869474" y="2339452"/>
+              <a:ext cx="612875" cy="678342"/>
+            </a:xfrm>
+            <a:prstGeom prst="rect">
+              <a:avLst/>
+            </a:prstGeom>
+          </p:spPr>
+        </p:pic>
+      </p:grpSp>
+      <p:sp>
+        <p:nvSpPr>
+          <p:cNvPr id="17" name="フリーフォーム 16">
+            <a:extLst>
+              <a:ext uri="{FF2B5EF4-FFF2-40B4-BE49-F238E27FC236}">
+                <a16:creationId xmlns:a16="http://schemas.microsoft.com/office/drawing/2014/main" id="{85A83E04-72C0-C260-0810-0145C040F4A4}"/>
+              </a:ext>
+            </a:extLst>
+          </p:cNvPr>
+          <p:cNvSpPr/>
+          <p:nvPr/>
+        </p:nvSpPr>
+        <p:spPr>
+          <a:xfrm>
+            <a:off x="2572512" y="2761488"/>
+            <a:ext cx="597408" cy="792480"/>
+          </a:xfrm>
+          <a:custGeom>
+            <a:avLst/>
+            <a:gdLst>
+              <a:gd name="connsiteX0" fmla="*/ 0 w 597408"/>
+              <a:gd name="connsiteY0" fmla="*/ 0 h 792480"/>
+              <a:gd name="connsiteX1" fmla="*/ 0 w 597408"/>
+              <a:gd name="connsiteY1" fmla="*/ 457200 h 792480"/>
+              <a:gd name="connsiteX2" fmla="*/ 597408 w 597408"/>
+              <a:gd name="connsiteY2" fmla="*/ 792480 h 792480"/>
+            </a:gdLst>
+            <a:ahLst/>
+            <a:cxnLst>
+              <a:cxn ang="0">
+                <a:pos x="connsiteX0" y="connsiteY0"/>
+              </a:cxn>
+              <a:cxn ang="0">
+                <a:pos x="connsiteX1" y="connsiteY1"/>
+              </a:cxn>
+              <a:cxn ang="0">
+                <a:pos x="connsiteX2" y="connsiteY2"/>
+              </a:cxn>
+            </a:cxnLst>
+            <a:rect l="l" t="t" r="r" b="b"/>
+            <a:pathLst>
+              <a:path w="597408" h="792480">
+                <a:moveTo>
+                  <a:pt x="0" y="0"/>
+                </a:moveTo>
+                <a:lnTo>
+                  <a:pt x="0" y="457200"/>
+                </a:lnTo>
+                <a:lnTo>
+                  <a:pt x="597408" y="792480"/>
+                </a:lnTo>
+              </a:path>
+            </a:pathLst>
+          </a:custGeom>
+          <a:noFill/>
+          <a:ln w="19050">
+            <a:solidFill>
+              <a:srgbClr val="C00000"/>
+            </a:solidFill>
+          </a:ln>
+        </p:spPr>
+        <p:style>
+          <a:lnRef idx="2">
+            <a:schemeClr val="accent1">
+              <a:shade val="15000"/>
+            </a:schemeClr>
+          </a:lnRef>
+          <a:fillRef idx="1">
+            <a:schemeClr val="accent1"/>
+          </a:fillRef>
+          <a:effectRef idx="0">
+            <a:schemeClr val="accent1"/>
+          </a:effectRef>
+          <a:fontRef idx="minor">
+            <a:schemeClr val="lt1"/>
+          </a:fontRef>
+        </p:style>
+        <p:txBody>
+          <a:bodyPr rtlCol="0" anchor="ctr"/>
+          <a:lstStyle/>
+          <a:p>
+            <a:pPr algn="ctr"/>
+            <a:endParaRPr kumimoji="1" lang="ja-JP" altLang="en-US"/>
+          </a:p>
+        </p:txBody>
+      </p:sp>
+      <p:sp>
+        <p:nvSpPr>
+          <p:cNvPr id="18" name="テキスト ボックス 17">
+            <a:extLst>
+              <a:ext uri="{FF2B5EF4-FFF2-40B4-BE49-F238E27FC236}">
+                <a16:creationId xmlns:a16="http://schemas.microsoft.com/office/drawing/2014/main" id="{FE8A6DF9-0016-D653-86F3-658F0BF06CE0}"/>
+              </a:ext>
+            </a:extLst>
+          </p:cNvPr>
+          <p:cNvSpPr txBox="1"/>
+          <p:nvPr/>
+        </p:nvSpPr>
+        <p:spPr>
+          <a:xfrm>
+            <a:off x="2069110" y="1478693"/>
+            <a:ext cx="2954655" cy="369332"/>
+          </a:xfrm>
+          <a:prstGeom prst="rect">
+            <a:avLst/>
+          </a:prstGeom>
+          <a:solidFill>
+            <a:schemeClr val="bg1"/>
+          </a:solidFill>
+        </p:spPr>
+        <p:txBody>
+          <a:bodyPr wrap="none" rtlCol="0">
+            <a:spAutoFit/>
+          </a:bodyPr>
+          <a:lstStyle/>
+          <a:p>
+            <a:r>
+              <a:rPr kumimoji="1" lang="ja-JP" altLang="en-US"/>
+              <a:t>魚にぶつかると色が変わる</a:t>
+            </a:r>
+          </a:p>
+        </p:txBody>
+      </p:sp>
+      <p:sp>
+        <p:nvSpPr>
+          <p:cNvPr id="19" name="テキスト ボックス 18">
+            <a:extLst>
+              <a:ext uri="{FF2B5EF4-FFF2-40B4-BE49-F238E27FC236}">
+                <a16:creationId xmlns:a16="http://schemas.microsoft.com/office/drawing/2014/main" id="{DB3D69BE-AE74-6B8B-11DB-74F175A4B089}"/>
+              </a:ext>
+            </a:extLst>
+          </p:cNvPr>
+          <p:cNvSpPr txBox="1"/>
+          <p:nvPr/>
+        </p:nvSpPr>
+        <p:spPr>
+          <a:xfrm>
+            <a:off x="4614637" y="3027778"/>
+            <a:ext cx="1800493" cy="646331"/>
+          </a:xfrm>
+          <a:prstGeom prst="rect">
+            <a:avLst/>
+          </a:prstGeom>
+          <a:solidFill>
+            <a:schemeClr val="bg1"/>
+          </a:solidFill>
+        </p:spPr>
+        <p:txBody>
+          <a:bodyPr wrap="none" rtlCol="0">
+            <a:spAutoFit/>
+          </a:bodyPr>
+          <a:lstStyle/>
+          <a:p>
+            <a:r>
+              <a:rPr lang="ja-JP" altLang="en-US"/>
+              <a:t>食べた魚の数を</a:t>
+            </a:r>
+            <a:endParaRPr lang="en-US" altLang="ja-JP"/>
+          </a:p>
+          <a:p>
+            <a:r>
+              <a:rPr kumimoji="1" lang="ja-JP" altLang="en-US"/>
+              <a:t>しゃべる</a:t>
+            </a:r>
+          </a:p>
+        </p:txBody>
+      </p:sp>
+      <p:sp>
+        <p:nvSpPr>
+          <p:cNvPr id="20" name="フリーフォーム 19">
+            <a:extLst>
+              <a:ext uri="{FF2B5EF4-FFF2-40B4-BE49-F238E27FC236}">
+                <a16:creationId xmlns:a16="http://schemas.microsoft.com/office/drawing/2014/main" id="{9BCD4F07-F8DF-5D07-AA8B-84263C4A232B}"/>
+              </a:ext>
+            </a:extLst>
+          </p:cNvPr>
+          <p:cNvSpPr/>
+          <p:nvPr/>
+        </p:nvSpPr>
+        <p:spPr>
+          <a:xfrm>
+            <a:off x="3817257" y="3106057"/>
+            <a:ext cx="856343" cy="232229"/>
+          </a:xfrm>
+          <a:custGeom>
+            <a:avLst/>
+            <a:gdLst>
+              <a:gd name="connsiteX0" fmla="*/ 0 w 856343"/>
+              <a:gd name="connsiteY0" fmla="*/ 0 h 232229"/>
+              <a:gd name="connsiteX1" fmla="*/ 478972 w 856343"/>
+              <a:gd name="connsiteY1" fmla="*/ 0 h 232229"/>
+              <a:gd name="connsiteX2" fmla="*/ 856343 w 856343"/>
+              <a:gd name="connsiteY2" fmla="*/ 232229 h 232229"/>
+            </a:gdLst>
+            <a:ahLst/>
+            <a:cxnLst>
+              <a:cxn ang="0">
+                <a:pos x="connsiteX0" y="connsiteY0"/>
+              </a:cxn>
+              <a:cxn ang="0">
+                <a:pos x="connsiteX1" y="connsiteY1"/>
+              </a:cxn>
+              <a:cxn ang="0">
+                <a:pos x="connsiteX2" y="connsiteY2"/>
+              </a:cxn>
+            </a:cxnLst>
+            <a:rect l="l" t="t" r="r" b="b"/>
+            <a:pathLst>
+              <a:path w="856343" h="232229">
+                <a:moveTo>
+                  <a:pt x="0" y="0"/>
+                </a:moveTo>
+                <a:lnTo>
+                  <a:pt x="478972" y="0"/>
+                </a:lnTo>
+                <a:lnTo>
+                  <a:pt x="856343" y="232229"/>
+                </a:lnTo>
+              </a:path>
+            </a:pathLst>
+          </a:custGeom>
+          <a:noFill/>
+          <a:ln w="19050">
+            <a:solidFill>
+              <a:srgbClr val="C00000"/>
+            </a:solidFill>
+          </a:ln>
+        </p:spPr>
+        <p:style>
+          <a:lnRef idx="2">
+            <a:schemeClr val="accent1">
+              <a:shade val="15000"/>
+            </a:schemeClr>
+          </a:lnRef>
+          <a:fillRef idx="1">
+            <a:schemeClr val="accent1"/>
+          </a:fillRef>
+          <a:effectRef idx="0">
+            <a:schemeClr val="accent1"/>
+          </a:effectRef>
+          <a:fontRef idx="minor">
+            <a:schemeClr val="lt1"/>
+          </a:fontRef>
+        </p:style>
+        <p:txBody>
+          <a:bodyPr rtlCol="0" anchor="ctr"/>
+          <a:lstStyle/>
+          <a:p>
+            <a:pPr algn="ctr"/>
+            <a:endParaRPr kumimoji="1" lang="ja-JP" altLang="en-US"/>
+          </a:p>
+        </p:txBody>
+      </p:sp>
+      <p:sp>
+        <p:nvSpPr>
+          <p:cNvPr id="25" name="テキスト ボックス 24">
+            <a:extLst>
+              <a:ext uri="{FF2B5EF4-FFF2-40B4-BE49-F238E27FC236}">
+                <a16:creationId xmlns:a16="http://schemas.microsoft.com/office/drawing/2014/main" id="{393D07B5-8802-E72E-9815-6C87483473B3}"/>
+              </a:ext>
+            </a:extLst>
+          </p:cNvPr>
+          <p:cNvSpPr txBox="1"/>
+          <p:nvPr/>
+        </p:nvSpPr>
+        <p:spPr>
+          <a:xfrm>
+            <a:off x="1709592" y="4511453"/>
+            <a:ext cx="2262158" cy="646331"/>
+          </a:xfrm>
+          <a:prstGeom prst="rect">
+            <a:avLst/>
+          </a:prstGeom>
+          <a:solidFill>
+            <a:schemeClr val="bg1"/>
+          </a:solidFill>
+        </p:spPr>
+        <p:txBody>
+          <a:bodyPr wrap="none" rtlCol="0">
+            <a:spAutoFit/>
+          </a:bodyPr>
+          <a:lstStyle/>
+          <a:p>
+            <a:r>
+              <a:rPr lang="ja-JP" altLang="en-US"/>
+              <a:t>魚を食べきる前に</a:t>
+            </a:r>
+            <a:endParaRPr lang="en-US" altLang="ja-JP"/>
+          </a:p>
+          <a:p>
+            <a:r>
+              <a:rPr lang="ja-JP" altLang="en-US"/>
+              <a:t>５回ぶつかったら</a:t>
+            </a:r>
+            <a:r>
+              <a:rPr lang="en-US" altLang="ja-JP"/>
+              <a:t>…</a:t>
+            </a:r>
+            <a:endParaRPr kumimoji="1" lang="ja-JP" altLang="en-US"/>
+          </a:p>
+        </p:txBody>
+      </p:sp>
+      <p:cxnSp>
+        <p:nvCxnSpPr>
+          <p:cNvPr id="22" name="曲線コネクタ 21">
+            <a:extLst>
+              <a:ext uri="{FF2B5EF4-FFF2-40B4-BE49-F238E27FC236}">
+                <a16:creationId xmlns:a16="http://schemas.microsoft.com/office/drawing/2014/main" id="{96094DAD-D65B-B5DE-15B0-B79559AB5167}"/>
+              </a:ext>
+            </a:extLst>
+          </p:cNvPr>
+          <p:cNvCxnSpPr>
+            <a:cxnSpLocks/>
+            <a:endCxn id="10" idx="1"/>
+          </p:cNvCxnSpPr>
+          <p:nvPr/>
+        </p:nvCxnSpPr>
+        <p:spPr>
+          <a:xfrm rot="16200000" flipH="1">
+            <a:off x="3664869" y="4273303"/>
+            <a:ext cx="602318" cy="558799"/>
+          </a:xfrm>
+          <a:prstGeom prst="curvedConnector2">
+            <a:avLst/>
+          </a:prstGeom>
+          <a:ln w="19050">
+            <a:solidFill>
+              <a:srgbClr val="0070C0"/>
+            </a:solidFill>
+            <a:tailEnd type="triangle"/>
+          </a:ln>
+        </p:spPr>
+        <p:style>
+          <a:lnRef idx="1">
+            <a:schemeClr val="accent1"/>
+          </a:lnRef>
+          <a:fillRef idx="0">
+            <a:schemeClr val="accent1"/>
+          </a:fillRef>
+          <a:effectRef idx="0">
+            <a:schemeClr val="accent1"/>
+          </a:effectRef>
+          <a:fontRef idx="minor">
+            <a:schemeClr val="tx1"/>
+          </a:fontRef>
+        </p:style>
+      </p:cxnSp>
+      <p:sp>
+        <p:nvSpPr>
+          <p:cNvPr id="26" name="テキスト ボックス 25">
+            <a:extLst>
+              <a:ext uri="{FF2B5EF4-FFF2-40B4-BE49-F238E27FC236}">
+                <a16:creationId xmlns:a16="http://schemas.microsoft.com/office/drawing/2014/main" id="{5A1F02FE-ACDE-D12A-C62E-9417057C9F71}"/>
+              </a:ext>
+            </a:extLst>
+          </p:cNvPr>
+          <p:cNvSpPr txBox="1"/>
+          <p:nvPr/>
+        </p:nvSpPr>
+        <p:spPr>
+          <a:xfrm>
+            <a:off x="7212622" y="4180762"/>
+            <a:ext cx="1569660" cy="369332"/>
+          </a:xfrm>
+          <a:prstGeom prst="rect">
+            <a:avLst/>
+          </a:prstGeom>
+          <a:solidFill>
+            <a:schemeClr val="bg1"/>
+          </a:solidFill>
+        </p:spPr>
+        <p:txBody>
+          <a:bodyPr wrap="none" rtlCol="0">
+            <a:spAutoFit/>
+          </a:bodyPr>
+          <a:lstStyle/>
+          <a:p>
+            <a:r>
+              <a:rPr kumimoji="1" lang="ja-JP" altLang="en-US"/>
+              <a:t>魚は全部青色</a:t>
+            </a:r>
+          </a:p>
+        </p:txBody>
+      </p:sp>
+    </p:spTree>
+    <p:extLst>
+      <p:ext uri="{BB962C8B-B14F-4D97-AF65-F5344CB8AC3E}">
+        <p14:creationId xmlns:p14="http://schemas.microsoft.com/office/powerpoint/2010/main" val="1893920884"/>
+      </p:ext>
+    </p:extLst>
+  </p:cSld>
+  <p:clrMapOvr>
+    <a:masterClrMapping/>
+  </p:clrMapOvr>
+</p:sld>
+</file>
+
+<file path=ppt/slides/slide9.xml><?xml version="1.0" encoding="utf-8"?>
+<p:sld xmlns:a="http://schemas.openxmlformats.org/drawingml/2006/main" xmlns:r="http://schemas.openxmlformats.org/officeDocument/2006/relationships" xmlns:p="http://schemas.openxmlformats.org/presentationml/2006/main">
+  <p:cSld>
+    <p:spTree>
+      <p:nvGrpSpPr>
+        <p:cNvPr id="1" name=""/>
+        <p:cNvGrpSpPr/>
+        <p:nvPr/>
+      </p:nvGrpSpPr>
+      <p:grpSpPr>
+        <a:xfrm>
+          <a:off x="0" y="0"/>
+          <a:ext cx="0" cy="0"/>
+          <a:chOff x="0" y="0"/>
+          <a:chExt cx="0" cy="0"/>
+        </a:xfrm>
+      </p:grpSpPr>
+      <p:sp>
+        <p:nvSpPr>
+          <p:cNvPr id="2" name="テキスト ボックス 1">
+            <a:extLst>
+              <a:ext uri="{FF2B5EF4-FFF2-40B4-BE49-F238E27FC236}">
+                <a16:creationId xmlns:a16="http://schemas.microsoft.com/office/drawing/2014/main" id="{CF935AE3-85C7-DBB4-70C2-BD377D76FAA6}"/>
+              </a:ext>
+            </a:extLst>
+          </p:cNvPr>
+          <p:cNvSpPr txBox="1"/>
+          <p:nvPr/>
+        </p:nvSpPr>
+        <p:spPr>
+          <a:xfrm>
+            <a:off x="272143" y="217714"/>
+            <a:ext cx="910827" cy="369332"/>
+          </a:xfrm>
+          <a:prstGeom prst="rect">
+            <a:avLst/>
+          </a:prstGeom>
+          <a:noFill/>
+        </p:spPr>
+        <p:txBody>
+          <a:bodyPr wrap="none" rtlCol="0">
+            <a:spAutoFit/>
+          </a:bodyPr>
+          <a:lstStyle/>
+          <a:p>
+            <a:r>
+              <a:rPr kumimoji="1" lang="en-US" altLang="ja-JP"/>
+              <a:t>ex13-2</a:t>
+            </a:r>
+            <a:endParaRPr kumimoji="1" lang="ja-JP" altLang="en-US"/>
+          </a:p>
+        </p:txBody>
+      </p:sp>
+    </p:spTree>
+    <p:extLst>
+      <p:ext uri="{BB962C8B-B14F-4D97-AF65-F5344CB8AC3E}">
+        <p14:creationId xmlns:p14="http://schemas.microsoft.com/office/powerpoint/2010/main" val="3370279536"/>
       </p:ext>
     </p:extLst>
   </p:cSld>

--- a/lesson/fig/ex-figs.pptx
+++ b/lesson/fig/ex-figs.pptx
@@ -7621,36 +7621,6 @@
           </a:p>
         </p:txBody>
       </p:sp>
-      <p:pic>
-        <p:nvPicPr>
-          <p:cNvPr id="10" name="図 9" descr="挿絵 が含まれている画像&#10;&#10;自動的に生成された説明">
-            <a:extLst>
-              <a:ext uri="{FF2B5EF4-FFF2-40B4-BE49-F238E27FC236}">
-                <a16:creationId xmlns:a16="http://schemas.microsoft.com/office/drawing/2014/main" id="{5BFB29E4-D888-6208-80A5-1EBE76120027}"/>
-              </a:ext>
-            </a:extLst>
-          </p:cNvPr>
-          <p:cNvPicPr>
-            <a:picLocks noChangeAspect="1"/>
-          </p:cNvPicPr>
-          <p:nvPr/>
-        </p:nvPicPr>
-        <p:blipFill>
-          <a:blip r:embed="rId3"/>
-          <a:stretch>
-            <a:fillRect/>
-          </a:stretch>
-        </p:blipFill>
-        <p:spPr>
-          <a:xfrm>
-            <a:off x="4245428" y="4180762"/>
-            <a:ext cx="965200" cy="1346200"/>
-          </a:xfrm>
-          <a:prstGeom prst="rect">
-            <a:avLst/>
-          </a:prstGeom>
-        </p:spPr>
-      </p:pic>
       <p:grpSp>
         <p:nvGrpSpPr>
           <p:cNvPr id="16" name="グループ化 15">
@@ -7686,7 +7656,7 @@
             <p:nvPr/>
           </p:nvPicPr>
           <p:blipFill rotWithShape="1">
-            <a:blip r:embed="rId4"/>
+            <a:blip r:embed="rId3"/>
             <a:srcRect t="10204"/>
             <a:stretch/>
           </p:blipFill>
@@ -7715,7 +7685,7 @@
             <p:nvPr/>
           </p:nvPicPr>
           <p:blipFill>
-            <a:blip r:embed="rId5"/>
+            <a:blip r:embed="rId4"/>
             <a:stretch>
               <a:fillRect/>
             </a:stretch>
@@ -7745,7 +7715,7 @@
             <p:nvPr/>
           </p:nvPicPr>
           <p:blipFill rotWithShape="1">
-            <a:blip r:embed="rId6"/>
+            <a:blip r:embed="rId5"/>
             <a:srcRect t="27193"/>
             <a:stretch/>
           </p:blipFill>
@@ -7774,7 +7744,7 @@
             <p:nvPr/>
           </p:nvPicPr>
           <p:blipFill rotWithShape="1">
-            <a:blip r:embed="rId7"/>
+            <a:blip r:embed="rId6"/>
             <a:srcRect t="4762"/>
             <a:stretch/>
           </p:blipFill>
@@ -8056,8 +8026,8 @@
         </p:nvSpPr>
         <p:spPr>
           <a:xfrm>
-            <a:off x="1709592" y="4511453"/>
-            <a:ext cx="2262158" cy="646331"/>
+            <a:off x="2060753" y="4944543"/>
+            <a:ext cx="2262158" cy="369332"/>
           </a:xfrm>
           <a:prstGeom prst="rect">
             <a:avLst/>
@@ -8074,13 +8044,6 @@
           <a:p>
             <a:r>
               <a:rPr lang="ja-JP" altLang="en-US"/>
-              <a:t>魚を食べきる前に</a:t>
-            </a:r>
-            <a:endParaRPr lang="en-US" altLang="ja-JP"/>
-          </a:p>
-          <a:p>
-            <a:r>
-              <a:rPr lang="ja-JP" altLang="en-US"/>
               <a:t>５回ぶつかったら</a:t>
             </a:r>
             <a:r>
@@ -8091,6 +8054,72 @@
           </a:p>
         </p:txBody>
       </p:sp>
+      <p:sp>
+        <p:nvSpPr>
+          <p:cNvPr id="26" name="テキスト ボックス 25">
+            <a:extLst>
+              <a:ext uri="{FF2B5EF4-FFF2-40B4-BE49-F238E27FC236}">
+                <a16:creationId xmlns:a16="http://schemas.microsoft.com/office/drawing/2014/main" id="{5A1F02FE-ACDE-D12A-C62E-9417057C9F71}"/>
+              </a:ext>
+            </a:extLst>
+          </p:cNvPr>
+          <p:cNvSpPr txBox="1"/>
+          <p:nvPr/>
+        </p:nvSpPr>
+        <p:spPr>
+          <a:xfrm>
+            <a:off x="7212622" y="4180762"/>
+            <a:ext cx="1569660" cy="369332"/>
+          </a:xfrm>
+          <a:prstGeom prst="rect">
+            <a:avLst/>
+          </a:prstGeom>
+          <a:solidFill>
+            <a:schemeClr val="bg1"/>
+          </a:solidFill>
+        </p:spPr>
+        <p:txBody>
+          <a:bodyPr wrap="none" rtlCol="0">
+            <a:spAutoFit/>
+          </a:bodyPr>
+          <a:lstStyle/>
+          <a:p>
+            <a:r>
+              <a:rPr kumimoji="1" lang="ja-JP" altLang="en-US"/>
+              <a:t>魚は全部青色</a:t>
+            </a:r>
+          </a:p>
+        </p:txBody>
+      </p:sp>
+      <p:pic>
+        <p:nvPicPr>
+          <p:cNvPr id="9" name="図 8" descr="挿絵 が含まれている画像&#10;&#10;自動的に生成された説明">
+            <a:extLst>
+              <a:ext uri="{FF2B5EF4-FFF2-40B4-BE49-F238E27FC236}">
+                <a16:creationId xmlns:a16="http://schemas.microsoft.com/office/drawing/2014/main" id="{B8878931-FF18-C011-05C2-625ACEAB4832}"/>
+              </a:ext>
+            </a:extLst>
+          </p:cNvPr>
+          <p:cNvPicPr>
+            <a:picLocks noChangeAspect="1"/>
+          </p:cNvPicPr>
+          <p:nvPr/>
+        </p:nvPicPr>
+        <p:blipFill rotWithShape="1">
+          <a:blip r:embed="rId7"/>
+          <a:srcRect r="7005"/>
+          <a:stretch/>
+        </p:blipFill>
+        <p:spPr>
+          <a:xfrm>
+            <a:off x="4174385" y="4087054"/>
+            <a:ext cx="1051123" cy="1346200"/>
+          </a:xfrm>
+          <a:prstGeom prst="rect">
+            <a:avLst/>
+          </a:prstGeom>
+        </p:spPr>
+      </p:pic>
       <p:cxnSp>
         <p:nvCxnSpPr>
           <p:cNvPr id="22" name="曲線コネクタ 21">
@@ -8102,7 +8131,6 @@
           </p:cNvPr>
           <p:cNvCxnSpPr>
             <a:cxnSpLocks/>
-            <a:endCxn id="10" idx="1"/>
           </p:cNvCxnSpPr>
           <p:nvPr/>
         </p:nvCxnSpPr>
@@ -8136,43 +8164,6 @@
           </a:fontRef>
         </p:style>
       </p:cxnSp>
-      <p:sp>
-        <p:nvSpPr>
-          <p:cNvPr id="26" name="テキスト ボックス 25">
-            <a:extLst>
-              <a:ext uri="{FF2B5EF4-FFF2-40B4-BE49-F238E27FC236}">
-                <a16:creationId xmlns:a16="http://schemas.microsoft.com/office/drawing/2014/main" id="{5A1F02FE-ACDE-D12A-C62E-9417057C9F71}"/>
-              </a:ext>
-            </a:extLst>
-          </p:cNvPr>
-          <p:cNvSpPr txBox="1"/>
-          <p:nvPr/>
-        </p:nvSpPr>
-        <p:spPr>
-          <a:xfrm>
-            <a:off x="7212622" y="4180762"/>
-            <a:ext cx="1569660" cy="369332"/>
-          </a:xfrm>
-          <a:prstGeom prst="rect">
-            <a:avLst/>
-          </a:prstGeom>
-          <a:solidFill>
-            <a:schemeClr val="bg1"/>
-          </a:solidFill>
-        </p:spPr>
-        <p:txBody>
-          <a:bodyPr wrap="none" rtlCol="0">
-            <a:spAutoFit/>
-          </a:bodyPr>
-          <a:lstStyle/>
-          <a:p>
-            <a:r>
-              <a:rPr kumimoji="1" lang="ja-JP" altLang="en-US"/>
-              <a:t>魚は全部青色</a:t>
-            </a:r>
-          </a:p>
-        </p:txBody>
-      </p:sp>
     </p:spTree>
     <p:extLst>
       <p:ext uri="{BB962C8B-B14F-4D97-AF65-F5344CB8AC3E}">

--- a/lesson/fig/ex-figs.pptx
+++ b/lesson/fig/ex-figs.pptx
@@ -266,7 +266,7 @@
           <a:lstStyle/>
           <a:p>
             <a:fld id="{5660586E-F190-CD48-9318-B9AABAD92EDA}" type="datetimeFigureOut">
-              <a:t>2023/10/2</a:t>
+              <a:t>2023/10/3</a:t>
             </a:fld>
             <a:endParaRPr kumimoji="1" lang="ja-JP" altLang="en-US"/>
           </a:p>
@@ -494,7 +494,7 @@
           <a:lstStyle/>
           <a:p>
             <a:fld id="{5660586E-F190-CD48-9318-B9AABAD92EDA}" type="datetimeFigureOut">
-              <a:t>2023/10/2</a:t>
+              <a:t>2023/10/3</a:t>
             </a:fld>
             <a:endParaRPr kumimoji="1" lang="ja-JP" altLang="en-US"/>
           </a:p>
@@ -732,7 +732,7 @@
           <a:lstStyle/>
           <a:p>
             <a:fld id="{5660586E-F190-CD48-9318-B9AABAD92EDA}" type="datetimeFigureOut">
-              <a:t>2023/10/2</a:t>
+              <a:t>2023/10/3</a:t>
             </a:fld>
             <a:endParaRPr kumimoji="1" lang="ja-JP" altLang="en-US"/>
           </a:p>
@@ -960,7 +960,7 @@
           <a:lstStyle/>
           <a:p>
             <a:fld id="{5660586E-F190-CD48-9318-B9AABAD92EDA}" type="datetimeFigureOut">
-              <a:t>2023/10/2</a:t>
+              <a:t>2023/10/3</a:t>
             </a:fld>
             <a:endParaRPr kumimoji="1" lang="ja-JP" altLang="en-US"/>
           </a:p>
@@ -1233,7 +1233,7 @@
           <a:lstStyle/>
           <a:p>
             <a:fld id="{5660586E-F190-CD48-9318-B9AABAD92EDA}" type="datetimeFigureOut">
-              <a:t>2023/10/2</a:t>
+              <a:t>2023/10/3</a:t>
             </a:fld>
             <a:endParaRPr kumimoji="1" lang="ja-JP" altLang="en-US"/>
           </a:p>
@@ -1560,7 +1560,7 @@
           <a:lstStyle/>
           <a:p>
             <a:fld id="{5660586E-F190-CD48-9318-B9AABAD92EDA}" type="datetimeFigureOut">
-              <a:t>2023/10/2</a:t>
+              <a:t>2023/10/3</a:t>
             </a:fld>
             <a:endParaRPr kumimoji="1" lang="ja-JP" altLang="en-US"/>
           </a:p>
@@ -2034,7 +2034,7 @@
           <a:lstStyle/>
           <a:p>
             <a:fld id="{5660586E-F190-CD48-9318-B9AABAD92EDA}" type="datetimeFigureOut">
-              <a:t>2023/10/2</a:t>
+              <a:t>2023/10/3</a:t>
             </a:fld>
             <a:endParaRPr kumimoji="1" lang="ja-JP" altLang="en-US"/>
           </a:p>
@@ -2173,7 +2173,7 @@
           <a:lstStyle/>
           <a:p>
             <a:fld id="{5660586E-F190-CD48-9318-B9AABAD92EDA}" type="datetimeFigureOut">
-              <a:t>2023/10/2</a:t>
+              <a:t>2023/10/3</a:t>
             </a:fld>
             <a:endParaRPr kumimoji="1" lang="ja-JP" altLang="en-US"/>
           </a:p>
@@ -2284,7 +2284,7 @@
           <a:lstStyle/>
           <a:p>
             <a:fld id="{5660586E-F190-CD48-9318-B9AABAD92EDA}" type="datetimeFigureOut">
-              <a:t>2023/10/2</a:t>
+              <a:t>2023/10/3</a:t>
             </a:fld>
             <a:endParaRPr kumimoji="1" lang="ja-JP" altLang="en-US"/>
           </a:p>
@@ -2625,7 +2625,7 @@
           <a:lstStyle/>
           <a:p>
             <a:fld id="{5660586E-F190-CD48-9318-B9AABAD92EDA}" type="datetimeFigureOut">
-              <a:t>2023/10/2</a:t>
+              <a:t>2023/10/3</a:t>
             </a:fld>
             <a:endParaRPr kumimoji="1" lang="ja-JP" altLang="en-US"/>
           </a:p>
@@ -2911,7 +2911,7 @@
           <a:lstStyle/>
           <a:p>
             <a:fld id="{5660586E-F190-CD48-9318-B9AABAD92EDA}" type="datetimeFigureOut">
-              <a:t>2023/10/2</a:t>
+              <a:t>2023/10/3</a:t>
             </a:fld>
             <a:endParaRPr kumimoji="1" lang="ja-JP" altLang="en-US"/>
           </a:p>
@@ -3182,7 +3182,7 @@
           </a:lstStyle>
           <a:p>
             <a:fld id="{5660586E-F190-CD48-9318-B9AABAD92EDA}" type="datetimeFigureOut">
-              <a:t>2023/10/2</a:t>
+              <a:t>2023/10/3</a:t>
             </a:fld>
             <a:endParaRPr kumimoji="1" lang="ja-JP" altLang="en-US"/>
           </a:p>
@@ -7884,136 +7884,6 @@
       </p:sp>
       <p:sp>
         <p:nvSpPr>
-          <p:cNvPr id="19" name="テキスト ボックス 18">
-            <a:extLst>
-              <a:ext uri="{FF2B5EF4-FFF2-40B4-BE49-F238E27FC236}">
-                <a16:creationId xmlns:a16="http://schemas.microsoft.com/office/drawing/2014/main" id="{DB3D69BE-AE74-6B8B-11DB-74F175A4B089}"/>
-              </a:ext>
-            </a:extLst>
-          </p:cNvPr>
-          <p:cNvSpPr txBox="1"/>
-          <p:nvPr/>
-        </p:nvSpPr>
-        <p:spPr>
-          <a:xfrm>
-            <a:off x="4614637" y="3027778"/>
-            <a:ext cx="1800493" cy="646331"/>
-          </a:xfrm>
-          <a:prstGeom prst="rect">
-            <a:avLst/>
-          </a:prstGeom>
-          <a:solidFill>
-            <a:schemeClr val="bg1"/>
-          </a:solidFill>
-        </p:spPr>
-        <p:txBody>
-          <a:bodyPr wrap="none" rtlCol="0">
-            <a:spAutoFit/>
-          </a:bodyPr>
-          <a:lstStyle/>
-          <a:p>
-            <a:r>
-              <a:rPr lang="ja-JP" altLang="en-US"/>
-              <a:t>食べた魚の数を</a:t>
-            </a:r>
-            <a:endParaRPr lang="en-US" altLang="ja-JP"/>
-          </a:p>
-          <a:p>
-            <a:r>
-              <a:rPr kumimoji="1" lang="ja-JP" altLang="en-US"/>
-              <a:t>しゃべる</a:t>
-            </a:r>
-          </a:p>
-        </p:txBody>
-      </p:sp>
-      <p:sp>
-        <p:nvSpPr>
-          <p:cNvPr id="20" name="フリーフォーム 19">
-            <a:extLst>
-              <a:ext uri="{FF2B5EF4-FFF2-40B4-BE49-F238E27FC236}">
-                <a16:creationId xmlns:a16="http://schemas.microsoft.com/office/drawing/2014/main" id="{9BCD4F07-F8DF-5D07-AA8B-84263C4A232B}"/>
-              </a:ext>
-            </a:extLst>
-          </p:cNvPr>
-          <p:cNvSpPr/>
-          <p:nvPr/>
-        </p:nvSpPr>
-        <p:spPr>
-          <a:xfrm>
-            <a:off x="3817257" y="3106057"/>
-            <a:ext cx="856343" cy="232229"/>
-          </a:xfrm>
-          <a:custGeom>
-            <a:avLst/>
-            <a:gdLst>
-              <a:gd name="connsiteX0" fmla="*/ 0 w 856343"/>
-              <a:gd name="connsiteY0" fmla="*/ 0 h 232229"/>
-              <a:gd name="connsiteX1" fmla="*/ 478972 w 856343"/>
-              <a:gd name="connsiteY1" fmla="*/ 0 h 232229"/>
-              <a:gd name="connsiteX2" fmla="*/ 856343 w 856343"/>
-              <a:gd name="connsiteY2" fmla="*/ 232229 h 232229"/>
-            </a:gdLst>
-            <a:ahLst/>
-            <a:cxnLst>
-              <a:cxn ang="0">
-                <a:pos x="connsiteX0" y="connsiteY0"/>
-              </a:cxn>
-              <a:cxn ang="0">
-                <a:pos x="connsiteX1" y="connsiteY1"/>
-              </a:cxn>
-              <a:cxn ang="0">
-                <a:pos x="connsiteX2" y="connsiteY2"/>
-              </a:cxn>
-            </a:cxnLst>
-            <a:rect l="l" t="t" r="r" b="b"/>
-            <a:pathLst>
-              <a:path w="856343" h="232229">
-                <a:moveTo>
-                  <a:pt x="0" y="0"/>
-                </a:moveTo>
-                <a:lnTo>
-                  <a:pt x="478972" y="0"/>
-                </a:lnTo>
-                <a:lnTo>
-                  <a:pt x="856343" y="232229"/>
-                </a:lnTo>
-              </a:path>
-            </a:pathLst>
-          </a:custGeom>
-          <a:noFill/>
-          <a:ln w="19050">
-            <a:solidFill>
-              <a:srgbClr val="C00000"/>
-            </a:solidFill>
-          </a:ln>
-        </p:spPr>
-        <p:style>
-          <a:lnRef idx="2">
-            <a:schemeClr val="accent1">
-              <a:shade val="15000"/>
-            </a:schemeClr>
-          </a:lnRef>
-          <a:fillRef idx="1">
-            <a:schemeClr val="accent1"/>
-          </a:fillRef>
-          <a:effectRef idx="0">
-            <a:schemeClr val="accent1"/>
-          </a:effectRef>
-          <a:fontRef idx="minor">
-            <a:schemeClr val="lt1"/>
-          </a:fontRef>
-        </p:style>
-        <p:txBody>
-          <a:bodyPr rtlCol="0" anchor="ctr"/>
-          <a:lstStyle/>
-          <a:p>
-            <a:pPr algn="ctr"/>
-            <a:endParaRPr kumimoji="1" lang="ja-JP" altLang="en-US"/>
-          </a:p>
-        </p:txBody>
-      </p:sp>
-      <p:sp>
-        <p:nvSpPr>
           <p:cNvPr id="25" name="テキスト ボックス 24">
             <a:extLst>
               <a:ext uri="{FF2B5EF4-FFF2-40B4-BE49-F238E27FC236}">
@@ -8164,6 +8034,36 @@
           </a:fontRef>
         </p:style>
       </p:cxnSp>
+      <p:pic>
+        <p:nvPicPr>
+          <p:cNvPr id="5" name="図 4">
+            <a:extLst>
+              <a:ext uri="{FF2B5EF4-FFF2-40B4-BE49-F238E27FC236}">
+                <a16:creationId xmlns:a16="http://schemas.microsoft.com/office/drawing/2014/main" id="{90AA2DA0-0CA8-BB46-B4CB-0058A2CDDFC0}"/>
+              </a:ext>
+            </a:extLst>
+          </p:cNvPr>
+          <p:cNvPicPr>
+            <a:picLocks noChangeAspect="1"/>
+          </p:cNvPicPr>
+          <p:nvPr/>
+        </p:nvPicPr>
+        <p:blipFill>
+          <a:blip r:embed="rId8"/>
+          <a:stretch>
+            <a:fillRect/>
+          </a:stretch>
+        </p:blipFill>
+        <p:spPr>
+          <a:xfrm>
+            <a:off x="3308168" y="2917290"/>
+            <a:ext cx="711200" cy="355600"/>
+          </a:xfrm>
+          <a:prstGeom prst="rect">
+            <a:avLst/>
+          </a:prstGeom>
+        </p:spPr>
+      </p:pic>
     </p:spTree>
     <p:extLst>
       <p:ext uri="{BB962C8B-B14F-4D97-AF65-F5344CB8AC3E}">
@@ -8194,6 +8094,36 @@
           <a:chExt cx="0" cy="0"/>
         </a:xfrm>
       </p:grpSpPr>
+      <p:pic>
+        <p:nvPicPr>
+          <p:cNvPr id="23" name="図 22">
+            <a:extLst>
+              <a:ext uri="{FF2B5EF4-FFF2-40B4-BE49-F238E27FC236}">
+                <a16:creationId xmlns:a16="http://schemas.microsoft.com/office/drawing/2014/main" id="{33923C7D-560C-4245-A28A-078039191AC9}"/>
+              </a:ext>
+            </a:extLst>
+          </p:cNvPr>
+          <p:cNvPicPr>
+            <a:picLocks noChangeAspect="1"/>
+          </p:cNvPicPr>
+          <p:nvPr/>
+        </p:nvPicPr>
+        <p:blipFill>
+          <a:blip r:embed="rId2"/>
+          <a:stretch>
+            <a:fillRect/>
+          </a:stretch>
+        </p:blipFill>
+        <p:spPr>
+          <a:xfrm>
+            <a:off x="6527492" y="1185703"/>
+            <a:ext cx="4922054" cy="3726698"/>
+          </a:xfrm>
+          <a:prstGeom prst="rect">
+            <a:avLst/>
+          </a:prstGeom>
+        </p:spPr>
+      </p:pic>
       <p:sp>
         <p:nvSpPr>
           <p:cNvPr id="2" name="テキスト ボックス 1">
@@ -8225,6 +8155,712 @@
             <a:r>
               <a:rPr kumimoji="1" lang="en-US" altLang="ja-JP"/>
               <a:t>ex13-2</a:t>
+            </a:r>
+            <a:endParaRPr kumimoji="1" lang="ja-JP" altLang="en-US"/>
+          </a:p>
+        </p:txBody>
+      </p:sp>
+      <p:pic>
+        <p:nvPicPr>
+          <p:cNvPr id="4" name="図 3">
+            <a:extLst>
+              <a:ext uri="{FF2B5EF4-FFF2-40B4-BE49-F238E27FC236}">
+                <a16:creationId xmlns:a16="http://schemas.microsoft.com/office/drawing/2014/main" id="{8EAB8AB0-4EF5-354C-B3AF-445A62AF40B6}"/>
+              </a:ext>
+            </a:extLst>
+          </p:cNvPr>
+          <p:cNvPicPr>
+            <a:picLocks noChangeAspect="1"/>
+          </p:cNvPicPr>
+          <p:nvPr/>
+        </p:nvPicPr>
+        <p:blipFill>
+          <a:blip r:embed="rId3"/>
+          <a:stretch>
+            <a:fillRect/>
+          </a:stretch>
+        </p:blipFill>
+        <p:spPr>
+          <a:xfrm>
+            <a:off x="876146" y="1188720"/>
+            <a:ext cx="4907651" cy="3723392"/>
+          </a:xfrm>
+          <a:prstGeom prst="rect">
+            <a:avLst/>
+          </a:prstGeom>
+        </p:spPr>
+      </p:pic>
+      <p:sp>
+        <p:nvSpPr>
+          <p:cNvPr id="7" name="右矢印 6">
+            <a:extLst>
+              <a:ext uri="{FF2B5EF4-FFF2-40B4-BE49-F238E27FC236}">
+                <a16:creationId xmlns:a16="http://schemas.microsoft.com/office/drawing/2014/main" id="{F4E11B8B-BE0A-A74B-BC8E-9FFA70E452F6}"/>
+              </a:ext>
+            </a:extLst>
+          </p:cNvPr>
+          <p:cNvSpPr/>
+          <p:nvPr/>
+        </p:nvSpPr>
+        <p:spPr>
+          <a:xfrm>
+            <a:off x="5956408" y="2884681"/>
+            <a:ext cx="422910" cy="331470"/>
+          </a:xfrm>
+          <a:prstGeom prst="rightArrow">
+            <a:avLst>
+              <a:gd name="adj1" fmla="val 29310"/>
+              <a:gd name="adj2" fmla="val 70690"/>
+            </a:avLst>
+          </a:prstGeom>
+          <a:solidFill>
+            <a:schemeClr val="accent6"/>
+          </a:solidFill>
+          <a:ln>
+            <a:noFill/>
+          </a:ln>
+        </p:spPr>
+        <p:style>
+          <a:lnRef idx="2">
+            <a:schemeClr val="accent1">
+              <a:shade val="50000"/>
+            </a:schemeClr>
+          </a:lnRef>
+          <a:fillRef idx="1">
+            <a:schemeClr val="accent1"/>
+          </a:fillRef>
+          <a:effectRef idx="0">
+            <a:schemeClr val="accent1"/>
+          </a:effectRef>
+          <a:fontRef idx="minor">
+            <a:schemeClr val="lt1"/>
+          </a:fontRef>
+        </p:style>
+        <p:txBody>
+          <a:bodyPr rtlCol="0" anchor="ctr"/>
+          <a:lstStyle/>
+          <a:p>
+            <a:pPr algn="ctr"/>
+            <a:endParaRPr kumimoji="1" lang="ja-JP" altLang="en-US"/>
+          </a:p>
+        </p:txBody>
+      </p:sp>
+      <p:sp>
+        <p:nvSpPr>
+          <p:cNvPr id="8" name="テキスト ボックス 7">
+            <a:extLst>
+              <a:ext uri="{FF2B5EF4-FFF2-40B4-BE49-F238E27FC236}">
+                <a16:creationId xmlns:a16="http://schemas.microsoft.com/office/drawing/2014/main" id="{DC670AAC-F767-9F40-ABFC-5EA4AAEA166E}"/>
+              </a:ext>
+            </a:extLst>
+          </p:cNvPr>
+          <p:cNvSpPr txBox="1"/>
+          <p:nvPr/>
+        </p:nvSpPr>
+        <p:spPr>
+          <a:xfrm>
+            <a:off x="2699671" y="2655553"/>
+            <a:ext cx="2031325" cy="646331"/>
+          </a:xfrm>
+          <a:prstGeom prst="rect">
+            <a:avLst/>
+          </a:prstGeom>
+          <a:solidFill>
+            <a:schemeClr val="bg1"/>
+          </a:solidFill>
+        </p:spPr>
+        <p:txBody>
+          <a:bodyPr wrap="none" rtlCol="0">
+            <a:spAutoFit/>
+          </a:bodyPr>
+          <a:lstStyle/>
+          <a:p>
+            <a:r>
+              <a:rPr lang="ja-JP" altLang="en-US"/>
+              <a:t>食べた魚の</a:t>
+            </a:r>
+            <a:endParaRPr lang="en-US" altLang="ja-JP"/>
+          </a:p>
+          <a:p>
+            <a:r>
+              <a:rPr kumimoji="1" lang="ja-JP" altLang="en-US"/>
+              <a:t>スコアをしゃべる</a:t>
+            </a:r>
+          </a:p>
+        </p:txBody>
+      </p:sp>
+      <p:cxnSp>
+        <p:nvCxnSpPr>
+          <p:cNvPr id="10" name="直線コネクタ 9">
+            <a:extLst>
+              <a:ext uri="{FF2B5EF4-FFF2-40B4-BE49-F238E27FC236}">
+                <a16:creationId xmlns:a16="http://schemas.microsoft.com/office/drawing/2014/main" id="{1EB4CD18-8920-8547-B291-7F6C0539F167}"/>
+              </a:ext>
+            </a:extLst>
+          </p:cNvPr>
+          <p:cNvCxnSpPr>
+            <a:cxnSpLocks/>
+          </p:cNvCxnSpPr>
+          <p:nvPr/>
+        </p:nvCxnSpPr>
+        <p:spPr>
+          <a:xfrm>
+            <a:off x="1869077" y="2978719"/>
+            <a:ext cx="742042" cy="0"/>
+          </a:xfrm>
+          <a:prstGeom prst="line">
+            <a:avLst/>
+          </a:prstGeom>
+          <a:ln w="19050">
+            <a:solidFill>
+              <a:srgbClr val="C00000"/>
+            </a:solidFill>
+          </a:ln>
+        </p:spPr>
+        <p:style>
+          <a:lnRef idx="1">
+            <a:schemeClr val="accent1"/>
+          </a:lnRef>
+          <a:fillRef idx="0">
+            <a:schemeClr val="accent1"/>
+          </a:fillRef>
+          <a:effectRef idx="0">
+            <a:schemeClr val="accent1"/>
+          </a:effectRef>
+          <a:fontRef idx="minor">
+            <a:schemeClr val="tx1"/>
+          </a:fontRef>
+        </p:style>
+      </p:cxnSp>
+      <p:sp>
+        <p:nvSpPr>
+          <p:cNvPr id="14" name="フリーフォーム 13">
+            <a:extLst>
+              <a:ext uri="{FF2B5EF4-FFF2-40B4-BE49-F238E27FC236}">
+                <a16:creationId xmlns:a16="http://schemas.microsoft.com/office/drawing/2014/main" id="{14E9D5EB-72C2-684E-AEEA-F975ED6A802B}"/>
+              </a:ext>
+            </a:extLst>
+          </p:cNvPr>
+          <p:cNvSpPr/>
+          <p:nvPr/>
+        </p:nvSpPr>
+        <p:spPr>
+          <a:xfrm>
+            <a:off x="4077457" y="1854373"/>
+            <a:ext cx="2076828" cy="1042247"/>
+          </a:xfrm>
+          <a:custGeom>
+            <a:avLst/>
+            <a:gdLst>
+              <a:gd name="connsiteX0" fmla="*/ 114490 w 2076828"/>
+              <a:gd name="connsiteY0" fmla="*/ 0 h 1042247"/>
+              <a:gd name="connsiteX1" fmla="*/ 1962338 w 2076828"/>
+              <a:gd name="connsiteY1" fmla="*/ 0 h 1042247"/>
+              <a:gd name="connsiteX2" fmla="*/ 2076828 w 2076828"/>
+              <a:gd name="connsiteY2" fmla="*/ 114490 h 1042247"/>
+              <a:gd name="connsiteX3" fmla="*/ 2076828 w 2076828"/>
+              <a:gd name="connsiteY3" fmla="*/ 675259 h 1042247"/>
+              <a:gd name="connsiteX4" fmla="*/ 1962338 w 2076828"/>
+              <a:gd name="connsiteY4" fmla="*/ 789749 h 1042247"/>
+              <a:gd name="connsiteX5" fmla="*/ 372560 w 2076828"/>
+              <a:gd name="connsiteY5" fmla="*/ 789749 h 1042247"/>
+              <a:gd name="connsiteX6" fmla="*/ 54379 w 2076828"/>
+              <a:gd name="connsiteY6" fmla="*/ 1042247 h 1042247"/>
+              <a:gd name="connsiteX7" fmla="*/ 240376 w 2076828"/>
+              <a:gd name="connsiteY7" fmla="*/ 789749 h 1042247"/>
+              <a:gd name="connsiteX8" fmla="*/ 114490 w 2076828"/>
+              <a:gd name="connsiteY8" fmla="*/ 789749 h 1042247"/>
+              <a:gd name="connsiteX9" fmla="*/ 0 w 2076828"/>
+              <a:gd name="connsiteY9" fmla="*/ 675259 h 1042247"/>
+              <a:gd name="connsiteX10" fmla="*/ 0 w 2076828"/>
+              <a:gd name="connsiteY10" fmla="*/ 114490 h 1042247"/>
+              <a:gd name="connsiteX11" fmla="*/ 114490 w 2076828"/>
+              <a:gd name="connsiteY11" fmla="*/ 0 h 1042247"/>
+            </a:gdLst>
+            <a:ahLst/>
+            <a:cxnLst>
+              <a:cxn ang="0">
+                <a:pos x="connsiteX0" y="connsiteY0"/>
+              </a:cxn>
+              <a:cxn ang="0">
+                <a:pos x="connsiteX1" y="connsiteY1"/>
+              </a:cxn>
+              <a:cxn ang="0">
+                <a:pos x="connsiteX2" y="connsiteY2"/>
+              </a:cxn>
+              <a:cxn ang="0">
+                <a:pos x="connsiteX3" y="connsiteY3"/>
+              </a:cxn>
+              <a:cxn ang="0">
+                <a:pos x="connsiteX4" y="connsiteY4"/>
+              </a:cxn>
+              <a:cxn ang="0">
+                <a:pos x="connsiteX5" y="connsiteY5"/>
+              </a:cxn>
+              <a:cxn ang="0">
+                <a:pos x="connsiteX6" y="connsiteY6"/>
+              </a:cxn>
+              <a:cxn ang="0">
+                <a:pos x="connsiteX7" y="connsiteY7"/>
+              </a:cxn>
+              <a:cxn ang="0">
+                <a:pos x="connsiteX8" y="connsiteY8"/>
+              </a:cxn>
+              <a:cxn ang="0">
+                <a:pos x="connsiteX9" y="connsiteY9"/>
+              </a:cxn>
+              <a:cxn ang="0">
+                <a:pos x="connsiteX10" y="connsiteY10"/>
+              </a:cxn>
+              <a:cxn ang="0">
+                <a:pos x="connsiteX11" y="connsiteY11"/>
+              </a:cxn>
+            </a:cxnLst>
+            <a:rect l="l" t="t" r="r" b="b"/>
+            <a:pathLst>
+              <a:path w="2076828" h="1042247">
+                <a:moveTo>
+                  <a:pt x="114490" y="0"/>
+                </a:moveTo>
+                <a:lnTo>
+                  <a:pt x="1962338" y="0"/>
+                </a:lnTo>
+                <a:cubicBezTo>
+                  <a:pt x="2025569" y="0"/>
+                  <a:pt x="2076828" y="51259"/>
+                  <a:pt x="2076828" y="114490"/>
+                </a:cubicBezTo>
+                <a:lnTo>
+                  <a:pt x="2076828" y="675259"/>
+                </a:lnTo>
+                <a:cubicBezTo>
+                  <a:pt x="2076828" y="738490"/>
+                  <a:pt x="2025569" y="789749"/>
+                  <a:pt x="1962338" y="789749"/>
+                </a:cubicBezTo>
+                <a:lnTo>
+                  <a:pt x="372560" y="789749"/>
+                </a:lnTo>
+                <a:lnTo>
+                  <a:pt x="54379" y="1042247"/>
+                </a:lnTo>
+                <a:lnTo>
+                  <a:pt x="240376" y="789749"/>
+                </a:lnTo>
+                <a:lnTo>
+                  <a:pt x="114490" y="789749"/>
+                </a:lnTo>
+                <a:cubicBezTo>
+                  <a:pt x="51259" y="789749"/>
+                  <a:pt x="0" y="738490"/>
+                  <a:pt x="0" y="675259"/>
+                </a:cubicBezTo>
+                <a:lnTo>
+                  <a:pt x="0" y="114490"/>
+                </a:lnTo>
+                <a:cubicBezTo>
+                  <a:pt x="0" y="51259"/>
+                  <a:pt x="51259" y="0"/>
+                  <a:pt x="114490" y="0"/>
+                </a:cubicBezTo>
+                <a:close/>
+              </a:path>
+            </a:pathLst>
+          </a:custGeom>
+          <a:solidFill>
+            <a:schemeClr val="bg1"/>
+          </a:solidFill>
+          <a:ln>
+            <a:solidFill>
+              <a:schemeClr val="tx1"/>
+            </a:solidFill>
+          </a:ln>
+        </p:spPr>
+        <p:style>
+          <a:lnRef idx="2">
+            <a:schemeClr val="accent1">
+              <a:shade val="50000"/>
+            </a:schemeClr>
+          </a:lnRef>
+          <a:fillRef idx="1">
+            <a:schemeClr val="accent1"/>
+          </a:fillRef>
+          <a:effectRef idx="0">
+            <a:schemeClr val="accent1"/>
+          </a:effectRef>
+          <a:fontRef idx="minor">
+            <a:schemeClr val="lt1"/>
+          </a:fontRef>
+        </p:style>
+        <p:txBody>
+          <a:bodyPr rtlCol="0" anchor="ctr"/>
+          <a:lstStyle/>
+          <a:p>
+            <a:pPr algn="ctr"/>
+            <a:endParaRPr kumimoji="1" lang="ja-JP" altLang="en-US"/>
+          </a:p>
+        </p:txBody>
+      </p:sp>
+      <p:sp>
+        <p:nvSpPr>
+          <p:cNvPr id="11" name="テキスト ボックス 10">
+            <a:extLst>
+              <a:ext uri="{FF2B5EF4-FFF2-40B4-BE49-F238E27FC236}">
+                <a16:creationId xmlns:a16="http://schemas.microsoft.com/office/drawing/2014/main" id="{519F82E1-3703-1D4E-B224-5E0BC5161826}"/>
+              </a:ext>
+            </a:extLst>
+          </p:cNvPr>
+          <p:cNvSpPr txBox="1"/>
+          <p:nvPr/>
+        </p:nvSpPr>
+        <p:spPr>
+          <a:xfrm>
+            <a:off x="4134390" y="1937513"/>
+            <a:ext cx="2031325" cy="646331"/>
+          </a:xfrm>
+          <a:prstGeom prst="rect">
+            <a:avLst/>
+          </a:prstGeom>
+          <a:noFill/>
+        </p:spPr>
+        <p:txBody>
+          <a:bodyPr wrap="none" rtlCol="0">
+            <a:spAutoFit/>
+          </a:bodyPr>
+          <a:lstStyle/>
+          <a:p>
+            <a:r>
+              <a:rPr kumimoji="1" lang="ja-JP" altLang="en-US"/>
+              <a:t>スコアは</a:t>
+            </a:r>
+            <a:r>
+              <a:rPr lang="en-US" altLang="ja-JP"/>
+              <a:t>1〜10</a:t>
+            </a:r>
+            <a:r>
+              <a:rPr lang="ja-JP" altLang="en-US"/>
+              <a:t>で</a:t>
+            </a:r>
+            <a:endParaRPr lang="en-US" altLang="ja-JP"/>
+          </a:p>
+          <a:p>
+            <a:r>
+              <a:rPr kumimoji="1" lang="ja-JP" altLang="en-US"/>
+              <a:t>ランダムに決まる</a:t>
+            </a:r>
+          </a:p>
+        </p:txBody>
+      </p:sp>
+      <p:sp>
+        <p:nvSpPr>
+          <p:cNvPr id="15" name="テキスト ボックス 14">
+            <a:extLst>
+              <a:ext uri="{FF2B5EF4-FFF2-40B4-BE49-F238E27FC236}">
+                <a16:creationId xmlns:a16="http://schemas.microsoft.com/office/drawing/2014/main" id="{60440C01-D4AA-594F-8B6C-28767F38DACD}"/>
+              </a:ext>
+            </a:extLst>
+          </p:cNvPr>
+          <p:cNvSpPr txBox="1"/>
+          <p:nvPr/>
+        </p:nvSpPr>
+        <p:spPr>
+          <a:xfrm>
+            <a:off x="6946329" y="3850582"/>
+            <a:ext cx="3877985" cy="923330"/>
+          </a:xfrm>
+          <a:prstGeom prst="rect">
+            <a:avLst/>
+          </a:prstGeom>
+          <a:solidFill>
+            <a:schemeClr val="bg1"/>
+          </a:solidFill>
+        </p:spPr>
+        <p:txBody>
+          <a:bodyPr wrap="none" rtlCol="0">
+            <a:spAutoFit/>
+          </a:bodyPr>
+          <a:lstStyle/>
+          <a:p>
+            <a:r>
+              <a:rPr lang="ja-JP" altLang="en-US"/>
+              <a:t>魚を</a:t>
+            </a:r>
+            <a:r>
+              <a:rPr kumimoji="1" lang="ja-JP" altLang="en-US"/>
+              <a:t>食べきったらここに移動して、</a:t>
+            </a:r>
+            <a:endParaRPr kumimoji="1" lang="en-US" altLang="ja-JP"/>
+          </a:p>
+          <a:p>
+            <a:r>
+              <a:rPr kumimoji="1" lang="ja-JP" altLang="en-US"/>
+              <a:t>食べた魚の数と</a:t>
+            </a:r>
+            <a:endParaRPr kumimoji="1" lang="en-US" altLang="ja-JP"/>
+          </a:p>
+          <a:p>
+            <a:r>
+              <a:rPr kumimoji="1" lang="ja-JP" altLang="en-US"/>
+              <a:t>ハイスコアの魚の数を</a:t>
+            </a:r>
+            <a:r>
+              <a:rPr lang="ja-JP" altLang="en-US"/>
+              <a:t>しゃべる</a:t>
+            </a:r>
+            <a:endParaRPr kumimoji="1" lang="ja-JP" altLang="en-US"/>
+          </a:p>
+        </p:txBody>
+      </p:sp>
+      <p:cxnSp>
+        <p:nvCxnSpPr>
+          <p:cNvPr id="16" name="直線コネクタ 15">
+            <a:extLst>
+              <a:ext uri="{FF2B5EF4-FFF2-40B4-BE49-F238E27FC236}">
+                <a16:creationId xmlns:a16="http://schemas.microsoft.com/office/drawing/2014/main" id="{179C41C6-64BE-C543-A6E6-CCFFAEE7F14E}"/>
+              </a:ext>
+            </a:extLst>
+          </p:cNvPr>
+          <p:cNvCxnSpPr>
+            <a:cxnSpLocks/>
+          </p:cNvCxnSpPr>
+          <p:nvPr/>
+        </p:nvCxnSpPr>
+        <p:spPr>
+          <a:xfrm>
+            <a:off x="7797202" y="3358333"/>
+            <a:ext cx="0" cy="409740"/>
+          </a:xfrm>
+          <a:prstGeom prst="line">
+            <a:avLst/>
+          </a:prstGeom>
+          <a:ln w="19050">
+            <a:solidFill>
+              <a:srgbClr val="C00000"/>
+            </a:solidFill>
+          </a:ln>
+        </p:spPr>
+        <p:style>
+          <a:lnRef idx="1">
+            <a:schemeClr val="accent1"/>
+          </a:lnRef>
+          <a:fillRef idx="0">
+            <a:schemeClr val="accent1"/>
+          </a:fillRef>
+          <a:effectRef idx="0">
+            <a:schemeClr val="accent1"/>
+          </a:effectRef>
+          <a:fontRef idx="minor">
+            <a:schemeClr val="tx1"/>
+          </a:fontRef>
+        </p:style>
+      </p:cxnSp>
+      <p:sp>
+        <p:nvSpPr>
+          <p:cNvPr id="19" name="フリーフォーム 18">
+            <a:extLst>
+              <a:ext uri="{FF2B5EF4-FFF2-40B4-BE49-F238E27FC236}">
+                <a16:creationId xmlns:a16="http://schemas.microsoft.com/office/drawing/2014/main" id="{963B65D4-6DD4-AC4E-B0D2-C81CE26F8BAE}"/>
+              </a:ext>
+            </a:extLst>
+          </p:cNvPr>
+          <p:cNvSpPr/>
+          <p:nvPr/>
+        </p:nvSpPr>
+        <p:spPr>
+          <a:xfrm>
+            <a:off x="9258418" y="954772"/>
+            <a:ext cx="2076828" cy="1042247"/>
+          </a:xfrm>
+          <a:custGeom>
+            <a:avLst/>
+            <a:gdLst>
+              <a:gd name="connsiteX0" fmla="*/ 114490 w 2076828"/>
+              <a:gd name="connsiteY0" fmla="*/ 0 h 1042247"/>
+              <a:gd name="connsiteX1" fmla="*/ 1962338 w 2076828"/>
+              <a:gd name="connsiteY1" fmla="*/ 0 h 1042247"/>
+              <a:gd name="connsiteX2" fmla="*/ 2076828 w 2076828"/>
+              <a:gd name="connsiteY2" fmla="*/ 114490 h 1042247"/>
+              <a:gd name="connsiteX3" fmla="*/ 2076828 w 2076828"/>
+              <a:gd name="connsiteY3" fmla="*/ 675259 h 1042247"/>
+              <a:gd name="connsiteX4" fmla="*/ 1962338 w 2076828"/>
+              <a:gd name="connsiteY4" fmla="*/ 789749 h 1042247"/>
+              <a:gd name="connsiteX5" fmla="*/ 372560 w 2076828"/>
+              <a:gd name="connsiteY5" fmla="*/ 789749 h 1042247"/>
+              <a:gd name="connsiteX6" fmla="*/ 54379 w 2076828"/>
+              <a:gd name="connsiteY6" fmla="*/ 1042247 h 1042247"/>
+              <a:gd name="connsiteX7" fmla="*/ 240376 w 2076828"/>
+              <a:gd name="connsiteY7" fmla="*/ 789749 h 1042247"/>
+              <a:gd name="connsiteX8" fmla="*/ 114490 w 2076828"/>
+              <a:gd name="connsiteY8" fmla="*/ 789749 h 1042247"/>
+              <a:gd name="connsiteX9" fmla="*/ 0 w 2076828"/>
+              <a:gd name="connsiteY9" fmla="*/ 675259 h 1042247"/>
+              <a:gd name="connsiteX10" fmla="*/ 0 w 2076828"/>
+              <a:gd name="connsiteY10" fmla="*/ 114490 h 1042247"/>
+              <a:gd name="connsiteX11" fmla="*/ 114490 w 2076828"/>
+              <a:gd name="connsiteY11" fmla="*/ 0 h 1042247"/>
+            </a:gdLst>
+            <a:ahLst/>
+            <a:cxnLst>
+              <a:cxn ang="0">
+                <a:pos x="connsiteX0" y="connsiteY0"/>
+              </a:cxn>
+              <a:cxn ang="0">
+                <a:pos x="connsiteX1" y="connsiteY1"/>
+              </a:cxn>
+              <a:cxn ang="0">
+                <a:pos x="connsiteX2" y="connsiteY2"/>
+              </a:cxn>
+              <a:cxn ang="0">
+                <a:pos x="connsiteX3" y="connsiteY3"/>
+              </a:cxn>
+              <a:cxn ang="0">
+                <a:pos x="connsiteX4" y="connsiteY4"/>
+              </a:cxn>
+              <a:cxn ang="0">
+                <a:pos x="connsiteX5" y="connsiteY5"/>
+              </a:cxn>
+              <a:cxn ang="0">
+                <a:pos x="connsiteX6" y="connsiteY6"/>
+              </a:cxn>
+              <a:cxn ang="0">
+                <a:pos x="connsiteX7" y="connsiteY7"/>
+              </a:cxn>
+              <a:cxn ang="0">
+                <a:pos x="connsiteX8" y="connsiteY8"/>
+              </a:cxn>
+              <a:cxn ang="0">
+                <a:pos x="connsiteX9" y="connsiteY9"/>
+              </a:cxn>
+              <a:cxn ang="0">
+                <a:pos x="connsiteX10" y="connsiteY10"/>
+              </a:cxn>
+              <a:cxn ang="0">
+                <a:pos x="connsiteX11" y="connsiteY11"/>
+              </a:cxn>
+            </a:cxnLst>
+            <a:rect l="l" t="t" r="r" b="b"/>
+            <a:pathLst>
+              <a:path w="2076828" h="1042247">
+                <a:moveTo>
+                  <a:pt x="114490" y="0"/>
+                </a:moveTo>
+                <a:lnTo>
+                  <a:pt x="1962338" y="0"/>
+                </a:lnTo>
+                <a:cubicBezTo>
+                  <a:pt x="2025569" y="0"/>
+                  <a:pt x="2076828" y="51259"/>
+                  <a:pt x="2076828" y="114490"/>
+                </a:cubicBezTo>
+                <a:lnTo>
+                  <a:pt x="2076828" y="675259"/>
+                </a:lnTo>
+                <a:cubicBezTo>
+                  <a:pt x="2076828" y="738490"/>
+                  <a:pt x="2025569" y="789749"/>
+                  <a:pt x="1962338" y="789749"/>
+                </a:cubicBezTo>
+                <a:lnTo>
+                  <a:pt x="372560" y="789749"/>
+                </a:lnTo>
+                <a:lnTo>
+                  <a:pt x="54379" y="1042247"/>
+                </a:lnTo>
+                <a:lnTo>
+                  <a:pt x="240376" y="789749"/>
+                </a:lnTo>
+                <a:lnTo>
+                  <a:pt x="114490" y="789749"/>
+                </a:lnTo>
+                <a:cubicBezTo>
+                  <a:pt x="51259" y="789749"/>
+                  <a:pt x="0" y="738490"/>
+                  <a:pt x="0" y="675259"/>
+                </a:cubicBezTo>
+                <a:lnTo>
+                  <a:pt x="0" y="114490"/>
+                </a:lnTo>
+                <a:cubicBezTo>
+                  <a:pt x="0" y="51259"/>
+                  <a:pt x="51259" y="0"/>
+                  <a:pt x="114490" y="0"/>
+                </a:cubicBezTo>
+                <a:close/>
+              </a:path>
+            </a:pathLst>
+          </a:custGeom>
+          <a:solidFill>
+            <a:schemeClr val="bg1"/>
+          </a:solidFill>
+          <a:ln>
+            <a:solidFill>
+              <a:schemeClr val="tx1"/>
+            </a:solidFill>
+          </a:ln>
+        </p:spPr>
+        <p:style>
+          <a:lnRef idx="2">
+            <a:schemeClr val="accent1">
+              <a:shade val="50000"/>
+            </a:schemeClr>
+          </a:lnRef>
+          <a:fillRef idx="1">
+            <a:schemeClr val="accent1"/>
+          </a:fillRef>
+          <a:effectRef idx="0">
+            <a:schemeClr val="accent1"/>
+          </a:effectRef>
+          <a:fontRef idx="minor">
+            <a:schemeClr val="lt1"/>
+          </a:fontRef>
+        </p:style>
+        <p:txBody>
+          <a:bodyPr rtlCol="0" anchor="ctr"/>
+          <a:lstStyle/>
+          <a:p>
+            <a:pPr algn="ctr"/>
+            <a:endParaRPr kumimoji="1" lang="ja-JP" altLang="en-US"/>
+          </a:p>
+        </p:txBody>
+      </p:sp>
+      <p:sp>
+        <p:nvSpPr>
+          <p:cNvPr id="20" name="テキスト ボックス 19">
+            <a:extLst>
+              <a:ext uri="{FF2B5EF4-FFF2-40B4-BE49-F238E27FC236}">
+                <a16:creationId xmlns:a16="http://schemas.microsoft.com/office/drawing/2014/main" id="{2E2D87BE-6797-8045-BF53-754A5EA46669}"/>
+              </a:ext>
+            </a:extLst>
+          </p:cNvPr>
+          <p:cNvSpPr txBox="1"/>
+          <p:nvPr/>
+        </p:nvSpPr>
+        <p:spPr>
+          <a:xfrm>
+            <a:off x="9290037" y="1049308"/>
+            <a:ext cx="2031325" cy="646331"/>
+          </a:xfrm>
+          <a:prstGeom prst="rect">
+            <a:avLst/>
+          </a:prstGeom>
+          <a:noFill/>
+        </p:spPr>
+        <p:txBody>
+          <a:bodyPr wrap="none" rtlCol="0">
+            <a:spAutoFit/>
+          </a:bodyPr>
+          <a:lstStyle/>
+          <a:p>
+            <a:r>
+              <a:rPr kumimoji="1" lang="ja-JP" altLang="en-US"/>
+              <a:t>ハイスコアの魚を</a:t>
+            </a:r>
+            <a:endParaRPr kumimoji="1" lang="en-US" altLang="ja-JP"/>
+          </a:p>
+          <a:p>
+            <a:r>
+              <a:rPr lang="ja-JP" altLang="en-US"/>
+              <a:t>並べて表示</a:t>
             </a:r>
             <a:endParaRPr kumimoji="1" lang="ja-JP" altLang="en-US"/>
           </a:p>
